--- a/Vulkan presentation/Vulkan_group_08.pptx
+++ b/Vulkan presentation/Vulkan_group_08.pptx
@@ -5,22 +5,26 @@
     <p:sldMasterId id="2147483672" r:id="rId1"/>
   </p:sldMasterIdLst>
   <p:notesMasterIdLst>
-    <p:notesMasterId r:id="rId15"/>
+    <p:notesMasterId r:id="rId19"/>
   </p:notesMasterIdLst>
   <p:sldIdLst>
     <p:sldId id="256" r:id="rId2"/>
     <p:sldId id="257" r:id="rId3"/>
-    <p:sldId id="258" r:id="rId4"/>
-    <p:sldId id="259" r:id="rId5"/>
-    <p:sldId id="260" r:id="rId6"/>
-    <p:sldId id="268" r:id="rId7"/>
-    <p:sldId id="261" r:id="rId8"/>
-    <p:sldId id="262" r:id="rId9"/>
-    <p:sldId id="263" r:id="rId10"/>
-    <p:sldId id="264" r:id="rId11"/>
-    <p:sldId id="265" r:id="rId12"/>
-    <p:sldId id="266" r:id="rId13"/>
-    <p:sldId id="269" r:id="rId14"/>
+    <p:sldId id="270" r:id="rId4"/>
+    <p:sldId id="271" r:id="rId5"/>
+    <p:sldId id="272" r:id="rId6"/>
+    <p:sldId id="273" r:id="rId7"/>
+    <p:sldId id="258" r:id="rId8"/>
+    <p:sldId id="259" r:id="rId9"/>
+    <p:sldId id="260" r:id="rId10"/>
+    <p:sldId id="268" r:id="rId11"/>
+    <p:sldId id="261" r:id="rId12"/>
+    <p:sldId id="262" r:id="rId13"/>
+    <p:sldId id="263" r:id="rId14"/>
+    <p:sldId id="264" r:id="rId15"/>
+    <p:sldId id="265" r:id="rId16"/>
+    <p:sldId id="266" r:id="rId17"/>
+    <p:sldId id="269" r:id="rId18"/>
   </p:sldIdLst>
   <p:sldSz cx="9144000" cy="6858000" type="screen4x3"/>
   <p:notesSz cx="6858000" cy="9144000"/>
@@ -119,7 +123,27 @@
       </a:defRPr>
     </a:lvl9pPr>
   </p:defaultTextStyle>
+  <p:extLst>
+    <p:ext uri="{EFAFB233-063F-42B5-8137-9DF3F51BA10A}">
+      <p15:sldGuideLst xmlns:p15="http://schemas.microsoft.com/office/powerpoint/2012/main">
+        <p15:guide id="1" orient="horz" pos="2160">
+          <p15:clr>
+            <a:srgbClr val="A4A3A4"/>
+          </p15:clr>
+        </p15:guide>
+        <p15:guide id="2" pos="2880">
+          <p15:clr>
+            <a:srgbClr val="A4A3A4"/>
+          </p15:clr>
+        </p15:guide>
+      </p15:sldGuideLst>
+    </p:ext>
+  </p:extLst>
 </p:presentation>
+</file>
+
+<file path=ppt/revisionInfo.xml><?xml version="1.0" encoding="utf-8"?>
+<p1510:revInfo xmlns:a="http://schemas.openxmlformats.org/drawingml/2006/main" xmlns:r="http://schemas.openxmlformats.org/officeDocument/2006/relationships" xmlns:p1510="http://schemas.microsoft.com/office/powerpoint/2015/10/main"/>
 </file>
 
 <file path=ppt/notesMasters/notesMaster1.xml><?xml version="1.0" encoding="utf-8"?>
@@ -204,7 +228,7 @@
           <a:p>
             <a:fld id="{D2F9FFCB-9370-4927-8ABB-825B651981E5}" type="datetimeFigureOut">
               <a:rPr lang="it-IT" smtClean="0"/>
-              <a:t>10/01/2018</a:t>
+              <a:t>14/01/2018</a:t>
             </a:fld>
             <a:endParaRPr lang="it-IT"/>
           </a:p>
@@ -268,35 +292,35 @@
           <a:p>
             <a:pPr lvl="0"/>
             <a:r>
-              <a:rPr lang="en-US" smtClean="0"/>
+              <a:rPr lang="en-US"/>
               <a:t>Click to edit Master text styles</a:t>
             </a:r>
           </a:p>
           <a:p>
             <a:pPr lvl="1"/>
             <a:r>
-              <a:rPr lang="en-US" smtClean="0"/>
+              <a:rPr lang="en-US"/>
               <a:t>Second level</a:t>
             </a:r>
           </a:p>
           <a:p>
             <a:pPr lvl="2"/>
             <a:r>
-              <a:rPr lang="en-US" smtClean="0"/>
+              <a:rPr lang="en-US"/>
               <a:t>Third level</a:t>
             </a:r>
           </a:p>
           <a:p>
             <a:pPr lvl="3"/>
             <a:r>
-              <a:rPr lang="en-US" smtClean="0"/>
+              <a:rPr lang="en-US"/>
               <a:t>Fourth level</a:t>
             </a:r>
           </a:p>
           <a:p>
             <a:pPr lvl="4"/>
             <a:r>
-              <a:rPr lang="en-US" smtClean="0"/>
+              <a:rPr lang="en-US"/>
               <a:t>Fifth level</a:t>
             </a:r>
             <a:endParaRPr lang="it-IT"/>
@@ -363,7 +387,7 @@
           <a:p>
             <a:fld id="{C94ADC0E-82C0-49A7-ABE3-72080B32BDE5}" type="slidenum">
               <a:rPr lang="it-IT" smtClean="0"/>
-              <a:t>‹#›</a:t>
+              <a:t>‹N›</a:t>
             </a:fld>
             <a:endParaRPr lang="it-IT"/>
           </a:p>
@@ -517,29 +541,29 @@
           <a:lstStyle/>
           <a:p>
             <a:r>
-              <a:rPr lang="it-IT" dirty="0" smtClean="0"/>
+              <a:rPr lang="it-IT" dirty="0"/>
               <a:t>Parte</a:t>
             </a:r>
             <a:r>
-              <a:rPr lang="it-IT" baseline="0" dirty="0" smtClean="0"/>
+              <a:rPr lang="it-IT" baseline="0" dirty="0"/>
               <a:t> 1: Storia+Introduzione -&gt;Alessia</a:t>
             </a:r>
           </a:p>
           <a:p>
             <a:r>
-              <a:rPr lang="it-IT" baseline="0" dirty="0" smtClean="0"/>
+              <a:rPr lang="it-IT" baseline="0" dirty="0"/>
               <a:t>Parte 2: SpirV-Multithreading -&gt;Giulia</a:t>
             </a:r>
           </a:p>
           <a:p>
             <a:r>
-              <a:rPr lang="it-IT" baseline="0" dirty="0" smtClean="0"/>
+              <a:rPr lang="it-IT" baseline="0" dirty="0"/>
               <a:t>Parte 3. Controllo diretto GPU, scegliere Vulkan -&gt;Alessandro</a:t>
             </a:r>
           </a:p>
           <a:p>
             <a:r>
-              <a:rPr lang="it-IT" baseline="0" dirty="0" smtClean="0"/>
+              <a:rPr lang="it-IT" baseline="0" dirty="0"/>
               <a:t>Parte 4: Confronto OpenGl e Conclusioni -&gt;Fede</a:t>
             </a:r>
             <a:endParaRPr lang="it-IT" dirty="0"/>
@@ -626,6 +650,48 @@
           <a:bodyPr/>
           <a:lstStyle/>
           <a:p>
+            <a:r>
+              <a:rPr lang="en-US" dirty="0"/>
+              <a:t>Simpler drivers: Improved efficiency/performance Reduced CPU bottlenecks Lower latency Increased portability</a:t>
+            </a:r>
+          </a:p>
+          <a:p>
+            <a:r>
+              <a:rPr lang="en-US" dirty="0"/>
+              <a:t>Resource management in app code: Less hitches and surprises</a:t>
+            </a:r>
+          </a:p>
+          <a:p>
+            <a:r>
+              <a:rPr lang="en-US" dirty="0"/>
+              <a:t>Command Buffers: Command creation can be multi-threaded Multiple CPU cores increase performance</a:t>
+            </a:r>
+          </a:p>
+          <a:p>
+            <a:r>
+              <a:rPr lang="en-US" dirty="0"/>
+              <a:t>Graphics, compute and DMA queues: Work dispatch flexibility</a:t>
+            </a:r>
+          </a:p>
+          <a:p>
+            <a:r>
+              <a:rPr lang="en-US" dirty="0"/>
+              <a:t>SPIR-V Pre-compiled </a:t>
+            </a:r>
+            <a:r>
+              <a:rPr lang="en-US" dirty="0" err="1"/>
+              <a:t>Shaders</a:t>
+            </a:r>
+            <a:r>
+              <a:rPr lang="en-US" dirty="0"/>
+              <a:t>: No front-end compiler in driver Future shading language flexibility</a:t>
+            </a:r>
+          </a:p>
+          <a:p>
+            <a:r>
+              <a:rPr lang="en-US" dirty="0"/>
+              <a:t>Loadable Layers No error handling overhead in production code </a:t>
+            </a:r>
             <a:endParaRPr lang="it-IT" dirty="0"/>
           </a:p>
         </p:txBody>
@@ -834,6 +900,342 @@
 </p:notes>
 </file>
 
+<file path=ppt/notesSlides/notesSlide13.xml><?xml version="1.0" encoding="utf-8"?>
+<p:notes xmlns:a="http://schemas.openxmlformats.org/drawingml/2006/main" xmlns:r="http://schemas.openxmlformats.org/officeDocument/2006/relationships" xmlns:p="http://schemas.openxmlformats.org/presentationml/2006/main">
+  <p:cSld>
+    <p:spTree>
+      <p:nvGrpSpPr>
+        <p:cNvPr id="1" name=""/>
+        <p:cNvGrpSpPr/>
+        <p:nvPr/>
+      </p:nvGrpSpPr>
+      <p:grpSpPr>
+        <a:xfrm>
+          <a:off x="0" y="0"/>
+          <a:ext cx="0" cy="0"/>
+          <a:chOff x="0" y="0"/>
+          <a:chExt cx="0" cy="0"/>
+        </a:xfrm>
+      </p:grpSpPr>
+      <p:sp>
+        <p:nvSpPr>
+          <p:cNvPr id="2" name="Slide Image Placeholder 1"/>
+          <p:cNvSpPr>
+            <a:spLocks noGrp="1" noRot="1" noChangeAspect="1"/>
+          </p:cNvSpPr>
+          <p:nvPr>
+            <p:ph type="sldImg"/>
+          </p:nvPr>
+        </p:nvSpPr>
+        <p:spPr/>
+      </p:sp>
+      <p:sp>
+        <p:nvSpPr>
+          <p:cNvPr id="3" name="Notes Placeholder 2"/>
+          <p:cNvSpPr>
+            <a:spLocks noGrp="1"/>
+          </p:cNvSpPr>
+          <p:nvPr>
+            <p:ph type="body" idx="1"/>
+          </p:nvPr>
+        </p:nvSpPr>
+        <p:spPr/>
+        <p:txBody>
+          <a:bodyPr/>
+          <a:lstStyle/>
+          <a:p>
+            <a:endParaRPr lang="it-IT" dirty="0"/>
+          </a:p>
+        </p:txBody>
+      </p:sp>
+      <p:sp>
+        <p:nvSpPr>
+          <p:cNvPr id="4" name="Slide Number Placeholder 3"/>
+          <p:cNvSpPr>
+            <a:spLocks noGrp="1"/>
+          </p:cNvSpPr>
+          <p:nvPr>
+            <p:ph type="sldNum" sz="quarter" idx="10"/>
+          </p:nvPr>
+        </p:nvSpPr>
+        <p:spPr/>
+        <p:txBody>
+          <a:bodyPr/>
+          <a:lstStyle/>
+          <a:p>
+            <a:fld id="{C94ADC0E-82C0-49A7-ABE3-72080B32BDE5}" type="slidenum">
+              <a:rPr lang="it-IT" smtClean="0"/>
+              <a:t>14</a:t>
+            </a:fld>
+            <a:endParaRPr lang="it-IT"/>
+          </a:p>
+        </p:txBody>
+      </p:sp>
+    </p:spTree>
+    <p:extLst>
+      <p:ext uri="{BB962C8B-B14F-4D97-AF65-F5344CB8AC3E}">
+        <p14:creationId xmlns:p14="http://schemas.microsoft.com/office/powerpoint/2010/main" val="1679547345"/>
+      </p:ext>
+    </p:extLst>
+  </p:cSld>
+  <p:clrMapOvr>
+    <a:masterClrMapping/>
+  </p:clrMapOvr>
+</p:notes>
+</file>
+
+<file path=ppt/notesSlides/notesSlide14.xml><?xml version="1.0" encoding="utf-8"?>
+<p:notes xmlns:a="http://schemas.openxmlformats.org/drawingml/2006/main" xmlns:r="http://schemas.openxmlformats.org/officeDocument/2006/relationships" xmlns:p="http://schemas.openxmlformats.org/presentationml/2006/main">
+  <p:cSld>
+    <p:spTree>
+      <p:nvGrpSpPr>
+        <p:cNvPr id="1" name=""/>
+        <p:cNvGrpSpPr/>
+        <p:nvPr/>
+      </p:nvGrpSpPr>
+      <p:grpSpPr>
+        <a:xfrm>
+          <a:off x="0" y="0"/>
+          <a:ext cx="0" cy="0"/>
+          <a:chOff x="0" y="0"/>
+          <a:chExt cx="0" cy="0"/>
+        </a:xfrm>
+      </p:grpSpPr>
+      <p:sp>
+        <p:nvSpPr>
+          <p:cNvPr id="2" name="Slide Image Placeholder 1"/>
+          <p:cNvSpPr>
+            <a:spLocks noGrp="1" noRot="1" noChangeAspect="1"/>
+          </p:cNvSpPr>
+          <p:nvPr>
+            <p:ph type="sldImg"/>
+          </p:nvPr>
+        </p:nvSpPr>
+        <p:spPr/>
+      </p:sp>
+      <p:sp>
+        <p:nvSpPr>
+          <p:cNvPr id="3" name="Notes Placeholder 2"/>
+          <p:cNvSpPr>
+            <a:spLocks noGrp="1"/>
+          </p:cNvSpPr>
+          <p:nvPr>
+            <p:ph type="body" idx="1"/>
+          </p:nvPr>
+        </p:nvSpPr>
+        <p:spPr/>
+        <p:txBody>
+          <a:bodyPr/>
+          <a:lstStyle/>
+          <a:p>
+            <a:endParaRPr lang="it-IT" dirty="0"/>
+          </a:p>
+        </p:txBody>
+      </p:sp>
+      <p:sp>
+        <p:nvSpPr>
+          <p:cNvPr id="4" name="Slide Number Placeholder 3"/>
+          <p:cNvSpPr>
+            <a:spLocks noGrp="1"/>
+          </p:cNvSpPr>
+          <p:nvPr>
+            <p:ph type="sldNum" sz="quarter" idx="10"/>
+          </p:nvPr>
+        </p:nvSpPr>
+        <p:spPr/>
+        <p:txBody>
+          <a:bodyPr/>
+          <a:lstStyle/>
+          <a:p>
+            <a:fld id="{C94ADC0E-82C0-49A7-ABE3-72080B32BDE5}" type="slidenum">
+              <a:rPr lang="it-IT" smtClean="0"/>
+              <a:t>15</a:t>
+            </a:fld>
+            <a:endParaRPr lang="it-IT"/>
+          </a:p>
+        </p:txBody>
+      </p:sp>
+    </p:spTree>
+    <p:extLst>
+      <p:ext uri="{BB962C8B-B14F-4D97-AF65-F5344CB8AC3E}">
+        <p14:creationId xmlns:p14="http://schemas.microsoft.com/office/powerpoint/2010/main" val="1679547345"/>
+      </p:ext>
+    </p:extLst>
+  </p:cSld>
+  <p:clrMapOvr>
+    <a:masterClrMapping/>
+  </p:clrMapOvr>
+</p:notes>
+</file>
+
+<file path=ppt/notesSlides/notesSlide15.xml><?xml version="1.0" encoding="utf-8"?>
+<p:notes xmlns:a="http://schemas.openxmlformats.org/drawingml/2006/main" xmlns:r="http://schemas.openxmlformats.org/officeDocument/2006/relationships" xmlns:p="http://schemas.openxmlformats.org/presentationml/2006/main">
+  <p:cSld>
+    <p:spTree>
+      <p:nvGrpSpPr>
+        <p:cNvPr id="1" name=""/>
+        <p:cNvGrpSpPr/>
+        <p:nvPr/>
+      </p:nvGrpSpPr>
+      <p:grpSpPr>
+        <a:xfrm>
+          <a:off x="0" y="0"/>
+          <a:ext cx="0" cy="0"/>
+          <a:chOff x="0" y="0"/>
+          <a:chExt cx="0" cy="0"/>
+        </a:xfrm>
+      </p:grpSpPr>
+      <p:sp>
+        <p:nvSpPr>
+          <p:cNvPr id="2" name="Slide Image Placeholder 1"/>
+          <p:cNvSpPr>
+            <a:spLocks noGrp="1" noRot="1" noChangeAspect="1"/>
+          </p:cNvSpPr>
+          <p:nvPr>
+            <p:ph type="sldImg"/>
+          </p:nvPr>
+        </p:nvSpPr>
+        <p:spPr/>
+      </p:sp>
+      <p:sp>
+        <p:nvSpPr>
+          <p:cNvPr id="3" name="Notes Placeholder 2"/>
+          <p:cNvSpPr>
+            <a:spLocks noGrp="1"/>
+          </p:cNvSpPr>
+          <p:nvPr>
+            <p:ph type="body" idx="1"/>
+          </p:nvPr>
+        </p:nvSpPr>
+        <p:spPr/>
+        <p:txBody>
+          <a:bodyPr/>
+          <a:lstStyle/>
+          <a:p>
+            <a:endParaRPr lang="it-IT" dirty="0"/>
+          </a:p>
+        </p:txBody>
+      </p:sp>
+      <p:sp>
+        <p:nvSpPr>
+          <p:cNvPr id="4" name="Slide Number Placeholder 3"/>
+          <p:cNvSpPr>
+            <a:spLocks noGrp="1"/>
+          </p:cNvSpPr>
+          <p:nvPr>
+            <p:ph type="sldNum" sz="quarter" idx="10"/>
+          </p:nvPr>
+        </p:nvSpPr>
+        <p:spPr/>
+        <p:txBody>
+          <a:bodyPr/>
+          <a:lstStyle/>
+          <a:p>
+            <a:fld id="{C94ADC0E-82C0-49A7-ABE3-72080B32BDE5}" type="slidenum">
+              <a:rPr lang="it-IT" smtClean="0"/>
+              <a:t>16</a:t>
+            </a:fld>
+            <a:endParaRPr lang="it-IT"/>
+          </a:p>
+        </p:txBody>
+      </p:sp>
+    </p:spTree>
+    <p:extLst>
+      <p:ext uri="{BB962C8B-B14F-4D97-AF65-F5344CB8AC3E}">
+        <p14:creationId xmlns:p14="http://schemas.microsoft.com/office/powerpoint/2010/main" val="1679547345"/>
+      </p:ext>
+    </p:extLst>
+  </p:cSld>
+  <p:clrMapOvr>
+    <a:masterClrMapping/>
+  </p:clrMapOvr>
+</p:notes>
+</file>
+
+<file path=ppt/notesSlides/notesSlide16.xml><?xml version="1.0" encoding="utf-8"?>
+<p:notes xmlns:a="http://schemas.openxmlformats.org/drawingml/2006/main" xmlns:r="http://schemas.openxmlformats.org/officeDocument/2006/relationships" xmlns:p="http://schemas.openxmlformats.org/presentationml/2006/main">
+  <p:cSld>
+    <p:spTree>
+      <p:nvGrpSpPr>
+        <p:cNvPr id="1" name=""/>
+        <p:cNvGrpSpPr/>
+        <p:nvPr/>
+      </p:nvGrpSpPr>
+      <p:grpSpPr>
+        <a:xfrm>
+          <a:off x="0" y="0"/>
+          <a:ext cx="0" cy="0"/>
+          <a:chOff x="0" y="0"/>
+          <a:chExt cx="0" cy="0"/>
+        </a:xfrm>
+      </p:grpSpPr>
+      <p:sp>
+        <p:nvSpPr>
+          <p:cNvPr id="2" name="Slide Image Placeholder 1"/>
+          <p:cNvSpPr>
+            <a:spLocks noGrp="1" noRot="1" noChangeAspect="1"/>
+          </p:cNvSpPr>
+          <p:nvPr>
+            <p:ph type="sldImg"/>
+          </p:nvPr>
+        </p:nvSpPr>
+        <p:spPr/>
+      </p:sp>
+      <p:sp>
+        <p:nvSpPr>
+          <p:cNvPr id="3" name="Notes Placeholder 2"/>
+          <p:cNvSpPr>
+            <a:spLocks noGrp="1"/>
+          </p:cNvSpPr>
+          <p:nvPr>
+            <p:ph type="body" idx="1"/>
+          </p:nvPr>
+        </p:nvSpPr>
+        <p:spPr/>
+        <p:txBody>
+          <a:bodyPr/>
+          <a:lstStyle/>
+          <a:p>
+            <a:endParaRPr lang="it-IT" dirty="0"/>
+          </a:p>
+        </p:txBody>
+      </p:sp>
+      <p:sp>
+        <p:nvSpPr>
+          <p:cNvPr id="4" name="Slide Number Placeholder 3"/>
+          <p:cNvSpPr>
+            <a:spLocks noGrp="1"/>
+          </p:cNvSpPr>
+          <p:nvPr>
+            <p:ph type="sldNum" sz="quarter" idx="10"/>
+          </p:nvPr>
+        </p:nvSpPr>
+        <p:spPr/>
+        <p:txBody>
+          <a:bodyPr/>
+          <a:lstStyle/>
+          <a:p>
+            <a:fld id="{C94ADC0E-82C0-49A7-ABE3-72080B32BDE5}" type="slidenum">
+              <a:rPr lang="it-IT" smtClean="0"/>
+              <a:t>17</a:t>
+            </a:fld>
+            <a:endParaRPr lang="it-IT"/>
+          </a:p>
+        </p:txBody>
+      </p:sp>
+    </p:spTree>
+    <p:extLst>
+      <p:ext uri="{BB962C8B-B14F-4D97-AF65-F5344CB8AC3E}">
+        <p14:creationId xmlns:p14="http://schemas.microsoft.com/office/powerpoint/2010/main" val="1679547345"/>
+      </p:ext>
+    </p:extLst>
+  </p:cSld>
+  <p:clrMapOvr>
+    <a:masterClrMapping/>
+  </p:clrMapOvr>
+</p:notes>
+</file>
+
 <file path=ppt/notesSlides/notesSlide2.xml><?xml version="1.0" encoding="utf-8"?>
 <p:notes xmlns:a="http://schemas.openxmlformats.org/drawingml/2006/main" xmlns:r="http://schemas.openxmlformats.org/officeDocument/2006/relationships" xmlns:p="http://schemas.openxmlformats.org/presentationml/2006/main">
   <p:cSld>
@@ -853,7 +1255,7 @@
       </p:grpSpPr>
       <p:sp>
         <p:nvSpPr>
-          <p:cNvPr id="2" name="Slide Image Placeholder 1"/>
+          <p:cNvPr id="2" name="Segnaposto immagine diapositiva 1"/>
           <p:cNvSpPr>
             <a:spLocks noGrp="1" noRot="1" noChangeAspect="1"/>
           </p:cNvSpPr>
@@ -865,7 +1267,7 @@
       </p:sp>
       <p:sp>
         <p:nvSpPr>
-          <p:cNvPr id="3" name="Notes Placeholder 2"/>
+          <p:cNvPr id="3" name="Segnaposto note 2"/>
           <p:cNvSpPr>
             <a:spLocks noGrp="1"/>
           </p:cNvSpPr>
@@ -878,13 +1280,242 @@
           <a:bodyPr/>
           <a:lstStyle/>
           <a:p>
-            <a:r>
-              <a:rPr lang="it-IT" dirty="0" smtClean="0"/>
-              <a:t>Formato binario fornito da vulkan per ridurre lavoro</a:t>
-            </a:r>
-            <a:r>
-              <a:rPr lang="it-IT" baseline="0" dirty="0" smtClean="0"/>
-              <a:t> + shader scritti in linguaggio diverso da glsl</a:t>
+            <a:pPr marL="0" marR="0" lvl="0" indent="0" algn="l" defTabSz="914400" rtl="0" eaLnBrk="1" fontAlgn="auto" latinLnBrk="0" hangingPunct="1">
+              <a:lnSpc>
+                <a:spcPct val="100000"/>
+              </a:lnSpc>
+              <a:spcBef>
+                <a:spcPts val="0"/>
+              </a:spcBef>
+              <a:spcAft>
+                <a:spcPts val="0"/>
+              </a:spcAft>
+              <a:buClrTx/>
+              <a:buSzTx/>
+              <a:buFontTx/>
+              <a:buNone/>
+              <a:tabLst/>
+              <a:defRPr/>
+            </a:pPr>
+            <a:r>
+              <a:rPr lang="it-IT" sz="1200" kern="1200" dirty="0">
+                <a:solidFill>
+                  <a:schemeClr val="tx1"/>
+                </a:solidFill>
+                <a:effectLst/>
+                <a:latin typeface="+mn-lt"/>
+                <a:ea typeface="+mn-ea"/>
+                <a:cs typeface="+mn-cs"/>
+              </a:rPr>
+              <a:t>Il </a:t>
+            </a:r>
+            <a:r>
+              <a:rPr lang="it-IT" sz="1200" b="1" kern="1200" dirty="0" err="1">
+                <a:solidFill>
+                  <a:schemeClr val="tx1"/>
+                </a:solidFill>
+                <a:effectLst/>
+                <a:latin typeface="+mn-lt"/>
+                <a:ea typeface="+mn-ea"/>
+                <a:cs typeface="+mn-cs"/>
+              </a:rPr>
+              <a:t>Khronos</a:t>
+            </a:r>
+            <a:r>
+              <a:rPr lang="it-IT" sz="1200" b="1" kern="1200" dirty="0">
+                <a:solidFill>
+                  <a:schemeClr val="tx1"/>
+                </a:solidFill>
+                <a:effectLst/>
+                <a:latin typeface="+mn-lt"/>
+                <a:ea typeface="+mn-ea"/>
+                <a:cs typeface="+mn-cs"/>
+              </a:rPr>
+              <a:t> Group</a:t>
+            </a:r>
+            <a:r>
+              <a:rPr lang="it-IT" sz="1200" kern="1200" dirty="0">
+                <a:solidFill>
+                  <a:schemeClr val="tx1"/>
+                </a:solidFill>
+                <a:effectLst/>
+                <a:latin typeface="+mn-lt"/>
+                <a:ea typeface="+mn-ea"/>
+                <a:cs typeface="+mn-cs"/>
+              </a:rPr>
+              <a:t>, fondato nel </a:t>
+            </a:r>
+            <a:r>
+              <a:rPr lang="it-IT" sz="1200" u="none" strike="noStrike" kern="1200" dirty="0">
+                <a:solidFill>
+                  <a:schemeClr val="tx1"/>
+                </a:solidFill>
+                <a:effectLst/>
+                <a:latin typeface="+mn-lt"/>
+                <a:ea typeface="+mn-ea"/>
+                <a:cs typeface="+mn-cs"/>
+                <a:hlinkClick r:id="rId3" tooltip="2000"/>
+              </a:rPr>
+              <a:t>2000</a:t>
+            </a:r>
+            <a:r>
+              <a:rPr lang="it-IT" sz="1200" kern="1200" dirty="0">
+                <a:solidFill>
+                  <a:schemeClr val="tx1"/>
+                </a:solidFill>
+                <a:effectLst/>
+                <a:latin typeface="+mn-lt"/>
+                <a:ea typeface="+mn-ea"/>
+                <a:cs typeface="+mn-cs"/>
+              </a:rPr>
+              <a:t>, è un consorzio focalizzato alla creazione di </a:t>
+            </a:r>
+            <a:r>
+              <a:rPr lang="it-IT" sz="1200" u="none" strike="noStrike" kern="1200" dirty="0">
+                <a:solidFill>
+                  <a:schemeClr val="tx1"/>
+                </a:solidFill>
+                <a:effectLst/>
+                <a:latin typeface="+mn-lt"/>
+                <a:ea typeface="+mn-ea"/>
+                <a:cs typeface="+mn-cs"/>
+                <a:hlinkClick r:id="rId4" tooltip="Standard aperto"/>
+              </a:rPr>
+              <a:t>standard aperti</a:t>
+            </a:r>
+            <a:r>
+              <a:rPr lang="it-IT" sz="1200" kern="1200" dirty="0">
+                <a:solidFill>
+                  <a:schemeClr val="tx1"/>
+                </a:solidFill>
+                <a:effectLst/>
+                <a:latin typeface="+mn-lt"/>
+                <a:ea typeface="+mn-ea"/>
+                <a:cs typeface="+mn-cs"/>
+              </a:rPr>
+              <a:t> per </a:t>
+            </a:r>
+            <a:r>
+              <a:rPr lang="it-IT" sz="1200" u="none" strike="noStrike" kern="1200" dirty="0">
+                <a:solidFill>
+                  <a:schemeClr val="tx1"/>
+                </a:solidFill>
+                <a:effectLst/>
+                <a:latin typeface="+mn-lt"/>
+                <a:ea typeface="+mn-ea"/>
+                <a:cs typeface="+mn-cs"/>
+                <a:hlinkClick r:id="rId5" tooltip="Application programming interface"/>
+              </a:rPr>
+              <a:t>API</a:t>
+            </a:r>
+            <a:r>
+              <a:rPr lang="it-IT" sz="1200" kern="1200" dirty="0">
+                <a:solidFill>
+                  <a:schemeClr val="tx1"/>
+                </a:solidFill>
+                <a:effectLst/>
+                <a:latin typeface="+mn-lt"/>
+                <a:ea typeface="+mn-ea"/>
+                <a:cs typeface="+mn-cs"/>
+              </a:rPr>
+              <a:t> libere da </a:t>
+            </a:r>
+            <a:r>
+              <a:rPr lang="it-IT" sz="1200" u="none" strike="noStrike" kern="1200" dirty="0">
+                <a:solidFill>
+                  <a:schemeClr val="tx1"/>
+                </a:solidFill>
+                <a:effectLst/>
+                <a:latin typeface="+mn-lt"/>
+                <a:ea typeface="+mn-ea"/>
+                <a:cs typeface="+mn-cs"/>
+                <a:hlinkClick r:id="rId6" tooltip="Royalty"/>
+              </a:rPr>
+              <a:t>royalty</a:t>
+            </a:r>
+            <a:r>
+              <a:rPr lang="it-IT" sz="1200" kern="1200" dirty="0">
+                <a:solidFill>
+                  <a:schemeClr val="tx1"/>
+                </a:solidFill>
+                <a:effectLst/>
+                <a:latin typeface="+mn-lt"/>
+                <a:ea typeface="+mn-ea"/>
+                <a:cs typeface="+mn-cs"/>
+              </a:rPr>
+              <a:t> per la realizzazione di media dinamici per un'ampia varietà di piattaforme e dispositivi. Tutti i membri di </a:t>
+            </a:r>
+            <a:r>
+              <a:rPr lang="it-IT" sz="1200" kern="1200" dirty="0" err="1">
+                <a:solidFill>
+                  <a:schemeClr val="tx1"/>
+                </a:solidFill>
+                <a:effectLst/>
+                <a:latin typeface="+mn-lt"/>
+                <a:ea typeface="+mn-ea"/>
+                <a:cs typeface="+mn-cs"/>
+              </a:rPr>
+              <a:t>Khronos</a:t>
+            </a:r>
+            <a:r>
+              <a:rPr lang="it-IT" sz="1200" kern="1200" dirty="0">
+                <a:solidFill>
+                  <a:schemeClr val="tx1"/>
+                </a:solidFill>
+                <a:effectLst/>
+                <a:latin typeface="+mn-lt"/>
+                <a:ea typeface="+mn-ea"/>
+                <a:cs typeface="+mn-cs"/>
+              </a:rPr>
+              <a:t> contribuiscono allo sviluppo delle specifiche per le API. Tra i tanti nomi </a:t>
+            </a:r>
+            <a:r>
+              <a:rPr lang="it-IT" sz="1200" kern="1200" dirty="0" err="1">
+                <a:solidFill>
+                  <a:schemeClr val="tx1"/>
+                </a:solidFill>
+                <a:effectLst/>
+                <a:latin typeface="+mn-lt"/>
+                <a:ea typeface="+mn-ea"/>
+                <a:cs typeface="+mn-cs"/>
+              </a:rPr>
+              <a:t>rilev</a:t>
+            </a:r>
+            <a:r>
+              <a:rPr lang="it-IT" sz="1200" kern="1200" dirty="0">
+                <a:solidFill>
+                  <a:schemeClr val="tx1"/>
+                </a:solidFill>
+                <a:effectLst/>
+                <a:latin typeface="+mn-lt"/>
+                <a:ea typeface="+mn-ea"/>
+                <a:cs typeface="+mn-cs"/>
+              </a:rPr>
+              <a:t>&lt;</a:t>
+            </a:r>
+            <a:r>
+              <a:rPr lang="it-IT" sz="1200" kern="1200" dirty="0" err="1">
+                <a:solidFill>
+                  <a:schemeClr val="tx1"/>
+                </a:solidFill>
+                <a:effectLst/>
+                <a:latin typeface="+mn-lt"/>
+                <a:ea typeface="+mn-ea"/>
+                <a:cs typeface="+mn-cs"/>
+              </a:rPr>
+              <a:t>nti</a:t>
+            </a:r>
+            <a:r>
+              <a:rPr lang="it-IT" sz="1200" kern="1200" dirty="0">
+                <a:solidFill>
+                  <a:schemeClr val="tx1"/>
+                </a:solidFill>
+                <a:effectLst/>
+                <a:latin typeface="+mn-lt"/>
+                <a:ea typeface="+mn-ea"/>
+                <a:cs typeface="+mn-cs"/>
+              </a:rPr>
+              <a:t> spiccano alcune tra le colonne portanti del mondo della grafica 3d tra cui (ATI, Nvidia, Intel..). </a:t>
             </a:r>
             <a:endParaRPr lang="it-IT" dirty="0"/>
           </a:p>
@@ -892,7 +1523,7 @@
       </p:sp>
       <p:sp>
         <p:nvSpPr>
-          <p:cNvPr id="4" name="Slide Number Placeholder 3"/>
+          <p:cNvPr id="4" name="Segnaposto numero diapositiva 3"/>
           <p:cNvSpPr>
             <a:spLocks noGrp="1"/>
           </p:cNvSpPr>
@@ -916,7 +1547,7 @@
     </p:spTree>
     <p:extLst>
       <p:ext uri="{BB962C8B-B14F-4D97-AF65-F5344CB8AC3E}">
-        <p14:creationId xmlns:p14="http://schemas.microsoft.com/office/powerpoint/2010/main" val="1679547345"/>
+        <p14:creationId xmlns:p14="http://schemas.microsoft.com/office/powerpoint/2010/main" val="2485778756"/>
       </p:ext>
     </p:extLst>
   </p:cSld>
@@ -945,7 +1576,7 @@
       </p:grpSpPr>
       <p:sp>
         <p:nvSpPr>
-          <p:cNvPr id="2" name="Slide Image Placeholder 1"/>
+          <p:cNvPr id="2" name="Segnaposto immagine diapositiva 1"/>
           <p:cNvSpPr>
             <a:spLocks noGrp="1" noRot="1" noChangeAspect="1"/>
           </p:cNvSpPr>
@@ -957,7 +1588,7 @@
       </p:sp>
       <p:sp>
         <p:nvSpPr>
-          <p:cNvPr id="3" name="Notes Placeholder 2"/>
+          <p:cNvPr id="3" name="Segnaposto note 2"/>
           <p:cNvSpPr>
             <a:spLocks noGrp="1"/>
           </p:cNvSpPr>
@@ -970,39 +1601,231 @@
           <a:bodyPr/>
           <a:lstStyle/>
           <a:p>
-            <a:pPr marL="0" marR="0" indent="0" algn="l" defTabSz="914400" rtl="0" eaLnBrk="1" fontAlgn="auto" latinLnBrk="0" hangingPunct="1">
-              <a:lnSpc>
-                <a:spcPct val="100000"/>
-              </a:lnSpc>
-              <a:spcBef>
-                <a:spcPts val="0"/>
-              </a:spcBef>
-              <a:spcAft>
-                <a:spcPts val="0"/>
-              </a:spcAft>
-              <a:buClrTx/>
-              <a:buSzTx/>
-              <a:buFontTx/>
-              <a:buNone/>
-              <a:tabLst/>
-              <a:defRPr/>
-            </a:pPr>
-            <a:r>
-              <a:rPr lang="it-IT" sz="1200" dirty="0" smtClean="0">
-                <a:latin typeface="Arial" panose="020B0604020202020204" pitchFamily="34" charset="0"/>
-                <a:cs typeface="Arial" panose="020B0604020202020204" pitchFamily="34" charset="0"/>
+            <a:r>
+              <a:rPr lang="it-IT" sz="1200" kern="1200" dirty="0">
+                <a:solidFill>
+                  <a:schemeClr val="tx1"/>
+                </a:solidFill>
+                <a:effectLst/>
+                <a:latin typeface="+mn-lt"/>
+                <a:ea typeface="+mn-ea"/>
+                <a:cs typeface="+mn-cs"/>
               </a:rPr>
-              <a:t>Alleggerisce il carico di lavoro sui driver -&gt; se si usasse opengl sarebbe il driver a dover compilare gli shader</a:t>
-            </a:r>
-          </a:p>
-          <a:p>
+              <a:t>Per tornare a </a:t>
+            </a:r>
+            <a:r>
+              <a:rPr lang="it-IT" sz="1200" kern="1200" dirty="0" err="1">
+                <a:solidFill>
+                  <a:schemeClr val="tx1"/>
+                </a:solidFill>
+                <a:effectLst/>
+                <a:latin typeface="+mn-lt"/>
+                <a:ea typeface="+mn-ea"/>
+                <a:cs typeface="+mn-cs"/>
+              </a:rPr>
+              <a:t>Vulkan</a:t>
+            </a:r>
+            <a:r>
+              <a:rPr lang="it-IT" sz="1200" kern="1200" dirty="0">
+                <a:solidFill>
+                  <a:schemeClr val="tx1"/>
+                </a:solidFill>
+                <a:effectLst/>
+                <a:latin typeface="+mn-lt"/>
+                <a:ea typeface="+mn-ea"/>
+                <a:cs typeface="+mn-cs"/>
+              </a:rPr>
+              <a:t>, questa API è stata progettata dalle fondamenta con un nuovo obiettivo: girare su diverse piattaforme, dai semplici </a:t>
+            </a:r>
+            <a:r>
+              <a:rPr lang="it-IT" sz="1200" kern="1200" dirty="0" err="1">
+                <a:solidFill>
+                  <a:schemeClr val="tx1"/>
+                </a:solidFill>
+                <a:effectLst/>
+                <a:latin typeface="+mn-lt"/>
+                <a:ea typeface="+mn-ea"/>
+                <a:cs typeface="+mn-cs"/>
+              </a:rPr>
+              <a:t>mobiles</a:t>
+            </a:r>
+            <a:r>
+              <a:rPr lang="it-IT" sz="1200" kern="1200" dirty="0">
+                <a:solidFill>
+                  <a:schemeClr val="tx1"/>
+                </a:solidFill>
+                <a:effectLst/>
+                <a:latin typeface="+mn-lt"/>
+                <a:ea typeface="+mn-ea"/>
+                <a:cs typeface="+mn-cs"/>
+              </a:rPr>
+              <a:t> e tablet </a:t>
+            </a:r>
+            <a:r>
+              <a:rPr lang="it-IT" sz="1200" kern="1200" dirty="0" err="1">
+                <a:solidFill>
+                  <a:schemeClr val="tx1"/>
+                </a:solidFill>
+                <a:effectLst/>
+                <a:latin typeface="+mn-lt"/>
+                <a:ea typeface="+mn-ea"/>
+                <a:cs typeface="+mn-cs"/>
+              </a:rPr>
+              <a:t>pr</a:t>
+            </a:r>
+            <a:r>
+              <a:rPr lang="it-IT" sz="1200" kern="1200" dirty="0">
+                <a:solidFill>
+                  <a:schemeClr val="tx1"/>
+                </a:solidFill>
+                <a:effectLst/>
+                <a:latin typeface="+mn-lt"/>
+                <a:ea typeface="+mn-ea"/>
+                <a:cs typeface="+mn-cs"/>
+              </a:rPr>
+              <a:t> arrivare fino alle complesse consolle da </a:t>
+            </a:r>
+            <a:r>
+              <a:rPr lang="it-IT" sz="1200" kern="1200" dirty="0" err="1">
+                <a:solidFill>
+                  <a:schemeClr val="tx1"/>
+                </a:solidFill>
+                <a:effectLst/>
+                <a:latin typeface="+mn-lt"/>
+                <a:ea typeface="+mn-ea"/>
+                <a:cs typeface="+mn-cs"/>
+              </a:rPr>
+              <a:t>gaming</a:t>
+            </a:r>
+            <a:r>
+              <a:rPr lang="it-IT" sz="1200" kern="1200" dirty="0">
+                <a:solidFill>
+                  <a:schemeClr val="tx1"/>
+                </a:solidFill>
+                <a:effectLst/>
+                <a:latin typeface="+mn-lt"/>
+                <a:ea typeface="+mn-ea"/>
+                <a:cs typeface="+mn-cs"/>
+              </a:rPr>
+              <a:t>. Questo lo rende un api perfetto per ogni tipologia di pubblico: dai ragazzini che giocano su device portatili agli adulti che utilizzano giochi complessi su workstation fisse.</a:t>
+            </a:r>
+          </a:p>
+          <a:p>
+            <a:r>
+              <a:rPr lang="it-IT" sz="1200" kern="1200" dirty="0">
+                <a:solidFill>
+                  <a:schemeClr val="tx1"/>
+                </a:solidFill>
+                <a:effectLst/>
+                <a:latin typeface="+mn-lt"/>
+                <a:ea typeface="+mn-ea"/>
+                <a:cs typeface="+mn-cs"/>
+              </a:rPr>
+              <a:t>Per questo motivo, dietro a </a:t>
+            </a:r>
+            <a:r>
+              <a:rPr lang="it-IT" sz="1200" kern="1200" dirty="0" err="1">
+                <a:solidFill>
+                  <a:schemeClr val="tx1"/>
+                </a:solidFill>
+                <a:effectLst/>
+                <a:latin typeface="+mn-lt"/>
+                <a:ea typeface="+mn-ea"/>
+                <a:cs typeface="+mn-cs"/>
+              </a:rPr>
+              <a:t>Vulkan</a:t>
+            </a:r>
+            <a:r>
+              <a:rPr lang="it-IT" sz="1200" kern="1200" dirty="0">
+                <a:solidFill>
+                  <a:schemeClr val="tx1"/>
+                </a:solidFill>
+                <a:effectLst/>
+                <a:latin typeface="+mn-lt"/>
+                <a:ea typeface="+mn-ea"/>
+                <a:cs typeface="+mn-cs"/>
+              </a:rPr>
+              <a:t> risiede una struttura a Strati, o per meglio dire modulare, che permette la creazione di un’architettura comune ed estensibile per la code </a:t>
+            </a:r>
+            <a:r>
+              <a:rPr lang="it-IT" sz="1200" kern="1200" dirty="0" err="1">
+                <a:solidFill>
+                  <a:schemeClr val="tx1"/>
+                </a:solidFill>
+                <a:effectLst/>
+                <a:latin typeface="+mn-lt"/>
+                <a:ea typeface="+mn-ea"/>
+                <a:cs typeface="+mn-cs"/>
+              </a:rPr>
+              <a:t>validation</a:t>
+            </a:r>
+            <a:r>
+              <a:rPr lang="it-IT" sz="1200" kern="1200" dirty="0">
+                <a:solidFill>
+                  <a:schemeClr val="tx1"/>
+                </a:solidFill>
+                <a:effectLst/>
+                <a:latin typeface="+mn-lt"/>
+                <a:ea typeface="+mn-ea"/>
+                <a:cs typeface="+mn-cs"/>
+              </a:rPr>
+              <a:t>, il </a:t>
+            </a:r>
+            <a:r>
+              <a:rPr lang="it-IT" sz="1200" kern="1200" dirty="0" err="1">
+                <a:solidFill>
+                  <a:schemeClr val="tx1"/>
+                </a:solidFill>
+                <a:effectLst/>
+                <a:latin typeface="+mn-lt"/>
+                <a:ea typeface="+mn-ea"/>
+                <a:cs typeface="+mn-cs"/>
+              </a:rPr>
+              <a:t>debugging</a:t>
+            </a:r>
+            <a:r>
+              <a:rPr lang="it-IT" sz="1200" kern="1200" dirty="0">
+                <a:solidFill>
+                  <a:schemeClr val="tx1"/>
+                </a:solidFill>
+                <a:effectLst/>
+                <a:latin typeface="+mn-lt"/>
+                <a:ea typeface="+mn-ea"/>
+                <a:cs typeface="+mn-cs"/>
+              </a:rPr>
+              <a:t> ed il </a:t>
+            </a:r>
+            <a:r>
+              <a:rPr lang="it-IT" sz="1200" kern="1200" dirty="0" err="1">
+                <a:solidFill>
+                  <a:schemeClr val="tx1"/>
+                </a:solidFill>
+                <a:effectLst/>
+                <a:latin typeface="+mn-lt"/>
+                <a:ea typeface="+mn-ea"/>
+                <a:cs typeface="+mn-cs"/>
+              </a:rPr>
+              <a:t>profiling</a:t>
+            </a:r>
+            <a:r>
+              <a:rPr lang="it-IT" sz="1200" kern="1200" dirty="0">
+                <a:solidFill>
+                  <a:schemeClr val="tx1"/>
+                </a:solidFill>
+                <a:effectLst/>
+                <a:latin typeface="+mn-lt"/>
+                <a:ea typeface="+mn-ea"/>
+                <a:cs typeface="+mn-cs"/>
+              </a:rPr>
+              <a:t>, senza impattare in alcun modo sulle prestazioni.</a:t>
+            </a:r>
             <a:endParaRPr lang="it-IT" dirty="0"/>
           </a:p>
         </p:txBody>
       </p:sp>
       <p:sp>
         <p:nvSpPr>
-          <p:cNvPr id="4" name="Slide Number Placeholder 3"/>
+          <p:cNvPr id="4" name="Segnaposto numero diapositiva 3"/>
           <p:cNvSpPr>
             <a:spLocks noGrp="1"/>
           </p:cNvSpPr>
@@ -1026,7 +1849,7 @@
     </p:spTree>
     <p:extLst>
       <p:ext uri="{BB962C8B-B14F-4D97-AF65-F5344CB8AC3E}">
-        <p14:creationId xmlns:p14="http://schemas.microsoft.com/office/powerpoint/2010/main" val="1679547345"/>
+        <p14:creationId xmlns:p14="http://schemas.microsoft.com/office/powerpoint/2010/main" val="959330743"/>
       </p:ext>
     </p:extLst>
   </p:cSld>
@@ -1055,7 +1878,7 @@
       </p:grpSpPr>
       <p:sp>
         <p:nvSpPr>
-          <p:cNvPr id="2" name="Slide Image Placeholder 1"/>
+          <p:cNvPr id="2" name="Segnaposto immagine diapositiva 1"/>
           <p:cNvSpPr>
             <a:spLocks noGrp="1" noRot="1" noChangeAspect="1"/>
           </p:cNvSpPr>
@@ -1067,7 +1890,7 @@
       </p:sp>
       <p:sp>
         <p:nvSpPr>
-          <p:cNvPr id="3" name="Notes Placeholder 2"/>
+          <p:cNvPr id="3" name="Segnaposto note 2"/>
           <p:cNvSpPr>
             <a:spLocks noGrp="1"/>
           </p:cNvSpPr>
@@ -1081,16 +1904,486 @@
           <a:lstStyle/>
           <a:p>
             <a:r>
-              <a:rPr lang="it-IT" dirty="0" smtClean="0"/>
-              <a:t>https://developer.nvidia.com/sites/default/files/akamai/gameworks/blog/munich/mschott_vulkan_multi_threading.pdf</a:t>
-            </a:r>
+              <a:rPr lang="it-IT" sz="1200" kern="1200" dirty="0">
+                <a:solidFill>
+                  <a:schemeClr val="tx1"/>
+                </a:solidFill>
+                <a:effectLst/>
+                <a:latin typeface="+mn-lt"/>
+                <a:ea typeface="+mn-ea"/>
+                <a:cs typeface="+mn-cs"/>
+              </a:rPr>
+              <a:t>Un aspetto rilevante di questa api è il suo </a:t>
+            </a:r>
+            <a:r>
+              <a:rPr lang="it-IT" sz="1200" kern="1200" dirty="0" err="1">
+                <a:solidFill>
+                  <a:schemeClr val="tx1"/>
+                </a:solidFill>
+                <a:effectLst/>
+                <a:latin typeface="+mn-lt"/>
+                <a:ea typeface="+mn-ea"/>
+                <a:cs typeface="+mn-cs"/>
+              </a:rPr>
+              <a:t>dna</a:t>
+            </a:r>
+            <a:r>
+              <a:rPr lang="it-IT" sz="1200" kern="1200" dirty="0">
+                <a:solidFill>
+                  <a:schemeClr val="tx1"/>
+                </a:solidFill>
+                <a:effectLst/>
+                <a:latin typeface="+mn-lt"/>
+                <a:ea typeface="+mn-ea"/>
+                <a:cs typeface="+mn-cs"/>
+              </a:rPr>
+              <a:t>: ereditato direttamente da </a:t>
+            </a:r>
+            <a:r>
+              <a:rPr lang="it-IT" sz="1200" kern="1200" dirty="0" err="1">
+                <a:solidFill>
+                  <a:schemeClr val="tx1"/>
+                </a:solidFill>
+                <a:effectLst/>
+                <a:latin typeface="+mn-lt"/>
+                <a:ea typeface="+mn-ea"/>
+                <a:cs typeface="+mn-cs"/>
+              </a:rPr>
+              <a:t>mantle</a:t>
+            </a:r>
+            <a:r>
+              <a:rPr lang="it-IT" sz="1200" kern="1200" dirty="0">
+                <a:solidFill>
+                  <a:schemeClr val="tx1"/>
+                </a:solidFill>
+                <a:effectLst/>
+                <a:latin typeface="+mn-lt"/>
+                <a:ea typeface="+mn-ea"/>
+                <a:cs typeface="+mn-cs"/>
+              </a:rPr>
+              <a:t> di </a:t>
+            </a:r>
+            <a:r>
+              <a:rPr lang="it-IT" sz="1200" kern="1200" dirty="0" err="1">
+                <a:solidFill>
+                  <a:schemeClr val="tx1"/>
+                </a:solidFill>
+                <a:effectLst/>
+                <a:latin typeface="+mn-lt"/>
+                <a:ea typeface="+mn-ea"/>
+                <a:cs typeface="+mn-cs"/>
+              </a:rPr>
+              <a:t>amd</a:t>
+            </a:r>
+            <a:r>
+              <a:rPr lang="it-IT" sz="1200" kern="1200" dirty="0">
+                <a:solidFill>
+                  <a:schemeClr val="tx1"/>
+                </a:solidFill>
+                <a:effectLst/>
+                <a:latin typeface="+mn-lt"/>
+                <a:ea typeface="+mn-ea"/>
+                <a:cs typeface="+mn-cs"/>
+              </a:rPr>
+              <a:t>.</a:t>
+            </a:r>
+          </a:p>
+          <a:p>
+            <a:r>
+              <a:rPr lang="it-IT" sz="1200" kern="1200" dirty="0" err="1">
+                <a:solidFill>
+                  <a:schemeClr val="tx1"/>
+                </a:solidFill>
+                <a:effectLst/>
+                <a:latin typeface="+mn-lt"/>
+                <a:ea typeface="+mn-ea"/>
+                <a:cs typeface="+mn-cs"/>
+              </a:rPr>
+              <a:t>Mantle</a:t>
+            </a:r>
+            <a:r>
+              <a:rPr lang="it-IT" sz="1200" kern="1200" dirty="0">
+                <a:solidFill>
+                  <a:schemeClr val="tx1"/>
+                </a:solidFill>
+                <a:effectLst/>
+                <a:latin typeface="+mn-lt"/>
+                <a:ea typeface="+mn-ea"/>
+                <a:cs typeface="+mn-cs"/>
+              </a:rPr>
+              <a:t> è stato il primo del suo genere: la prima API di grafica per PC a garantire un </a:t>
+            </a:r>
+            <a:r>
+              <a:rPr lang="it-IT" sz="1200" b="1" kern="1200" dirty="0">
+                <a:solidFill>
+                  <a:schemeClr val="tx1"/>
+                </a:solidFill>
+                <a:effectLst/>
+                <a:latin typeface="+mn-lt"/>
+                <a:ea typeface="+mn-ea"/>
+                <a:cs typeface="+mn-cs"/>
+              </a:rPr>
+              <a:t>accesso</a:t>
+            </a:r>
+            <a:r>
+              <a:rPr lang="it-IT" sz="1200" kern="1200" dirty="0">
+                <a:solidFill>
+                  <a:schemeClr val="tx1"/>
+                </a:solidFill>
+                <a:effectLst/>
+                <a:latin typeface="+mn-lt"/>
+                <a:ea typeface="+mn-ea"/>
+                <a:cs typeface="+mn-cs"/>
+              </a:rPr>
+              <a:t> senza precedenti alle risorse GPU per PC e la prima a offrire un </a:t>
+            </a:r>
+            <a:r>
+              <a:rPr lang="it-IT" sz="1200" b="1" kern="1200" dirty="0">
+                <a:solidFill>
+                  <a:schemeClr val="tx1"/>
+                </a:solidFill>
+                <a:effectLst/>
+                <a:latin typeface="+mn-lt"/>
+                <a:ea typeface="+mn-ea"/>
+                <a:cs typeface="+mn-cs"/>
+              </a:rPr>
+              <a:t>controllo</a:t>
+            </a:r>
+            <a:r>
+              <a:rPr lang="it-IT" sz="1200" kern="1200" dirty="0">
+                <a:solidFill>
+                  <a:schemeClr val="tx1"/>
+                </a:solidFill>
+                <a:effectLst/>
+                <a:latin typeface="+mn-lt"/>
+                <a:ea typeface="+mn-ea"/>
+                <a:cs typeface="+mn-cs"/>
+              </a:rPr>
+              <a:t> assoluto di tali risorse. </a:t>
+            </a:r>
+          </a:p>
+          <a:p>
+            <a:r>
+              <a:rPr lang="it-IT" sz="1200" kern="1200" dirty="0">
+                <a:solidFill>
+                  <a:schemeClr val="tx1"/>
+                </a:solidFill>
+                <a:effectLst/>
+                <a:latin typeface="+mn-lt"/>
+                <a:ea typeface="+mn-ea"/>
+                <a:cs typeface="+mn-cs"/>
+              </a:rPr>
+              <a:t>La cosa più importante per i giocatori, </a:t>
+            </a:r>
+            <a:r>
+              <a:rPr lang="it-IT" sz="1200" kern="1200" dirty="0" err="1">
+                <a:solidFill>
+                  <a:schemeClr val="tx1"/>
+                </a:solidFill>
+                <a:effectLst/>
+                <a:latin typeface="+mn-lt"/>
+                <a:ea typeface="+mn-ea"/>
+                <a:cs typeface="+mn-cs"/>
+              </a:rPr>
+              <a:t>Mantle</a:t>
+            </a:r>
+            <a:r>
+              <a:rPr lang="it-IT" sz="1200" kern="1200" dirty="0">
+                <a:solidFill>
+                  <a:schemeClr val="tx1"/>
+                </a:solidFill>
+                <a:effectLst/>
+                <a:latin typeface="+mn-lt"/>
+                <a:ea typeface="+mn-ea"/>
+                <a:cs typeface="+mn-cs"/>
+              </a:rPr>
+              <a:t> ha spinto il settore a </a:t>
+            </a:r>
+            <a:r>
+              <a:rPr lang="it-IT" sz="1200" b="1" kern="1200" dirty="0">
+                <a:solidFill>
+                  <a:schemeClr val="tx1"/>
+                </a:solidFill>
+                <a:effectLst/>
+                <a:latin typeface="+mn-lt"/>
+                <a:ea typeface="+mn-ea"/>
+                <a:cs typeface="+mn-cs"/>
+              </a:rPr>
+              <a:t>pensare</a:t>
+            </a:r>
+            <a:r>
+              <a:rPr lang="it-IT" sz="1200" kern="1200" dirty="0">
+                <a:solidFill>
+                  <a:schemeClr val="tx1"/>
+                </a:solidFill>
+                <a:effectLst/>
+                <a:latin typeface="+mn-lt"/>
+                <a:ea typeface="+mn-ea"/>
+                <a:cs typeface="+mn-cs"/>
+              </a:rPr>
+              <a:t> a quante ulteriori prestazioni della GPU potessero essere sbloccate con un'API grafica low-</a:t>
+            </a:r>
+            <a:r>
+              <a:rPr lang="it-IT" sz="1200" kern="1200" dirty="0" err="1">
+                <a:solidFill>
+                  <a:schemeClr val="tx1"/>
+                </a:solidFill>
+                <a:effectLst/>
+                <a:latin typeface="+mn-lt"/>
+                <a:ea typeface="+mn-ea"/>
+                <a:cs typeface="+mn-cs"/>
+              </a:rPr>
+              <a:t>overhead</a:t>
+            </a:r>
+            <a:r>
+              <a:rPr lang="it-IT" sz="1200" kern="1200" dirty="0">
+                <a:solidFill>
+                  <a:schemeClr val="tx1"/>
+                </a:solidFill>
+                <a:effectLst/>
+                <a:latin typeface="+mn-lt"/>
+                <a:ea typeface="+mn-ea"/>
+                <a:cs typeface="+mn-cs"/>
+              </a:rPr>
+              <a:t>.   </a:t>
+            </a:r>
+          </a:p>
+          <a:p>
+            <a:r>
+              <a:rPr lang="it-IT" sz="1200" kern="1200" dirty="0">
+                <a:solidFill>
+                  <a:schemeClr val="tx1"/>
+                </a:solidFill>
+                <a:effectLst/>
+                <a:latin typeface="+mn-lt"/>
+                <a:ea typeface="+mn-ea"/>
+                <a:cs typeface="+mn-cs"/>
+              </a:rPr>
+              <a:t>Sebbene l'API di </a:t>
+            </a:r>
+            <a:r>
+              <a:rPr lang="it-IT" sz="1200" kern="1200" dirty="0" err="1">
+                <a:solidFill>
+                  <a:schemeClr val="tx1"/>
+                </a:solidFill>
+                <a:effectLst/>
+                <a:latin typeface="+mn-lt"/>
+                <a:ea typeface="+mn-ea"/>
+                <a:cs typeface="+mn-cs"/>
+              </a:rPr>
+              <a:t>Mantle</a:t>
+            </a:r>
+            <a:r>
+              <a:rPr lang="it-IT" sz="1200" kern="1200" dirty="0">
+                <a:solidFill>
+                  <a:schemeClr val="tx1"/>
+                </a:solidFill>
+                <a:effectLst/>
+                <a:latin typeface="+mn-lt"/>
+                <a:ea typeface="+mn-ea"/>
+                <a:cs typeface="+mn-cs"/>
+              </a:rPr>
+              <a:t> sia stata adattata per l'hardware AMD, anche </a:t>
+            </a:r>
+            <a:r>
+              <a:rPr lang="it-IT" sz="1200" kern="1200" dirty="0" err="1">
+                <a:solidFill>
+                  <a:schemeClr val="tx1"/>
+                </a:solidFill>
+                <a:effectLst/>
+                <a:latin typeface="+mn-lt"/>
+                <a:ea typeface="+mn-ea"/>
+                <a:cs typeface="+mn-cs"/>
+              </a:rPr>
+              <a:t>Mantle</a:t>
+            </a:r>
+            <a:r>
+              <a:rPr lang="it-IT" sz="1200" kern="1200" dirty="0">
+                <a:solidFill>
+                  <a:schemeClr val="tx1"/>
+                </a:solidFill>
+                <a:effectLst/>
+                <a:latin typeface="+mn-lt"/>
+                <a:ea typeface="+mn-ea"/>
+                <a:cs typeface="+mn-cs"/>
+              </a:rPr>
+              <a:t> è stato progettato con un'astrazione hardware sufficiente per adattarsi a qualsiasi </a:t>
+            </a:r>
+            <a:r>
+              <a:rPr lang="it-IT" sz="1200" b="1" kern="1200" dirty="0">
+                <a:solidFill>
+                  <a:schemeClr val="tx1"/>
+                </a:solidFill>
+                <a:effectLst/>
+                <a:latin typeface="+mn-lt"/>
+                <a:ea typeface="+mn-ea"/>
+                <a:cs typeface="+mn-cs"/>
+              </a:rPr>
+              <a:t>architettura</a:t>
+            </a:r>
+            <a:r>
+              <a:rPr lang="it-IT" sz="1200" kern="1200" dirty="0">
+                <a:solidFill>
+                  <a:schemeClr val="tx1"/>
+                </a:solidFill>
+                <a:effectLst/>
+                <a:latin typeface="+mn-lt"/>
+                <a:ea typeface="+mn-ea"/>
+                <a:cs typeface="+mn-cs"/>
+              </a:rPr>
+              <a:t> grafica moderna: fattore che come abbiamo detto </a:t>
+            </a:r>
+            <a:r>
+              <a:rPr lang="it-IT" sz="1200" kern="1200" dirty="0" err="1">
+                <a:solidFill>
+                  <a:schemeClr val="tx1"/>
+                </a:solidFill>
+                <a:effectLst/>
+                <a:latin typeface="+mn-lt"/>
+                <a:ea typeface="+mn-ea"/>
+                <a:cs typeface="+mn-cs"/>
+              </a:rPr>
+              <a:t>Vulkan</a:t>
+            </a:r>
+            <a:r>
+              <a:rPr lang="it-IT" sz="1200" kern="1200" dirty="0">
+                <a:solidFill>
+                  <a:schemeClr val="tx1"/>
+                </a:solidFill>
+                <a:effectLst/>
+                <a:latin typeface="+mn-lt"/>
+                <a:ea typeface="+mn-ea"/>
+                <a:cs typeface="+mn-cs"/>
+              </a:rPr>
+              <a:t> ha saputo sfruttare.</a:t>
+            </a:r>
+          </a:p>
+          <a:p>
+            <a:endParaRPr lang="it-IT" sz="1200" kern="1200" dirty="0">
+              <a:solidFill>
+                <a:schemeClr val="tx1"/>
+              </a:solidFill>
+              <a:effectLst/>
+              <a:latin typeface="+mn-lt"/>
+              <a:ea typeface="+mn-ea"/>
+              <a:cs typeface="+mn-cs"/>
+            </a:endParaRPr>
+          </a:p>
+          <a:p>
+            <a:r>
+              <a:rPr lang="it-IT" sz="1200" b="1" kern="1200" dirty="0">
+                <a:solidFill>
+                  <a:schemeClr val="tx1"/>
+                </a:solidFill>
+                <a:effectLst/>
+                <a:latin typeface="+mn-lt"/>
+                <a:ea typeface="+mn-ea"/>
+                <a:cs typeface="+mn-cs"/>
+              </a:rPr>
+              <a:t>“The </a:t>
+            </a:r>
+            <a:r>
+              <a:rPr lang="it-IT" sz="1200" b="1" kern="1200" dirty="0" err="1">
+                <a:solidFill>
+                  <a:schemeClr val="tx1"/>
+                </a:solidFill>
+                <a:effectLst/>
+                <a:latin typeface="+mn-lt"/>
+                <a:ea typeface="+mn-ea"/>
+                <a:cs typeface="+mn-cs"/>
+              </a:rPr>
+              <a:t>Talos</a:t>
+            </a:r>
+            <a:r>
+              <a:rPr lang="it-IT" sz="1200" b="1" kern="1200" dirty="0">
+                <a:solidFill>
+                  <a:schemeClr val="tx1"/>
+                </a:solidFill>
+                <a:effectLst/>
+                <a:latin typeface="+mn-lt"/>
+                <a:ea typeface="+mn-ea"/>
+                <a:cs typeface="+mn-cs"/>
+              </a:rPr>
+              <a:t> </a:t>
+            </a:r>
+            <a:r>
+              <a:rPr lang="it-IT" sz="1200" b="1" kern="1200" dirty="0" err="1">
+                <a:solidFill>
+                  <a:schemeClr val="tx1"/>
+                </a:solidFill>
+                <a:effectLst/>
+                <a:latin typeface="+mn-lt"/>
+                <a:ea typeface="+mn-ea"/>
+                <a:cs typeface="+mn-cs"/>
+              </a:rPr>
+              <a:t>Principle</a:t>
+            </a:r>
+            <a:r>
+              <a:rPr lang="it-IT" sz="1200" b="1" kern="1200" dirty="0">
+                <a:solidFill>
+                  <a:schemeClr val="tx1"/>
+                </a:solidFill>
+                <a:effectLst/>
+                <a:latin typeface="+mn-lt"/>
+                <a:ea typeface="+mn-ea"/>
+                <a:cs typeface="+mn-cs"/>
+              </a:rPr>
+              <a:t>” di </a:t>
+            </a:r>
+            <a:r>
+              <a:rPr lang="it-IT" sz="1200" b="1" kern="1200" dirty="0" err="1">
+                <a:solidFill>
+                  <a:schemeClr val="tx1"/>
+                </a:solidFill>
+                <a:effectLst/>
+                <a:latin typeface="+mn-lt"/>
+                <a:ea typeface="+mn-ea"/>
+                <a:cs typeface="+mn-cs"/>
+              </a:rPr>
+              <a:t>Croteam</a:t>
+            </a:r>
+            <a:r>
+              <a:rPr lang="it-IT" sz="1200" b="1" kern="1200" dirty="0">
+                <a:solidFill>
+                  <a:schemeClr val="tx1"/>
+                </a:solidFill>
+                <a:effectLst/>
+                <a:latin typeface="+mn-lt"/>
+                <a:ea typeface="+mn-ea"/>
+                <a:cs typeface="+mn-cs"/>
+              </a:rPr>
+              <a:t> è il primo gioco a supportare l’API </a:t>
+            </a:r>
+            <a:r>
+              <a:rPr lang="it-IT" sz="1200" b="1" kern="1200" dirty="0" err="1">
+                <a:solidFill>
+                  <a:schemeClr val="tx1"/>
+                </a:solidFill>
+                <a:effectLst/>
+                <a:latin typeface="+mn-lt"/>
+                <a:ea typeface="+mn-ea"/>
+                <a:cs typeface="+mn-cs"/>
+              </a:rPr>
+              <a:t>nativamente</a:t>
+            </a:r>
+            <a:endParaRPr lang="it-IT" sz="1200" kern="1200" dirty="0">
+              <a:solidFill>
+                <a:schemeClr val="tx1"/>
+              </a:solidFill>
+              <a:effectLst/>
+              <a:latin typeface="+mn-lt"/>
+              <a:ea typeface="+mn-ea"/>
+              <a:cs typeface="+mn-cs"/>
+            </a:endParaRPr>
+          </a:p>
+          <a:p>
             <a:endParaRPr lang="it-IT" dirty="0"/>
           </a:p>
         </p:txBody>
       </p:sp>
       <p:sp>
         <p:nvSpPr>
-          <p:cNvPr id="4" name="Slide Number Placeholder 3"/>
+          <p:cNvPr id="4" name="Segnaposto numero diapositiva 3"/>
           <p:cNvSpPr>
             <a:spLocks noGrp="1"/>
           </p:cNvSpPr>
@@ -1114,7 +2407,7 @@
     </p:spTree>
     <p:extLst>
       <p:ext uri="{BB962C8B-B14F-4D97-AF65-F5344CB8AC3E}">
-        <p14:creationId xmlns:p14="http://schemas.microsoft.com/office/powerpoint/2010/main" val="1679547345"/>
+        <p14:creationId xmlns:p14="http://schemas.microsoft.com/office/powerpoint/2010/main" val="119264485"/>
       </p:ext>
     </p:extLst>
   </p:cSld>
@@ -1143,7 +2436,7 @@
       </p:grpSpPr>
       <p:sp>
         <p:nvSpPr>
-          <p:cNvPr id="2" name="Slide Image Placeholder 1"/>
+          <p:cNvPr id="2" name="Segnaposto immagine diapositiva 1"/>
           <p:cNvSpPr>
             <a:spLocks noGrp="1" noRot="1" noChangeAspect="1"/>
           </p:cNvSpPr>
@@ -1155,7 +2448,7 @@
       </p:sp>
       <p:sp>
         <p:nvSpPr>
-          <p:cNvPr id="3" name="Notes Placeholder 2"/>
+          <p:cNvPr id="3" name="Segnaposto note 2"/>
           <p:cNvSpPr>
             <a:spLocks noGrp="1"/>
           </p:cNvSpPr>
@@ -1168,17 +2461,137 @@
           <a:bodyPr/>
           <a:lstStyle/>
           <a:p>
-            <a:r>
-              <a:rPr lang="it-IT" smtClean="0"/>
-              <a:t>https://developer.nvidia.com/sites/default/files/akamai/gameworks/blog/munich/mschott_vulkan_multi_threading.pdf</a:t>
-            </a:r>
-            <a:endParaRPr lang="it-IT" dirty="0"/>
-          </a:p>
-        </p:txBody>
-      </p:sp>
-      <p:sp>
-        <p:nvSpPr>
-          <p:cNvPr id="4" name="Slide Number Placeholder 3"/>
+            <a:pPr marL="0" marR="0" lvl="0" indent="0" algn="l" defTabSz="914400" rtl="0" eaLnBrk="1" fontAlgn="auto" latinLnBrk="0" hangingPunct="1">
+              <a:lnSpc>
+                <a:spcPct val="100000"/>
+              </a:lnSpc>
+              <a:spcBef>
+                <a:spcPts val="0"/>
+              </a:spcBef>
+              <a:spcAft>
+                <a:spcPts val="0"/>
+              </a:spcAft>
+              <a:buClrTx/>
+              <a:buSzTx/>
+              <a:buFontTx/>
+              <a:buNone/>
+              <a:tabLst/>
+              <a:defRPr/>
+            </a:pPr>
+            <a:r>
+              <a:rPr lang="it-IT" sz="1200" b="1" kern="1200" dirty="0">
+                <a:solidFill>
+                  <a:schemeClr val="tx1"/>
+                </a:solidFill>
+                <a:effectLst/>
+                <a:latin typeface="+mn-lt"/>
+                <a:ea typeface="+mn-ea"/>
+                <a:cs typeface="+mn-cs"/>
+              </a:rPr>
+              <a:t>“The </a:t>
+            </a:r>
+            <a:r>
+              <a:rPr lang="it-IT" sz="1200" b="1" kern="1200" dirty="0" err="1">
+                <a:solidFill>
+                  <a:schemeClr val="tx1"/>
+                </a:solidFill>
+                <a:effectLst/>
+                <a:latin typeface="+mn-lt"/>
+                <a:ea typeface="+mn-ea"/>
+                <a:cs typeface="+mn-cs"/>
+              </a:rPr>
+              <a:t>Talos</a:t>
+            </a:r>
+            <a:r>
+              <a:rPr lang="it-IT" sz="1200" b="1" kern="1200" dirty="0">
+                <a:solidFill>
+                  <a:schemeClr val="tx1"/>
+                </a:solidFill>
+                <a:effectLst/>
+                <a:latin typeface="+mn-lt"/>
+                <a:ea typeface="+mn-ea"/>
+                <a:cs typeface="+mn-cs"/>
+              </a:rPr>
+              <a:t> </a:t>
+            </a:r>
+            <a:r>
+              <a:rPr lang="it-IT" sz="1200" b="1" kern="1200" dirty="0" err="1">
+                <a:solidFill>
+                  <a:schemeClr val="tx1"/>
+                </a:solidFill>
+                <a:effectLst/>
+                <a:latin typeface="+mn-lt"/>
+                <a:ea typeface="+mn-ea"/>
+                <a:cs typeface="+mn-cs"/>
+              </a:rPr>
+              <a:t>Principle</a:t>
+            </a:r>
+            <a:r>
+              <a:rPr lang="it-IT" sz="1200" b="1" kern="1200" dirty="0">
+                <a:solidFill>
+                  <a:schemeClr val="tx1"/>
+                </a:solidFill>
+                <a:effectLst/>
+                <a:latin typeface="+mn-lt"/>
+                <a:ea typeface="+mn-ea"/>
+                <a:cs typeface="+mn-cs"/>
+              </a:rPr>
+              <a:t>” di </a:t>
+            </a:r>
+            <a:r>
+              <a:rPr lang="it-IT" sz="1200" b="1" kern="1200" dirty="0" err="1">
+                <a:solidFill>
+                  <a:schemeClr val="tx1"/>
+                </a:solidFill>
+                <a:effectLst/>
+                <a:latin typeface="+mn-lt"/>
+                <a:ea typeface="+mn-ea"/>
+                <a:cs typeface="+mn-cs"/>
+              </a:rPr>
+              <a:t>Croteam</a:t>
+            </a:r>
+            <a:r>
+              <a:rPr lang="it-IT" sz="1200" b="1" kern="1200" dirty="0">
+                <a:solidFill>
+                  <a:schemeClr val="tx1"/>
+                </a:solidFill>
+                <a:effectLst/>
+                <a:latin typeface="+mn-lt"/>
+                <a:ea typeface="+mn-ea"/>
+                <a:cs typeface="+mn-cs"/>
+              </a:rPr>
+              <a:t> è il primo gioco a supportare l’API </a:t>
+            </a:r>
+            <a:r>
+              <a:rPr lang="it-IT" sz="1200" b="1" kern="1200" dirty="0" err="1">
+                <a:solidFill>
+                  <a:schemeClr val="tx1"/>
+                </a:solidFill>
+                <a:effectLst/>
+                <a:latin typeface="+mn-lt"/>
+                <a:ea typeface="+mn-ea"/>
+                <a:cs typeface="+mn-cs"/>
+              </a:rPr>
+              <a:t>nativamente</a:t>
+            </a:r>
+            <a:endParaRPr lang="it-IT" sz="1200" kern="1200" dirty="0">
+              <a:solidFill>
+                <a:schemeClr val="tx1"/>
+              </a:solidFill>
+              <a:effectLst/>
+              <a:latin typeface="+mn-lt"/>
+              <a:ea typeface="+mn-ea"/>
+              <a:cs typeface="+mn-cs"/>
+            </a:endParaRPr>
+          </a:p>
+          <a:p>
+            <a:endParaRPr lang="it-IT" u="sng" dirty="0"/>
+          </a:p>
+        </p:txBody>
+      </p:sp>
+      <p:sp>
+        <p:nvSpPr>
+          <p:cNvPr id="4" name="Segnaposto numero diapositiva 3"/>
           <p:cNvSpPr>
             <a:spLocks noGrp="1"/>
           </p:cNvSpPr>
@@ -1202,7 +2615,7 @@
     </p:spTree>
     <p:extLst>
       <p:ext uri="{BB962C8B-B14F-4D97-AF65-F5344CB8AC3E}">
-        <p14:creationId xmlns:p14="http://schemas.microsoft.com/office/powerpoint/2010/main" val="1679547345"/>
+        <p14:creationId xmlns:p14="http://schemas.microsoft.com/office/powerpoint/2010/main" val="81084750"/>
       </p:ext>
     </p:extLst>
   </p:cSld>
@@ -1257,46 +2670,12 @@
           <a:lstStyle/>
           <a:p>
             <a:r>
-              <a:rPr lang="en-US" dirty="0" smtClean="0"/>
-              <a:t>Simpler drivers: Improved efficiency/performance Reduced CPU bottlenecks Lower latency Increased portability</a:t>
-            </a:r>
-          </a:p>
-          <a:p>
-            <a:r>
-              <a:rPr lang="en-US" dirty="0" smtClean="0"/>
-              <a:t>Resource management in app code: Less hitches and surprises</a:t>
-            </a:r>
-          </a:p>
-          <a:p>
-            <a:r>
-              <a:rPr lang="en-US" dirty="0" smtClean="0"/>
-              <a:t>Command Buffers: Command creation can be multi-threaded Multiple CPU cores increase performance</a:t>
-            </a:r>
-          </a:p>
-          <a:p>
-            <a:r>
-              <a:rPr lang="en-US" dirty="0" smtClean="0"/>
-              <a:t>Graphics, compute and DMA queues: Work dispatch flexibility</a:t>
-            </a:r>
-          </a:p>
-          <a:p>
-            <a:r>
-              <a:rPr lang="en-US" dirty="0" smtClean="0"/>
-              <a:t>SPIR-V Pre-compiled </a:t>
-            </a:r>
-            <a:r>
-              <a:rPr lang="en-US" dirty="0" err="1" smtClean="0"/>
-              <a:t>Shaders</a:t>
-            </a:r>
-            <a:r>
-              <a:rPr lang="en-US" dirty="0" smtClean="0"/>
-              <a:t>: No front-end compiler in driver Future shading language flexibility</a:t>
-            </a:r>
-          </a:p>
-          <a:p>
-            <a:r>
-              <a:rPr lang="en-US" dirty="0" smtClean="0"/>
-              <a:t>Loadable Layers No error handling overhead in production code </a:t>
+              <a:rPr lang="it-IT" dirty="0"/>
+              <a:t>Formato binario fornito da vulkan per ridurre lavoro</a:t>
+            </a:r>
+            <a:r>
+              <a:rPr lang="it-IT" baseline="0" dirty="0"/>
+              <a:t> + shader scritti in linguaggio diverso da glsl</a:t>
             </a:r>
             <a:endParaRPr lang="it-IT" dirty="0"/>
           </a:p>
@@ -1382,6 +2761,32 @@
           <a:bodyPr/>
           <a:lstStyle/>
           <a:p>
+            <a:pPr marL="0" marR="0" indent="0" algn="l" defTabSz="914400" rtl="0" eaLnBrk="1" fontAlgn="auto" latinLnBrk="0" hangingPunct="1">
+              <a:lnSpc>
+                <a:spcPct val="100000"/>
+              </a:lnSpc>
+              <a:spcBef>
+                <a:spcPts val="0"/>
+              </a:spcBef>
+              <a:spcAft>
+                <a:spcPts val="0"/>
+              </a:spcAft>
+              <a:buClrTx/>
+              <a:buSzTx/>
+              <a:buFontTx/>
+              <a:buNone/>
+              <a:tabLst/>
+              <a:defRPr/>
+            </a:pPr>
+            <a:r>
+              <a:rPr lang="it-IT" sz="1200" dirty="0">
+                <a:latin typeface="Arial" panose="020B0604020202020204" pitchFamily="34" charset="0"/>
+                <a:cs typeface="Arial" panose="020B0604020202020204" pitchFamily="34" charset="0"/>
+              </a:rPr>
+              <a:t>Alleggerisce il carico di lavoro sui driver -&gt; se si usasse opengl sarebbe il driver a dover compilare gli shader</a:t>
+            </a:r>
+          </a:p>
+          <a:p>
             <a:endParaRPr lang="it-IT" dirty="0"/>
           </a:p>
         </p:txBody>
@@ -1466,7 +2871,10 @@
           <a:bodyPr/>
           <a:lstStyle/>
           <a:p>
-            <a:endParaRPr lang="it-IT" dirty="0"/>
+            <a:r>
+              <a:rPr lang="it-IT" dirty="0"/>
+              <a:t>https://developer.nvidia.com/sites/default/files/akamai/gameworks/blog/munich/mschott_vulkan_multi_threading.pdf</a:t>
+            </a:r>
           </a:p>
         </p:txBody>
       </p:sp>
@@ -1550,6 +2958,10 @@
           <a:bodyPr/>
           <a:lstStyle/>
           <a:p>
+            <a:r>
+              <a:rPr lang="it-IT"/>
+              <a:t>https://developer.nvidia.com/sites/default/files/akamai/gameworks/blog/munich/mschott_vulkan_multi_threading.pdf</a:t>
+            </a:r>
             <a:endParaRPr lang="it-IT" dirty="0"/>
           </a:p>
         </p:txBody>
@@ -1637,10 +3049,9 @@
           </a:lstStyle>
           <a:p>
             <a:r>
-              <a:rPr kumimoji="0" lang="en-US" smtClean="0"/>
+              <a:rPr kumimoji="0" lang="en-US"/>
               <a:t>Click to edit Master title style</a:t>
             </a:r>
-            <a:endParaRPr kumimoji="0" lang="en-US"/>
           </a:p>
         </p:txBody>
       </p:sp>
@@ -1698,10 +3109,9 @@
           </a:lstStyle>
           <a:p>
             <a:r>
-              <a:rPr kumimoji="0" lang="en-US" smtClean="0"/>
+              <a:rPr kumimoji="0" lang="en-US"/>
               <a:t>Click to edit Master subtitle style</a:t>
             </a:r>
-            <a:endParaRPr kumimoji="0" lang="en-US"/>
           </a:p>
         </p:txBody>
       </p:sp>
@@ -1729,7 +3139,7 @@
             <a:fld id="{E6F9B8CD-342D-4579-98EC-A8FD6B7370E1}" type="datetimeFigureOut">
               <a:rPr lang="en-US" smtClean="0"/>
               <a:pPr eaLnBrk="1" latinLnBrk="0" hangingPunct="1"/>
-              <a:t>1/10/2018</a:t>
+              <a:t>1/14/2018</a:t>
             </a:fld>
             <a:endParaRPr lang="en-US" dirty="0"/>
           </a:p>
@@ -2473,10 +3883,11 @@
           <a:bodyPr/>
           <a:lstStyle/>
           <a:p>
+            <a:pPr eaLnBrk="1" latinLnBrk="0" hangingPunct="1"/>
             <a:fld id="{2BBB5E19-F10A-4C2F-BF6F-11C513378A2E}" type="slidenum">
               <a:rPr kumimoji="0" lang="en-US" smtClean="0"/>
               <a:pPr eaLnBrk="1" latinLnBrk="0" hangingPunct="1"/>
-              <a:t>‹#›</a:t>
+              <a:t>‹N›</a:t>
             </a:fld>
             <a:endParaRPr kumimoji="0" lang="en-US" dirty="0"/>
           </a:p>
@@ -2523,10 +3934,9 @@
           <a:lstStyle/>
           <a:p>
             <a:r>
-              <a:rPr kumimoji="0" lang="en-US" smtClean="0"/>
+              <a:rPr kumimoji="0" lang="en-US"/>
               <a:t>Click to edit Master title style</a:t>
             </a:r>
-            <a:endParaRPr kumimoji="0" lang="en-US"/>
           </a:p>
         </p:txBody>
       </p:sp>
@@ -2547,35 +3957,35 @@
           <a:p>
             <a:pPr lvl="0" eaLnBrk="1" latinLnBrk="0" hangingPunct="1"/>
             <a:r>
-              <a:rPr lang="en-US" smtClean="0"/>
+              <a:rPr lang="en-US"/>
               <a:t>Click to edit Master text styles</a:t>
             </a:r>
           </a:p>
           <a:p>
             <a:pPr lvl="1" eaLnBrk="1" latinLnBrk="0" hangingPunct="1"/>
             <a:r>
-              <a:rPr lang="en-US" smtClean="0"/>
+              <a:rPr lang="en-US"/>
               <a:t>Second level</a:t>
             </a:r>
           </a:p>
           <a:p>
             <a:pPr lvl="2" eaLnBrk="1" latinLnBrk="0" hangingPunct="1"/>
             <a:r>
-              <a:rPr lang="en-US" smtClean="0"/>
+              <a:rPr lang="en-US"/>
               <a:t>Third level</a:t>
             </a:r>
           </a:p>
           <a:p>
             <a:pPr lvl="3" eaLnBrk="1" latinLnBrk="0" hangingPunct="1"/>
             <a:r>
-              <a:rPr lang="en-US" smtClean="0"/>
+              <a:rPr lang="en-US"/>
               <a:t>Fourth level</a:t>
             </a:r>
           </a:p>
           <a:p>
             <a:pPr lvl="4" eaLnBrk="1" latinLnBrk="0" hangingPunct="1"/>
             <a:r>
-              <a:rPr lang="en-US" smtClean="0"/>
+              <a:rPr lang="en-US"/>
               <a:t>Fifth level</a:t>
             </a:r>
             <a:endParaRPr kumimoji="0" lang="en-US"/>
@@ -2601,7 +4011,7 @@
             <a:fld id="{E6F9B8CD-342D-4579-98EC-A8FD6B7370E1}" type="datetimeFigureOut">
               <a:rPr lang="en-US" smtClean="0"/>
               <a:pPr eaLnBrk="1" latinLnBrk="0" hangingPunct="1"/>
-              <a:t>1/10/2018</a:t>
+              <a:t>1/14/2018</a:t>
             </a:fld>
             <a:endParaRPr lang="en-US"/>
           </a:p>
@@ -2641,10 +4051,11 @@
           <a:bodyPr/>
           <a:lstStyle/>
           <a:p>
+            <a:pPr eaLnBrk="1" latinLnBrk="0" hangingPunct="1"/>
             <a:fld id="{2BBB5E19-F10A-4C2F-BF6F-11C513378A2E}" type="slidenum">
               <a:rPr kumimoji="0" lang="en-US" smtClean="0"/>
               <a:pPr eaLnBrk="1" latinLnBrk="0" hangingPunct="1"/>
-              <a:t>‹#›</a:t>
+              <a:t>‹N›</a:t>
             </a:fld>
             <a:endParaRPr kumimoji="0" lang="en-US"/>
           </a:p>
@@ -2696,10 +4107,9 @@
           <a:lstStyle/>
           <a:p>
             <a:r>
-              <a:rPr kumimoji="0" lang="en-US" smtClean="0"/>
+              <a:rPr kumimoji="0" lang="en-US"/>
               <a:t>Click to edit Master title style</a:t>
             </a:r>
-            <a:endParaRPr kumimoji="0" lang="en-US"/>
           </a:p>
         </p:txBody>
       </p:sp>
@@ -2725,35 +4135,35 @@
           <a:p>
             <a:pPr lvl="0" eaLnBrk="1" latinLnBrk="0" hangingPunct="1"/>
             <a:r>
-              <a:rPr lang="en-US" smtClean="0"/>
+              <a:rPr lang="en-US"/>
               <a:t>Click to edit Master text styles</a:t>
             </a:r>
           </a:p>
           <a:p>
             <a:pPr lvl="1" eaLnBrk="1" latinLnBrk="0" hangingPunct="1"/>
             <a:r>
-              <a:rPr lang="en-US" smtClean="0"/>
+              <a:rPr lang="en-US"/>
               <a:t>Second level</a:t>
             </a:r>
           </a:p>
           <a:p>
             <a:pPr lvl="2" eaLnBrk="1" latinLnBrk="0" hangingPunct="1"/>
             <a:r>
-              <a:rPr lang="en-US" smtClean="0"/>
+              <a:rPr lang="en-US"/>
               <a:t>Third level</a:t>
             </a:r>
           </a:p>
           <a:p>
             <a:pPr lvl="3" eaLnBrk="1" latinLnBrk="0" hangingPunct="1"/>
             <a:r>
-              <a:rPr lang="en-US" smtClean="0"/>
+              <a:rPr lang="en-US"/>
               <a:t>Fourth level</a:t>
             </a:r>
           </a:p>
           <a:p>
             <a:pPr lvl="4" eaLnBrk="1" latinLnBrk="0" hangingPunct="1"/>
             <a:r>
-              <a:rPr lang="en-US" smtClean="0"/>
+              <a:rPr lang="en-US"/>
               <a:t>Fifth level</a:t>
             </a:r>
             <a:endParaRPr kumimoji="0" lang="en-US"/>
@@ -2779,7 +4189,7 @@
             <a:fld id="{E6F9B8CD-342D-4579-98EC-A8FD6B7370E1}" type="datetimeFigureOut">
               <a:rPr lang="en-US" smtClean="0"/>
               <a:pPr eaLnBrk="1" latinLnBrk="0" hangingPunct="1"/>
-              <a:t>1/10/2018</a:t>
+              <a:t>1/14/2018</a:t>
             </a:fld>
             <a:endParaRPr lang="en-US"/>
           </a:p>
@@ -2819,10 +4229,11 @@
           <a:bodyPr/>
           <a:lstStyle/>
           <a:p>
+            <a:pPr eaLnBrk="1" latinLnBrk="0" hangingPunct="1"/>
             <a:fld id="{2BBB5E19-F10A-4C2F-BF6F-11C513378A2E}" type="slidenum">
               <a:rPr kumimoji="0" lang="en-US" smtClean="0"/>
               <a:pPr eaLnBrk="1" latinLnBrk="0" hangingPunct="1"/>
-              <a:t>‹#›</a:t>
+              <a:t>‹N›</a:t>
             </a:fld>
             <a:endParaRPr kumimoji="0" lang="en-US"/>
           </a:p>
@@ -2869,10 +4280,9 @@
           <a:lstStyle/>
           <a:p>
             <a:r>
-              <a:rPr kumimoji="0" lang="en-US" smtClean="0"/>
+              <a:rPr kumimoji="0" lang="en-US"/>
               <a:t>Click to edit Master title style</a:t>
             </a:r>
-            <a:endParaRPr kumimoji="0" lang="en-US"/>
           </a:p>
         </p:txBody>
       </p:sp>
@@ -2898,35 +4308,35 @@
           <a:p>
             <a:pPr lvl="0" eaLnBrk="1" latinLnBrk="0" hangingPunct="1"/>
             <a:r>
-              <a:rPr lang="en-US" smtClean="0"/>
+              <a:rPr lang="en-US"/>
               <a:t>Click to edit Master text styles</a:t>
             </a:r>
           </a:p>
           <a:p>
             <a:pPr lvl="1" eaLnBrk="1" latinLnBrk="0" hangingPunct="1"/>
             <a:r>
-              <a:rPr lang="en-US" smtClean="0"/>
+              <a:rPr lang="en-US"/>
               <a:t>Second level</a:t>
             </a:r>
           </a:p>
           <a:p>
             <a:pPr lvl="2" eaLnBrk="1" latinLnBrk="0" hangingPunct="1"/>
             <a:r>
-              <a:rPr lang="en-US" smtClean="0"/>
+              <a:rPr lang="en-US"/>
               <a:t>Third level</a:t>
             </a:r>
           </a:p>
           <a:p>
             <a:pPr lvl="3" eaLnBrk="1" latinLnBrk="0" hangingPunct="1"/>
             <a:r>
-              <a:rPr lang="en-US" smtClean="0"/>
+              <a:rPr lang="en-US"/>
               <a:t>Fourth level</a:t>
             </a:r>
           </a:p>
           <a:p>
             <a:pPr lvl="4" eaLnBrk="1" latinLnBrk="0" hangingPunct="1"/>
             <a:r>
-              <a:rPr lang="en-US" smtClean="0"/>
+              <a:rPr lang="en-US"/>
               <a:t>Fifth level</a:t>
             </a:r>
             <a:endParaRPr kumimoji="0" lang="en-US"/>
@@ -2952,7 +4362,7 @@
             <a:fld id="{E6F9B8CD-342D-4579-98EC-A8FD6B7370E1}" type="datetimeFigureOut">
               <a:rPr lang="en-US" smtClean="0"/>
               <a:pPr algn="r" eaLnBrk="1" latinLnBrk="0" hangingPunct="1"/>
-              <a:t>1/10/2018</a:t>
+              <a:t>1/14/2018</a:t>
             </a:fld>
             <a:endParaRPr lang="en-US"/>
           </a:p>
@@ -2977,7 +4387,7 @@
             <a:fld id="{2BBB5E19-F10A-4C2F-BF6F-11C513378A2E}" type="slidenum">
               <a:rPr kumimoji="0" lang="en-US" smtClean="0"/>
               <a:pPr algn="ctr" eaLnBrk="1" latinLnBrk="0" hangingPunct="1"/>
-              <a:t>‹#›</a:t>
+              <a:t>‹N›</a:t>
             </a:fld>
             <a:endParaRPr kumimoji="0" lang="en-US"/>
           </a:p>
@@ -3058,10 +4468,9 @@
           </a:lstStyle>
           <a:p>
             <a:r>
-              <a:rPr kumimoji="0" lang="en-US" smtClean="0"/>
+              <a:rPr kumimoji="0" lang="en-US"/>
               <a:t>Click to edit Master title style</a:t>
             </a:r>
-            <a:endParaRPr kumimoji="0" lang="en-US"/>
           </a:p>
         </p:txBody>
       </p:sp>
@@ -3136,7 +4545,7 @@
           <a:p>
             <a:pPr lvl="0" eaLnBrk="1" latinLnBrk="0" hangingPunct="1"/>
             <a:r>
-              <a:rPr kumimoji="0" lang="en-US" smtClean="0"/>
+              <a:rPr kumimoji="0" lang="en-US"/>
               <a:t>Click to edit Master text styles</a:t>
             </a:r>
           </a:p>
@@ -3166,7 +4575,7 @@
             <a:fld id="{E6F9B8CD-342D-4579-98EC-A8FD6B7370E1}" type="datetimeFigureOut">
               <a:rPr lang="en-US" smtClean="0"/>
               <a:pPr eaLnBrk="1" latinLnBrk="0" hangingPunct="1"/>
-              <a:t>1/10/2018</a:t>
+              <a:t>1/14/2018</a:t>
             </a:fld>
             <a:endParaRPr lang="en-US"/>
           </a:p>
@@ -3907,10 +5316,11 @@
           <a:bodyPr/>
           <a:lstStyle/>
           <a:p>
+            <a:pPr eaLnBrk="1" latinLnBrk="0" hangingPunct="1"/>
             <a:fld id="{2BBB5E19-F10A-4C2F-BF6F-11C513378A2E}" type="slidenum">
               <a:rPr kumimoji="0" lang="en-US" smtClean="0"/>
               <a:pPr eaLnBrk="1" latinLnBrk="0" hangingPunct="1"/>
-              <a:t>‹#›</a:t>
+              <a:t>‹N›</a:t>
             </a:fld>
             <a:endParaRPr kumimoji="0" lang="en-US"/>
           </a:p>
@@ -3957,10 +5367,9 @@
           <a:lstStyle/>
           <a:p>
             <a:r>
-              <a:rPr kumimoji="0" lang="en-US" smtClean="0"/>
+              <a:rPr kumimoji="0" lang="en-US"/>
               <a:t>Click to edit Master title style</a:t>
             </a:r>
-            <a:endParaRPr kumimoji="0" lang="en-US"/>
           </a:p>
         </p:txBody>
       </p:sp>
@@ -3983,7 +5392,7 @@
             <a:fld id="{E6F9B8CD-342D-4579-98EC-A8FD6B7370E1}" type="datetimeFigureOut">
               <a:rPr lang="en-US" smtClean="0"/>
               <a:pPr eaLnBrk="1" latinLnBrk="0" hangingPunct="1"/>
-              <a:t>1/10/2018</a:t>
+              <a:t>1/14/2018</a:t>
             </a:fld>
             <a:endParaRPr lang="en-US"/>
           </a:p>
@@ -4023,10 +5432,11 @@
           <a:bodyPr/>
           <a:lstStyle/>
           <a:p>
+            <a:pPr eaLnBrk="1" latinLnBrk="0" hangingPunct="1"/>
             <a:fld id="{2BBB5E19-F10A-4C2F-BF6F-11C513378A2E}" type="slidenum">
               <a:rPr kumimoji="0" lang="en-US" smtClean="0"/>
               <a:pPr eaLnBrk="1" latinLnBrk="0" hangingPunct="1"/>
-              <a:t>‹#›</a:t>
+              <a:t>‹N›</a:t>
             </a:fld>
             <a:endParaRPr kumimoji="0" lang="en-US"/>
           </a:p>
@@ -4054,35 +5464,35 @@
           <a:p>
             <a:pPr lvl="0" eaLnBrk="1" latinLnBrk="0" hangingPunct="1"/>
             <a:r>
-              <a:rPr lang="en-US" smtClean="0"/>
+              <a:rPr lang="en-US"/>
               <a:t>Click to edit Master text styles</a:t>
             </a:r>
           </a:p>
           <a:p>
             <a:pPr lvl="1" eaLnBrk="1" latinLnBrk="0" hangingPunct="1"/>
             <a:r>
-              <a:rPr lang="en-US" smtClean="0"/>
+              <a:rPr lang="en-US"/>
               <a:t>Second level</a:t>
             </a:r>
           </a:p>
           <a:p>
             <a:pPr lvl="2" eaLnBrk="1" latinLnBrk="0" hangingPunct="1"/>
             <a:r>
-              <a:rPr lang="en-US" smtClean="0"/>
+              <a:rPr lang="en-US"/>
               <a:t>Third level</a:t>
             </a:r>
           </a:p>
           <a:p>
             <a:pPr lvl="3" eaLnBrk="1" latinLnBrk="0" hangingPunct="1"/>
             <a:r>
-              <a:rPr lang="en-US" smtClean="0"/>
+              <a:rPr lang="en-US"/>
               <a:t>Fourth level</a:t>
             </a:r>
           </a:p>
           <a:p>
             <a:pPr lvl="4" eaLnBrk="1" latinLnBrk="0" hangingPunct="1"/>
             <a:r>
-              <a:rPr lang="en-US" smtClean="0"/>
+              <a:rPr lang="en-US"/>
               <a:t>Fifth level</a:t>
             </a:r>
             <a:endParaRPr kumimoji="0" lang="en-US"/>
@@ -4111,35 +5521,35 @@
           <a:p>
             <a:pPr lvl="0" eaLnBrk="1" latinLnBrk="0" hangingPunct="1"/>
             <a:r>
-              <a:rPr lang="en-US" smtClean="0"/>
+              <a:rPr lang="en-US"/>
               <a:t>Click to edit Master text styles</a:t>
             </a:r>
           </a:p>
           <a:p>
             <a:pPr lvl="1" eaLnBrk="1" latinLnBrk="0" hangingPunct="1"/>
             <a:r>
-              <a:rPr lang="en-US" smtClean="0"/>
+              <a:rPr lang="en-US"/>
               <a:t>Second level</a:t>
             </a:r>
           </a:p>
           <a:p>
             <a:pPr lvl="2" eaLnBrk="1" latinLnBrk="0" hangingPunct="1"/>
             <a:r>
-              <a:rPr lang="en-US" smtClean="0"/>
+              <a:rPr lang="en-US"/>
               <a:t>Third level</a:t>
             </a:r>
           </a:p>
           <a:p>
             <a:pPr lvl="3" eaLnBrk="1" latinLnBrk="0" hangingPunct="1"/>
             <a:r>
-              <a:rPr lang="en-US" smtClean="0"/>
+              <a:rPr lang="en-US"/>
               <a:t>Fourth level</a:t>
             </a:r>
           </a:p>
           <a:p>
             <a:pPr lvl="4" eaLnBrk="1" latinLnBrk="0" hangingPunct="1"/>
             <a:r>
-              <a:rPr lang="en-US" smtClean="0"/>
+              <a:rPr lang="en-US"/>
               <a:t>Fifth level</a:t>
             </a:r>
             <a:endParaRPr kumimoji="0" lang="en-US"/>
@@ -4196,10 +5606,9 @@
           </a:lstStyle>
           <a:p>
             <a:r>
-              <a:rPr kumimoji="0" lang="en-US" smtClean="0"/>
+              <a:rPr kumimoji="0" lang="en-US"/>
               <a:t>Click to edit Master title style</a:t>
             </a:r>
-            <a:endParaRPr kumimoji="0" lang="en-US"/>
           </a:p>
         </p:txBody>
       </p:sp>
@@ -4222,7 +5631,7 @@
             <a:fld id="{E6F9B8CD-342D-4579-98EC-A8FD6B7370E1}" type="datetimeFigureOut">
               <a:rPr lang="en-US" smtClean="0"/>
               <a:pPr eaLnBrk="1" latinLnBrk="0" hangingPunct="1"/>
-              <a:t>1/10/2018</a:t>
+              <a:t>1/14/2018</a:t>
             </a:fld>
             <a:endParaRPr lang="en-US"/>
           </a:p>
@@ -4262,10 +5671,11 @@
           <a:bodyPr/>
           <a:lstStyle/>
           <a:p>
+            <a:pPr eaLnBrk="1" latinLnBrk="0" hangingPunct="1"/>
             <a:fld id="{2BBB5E19-F10A-4C2F-BF6F-11C513378A2E}" type="slidenum">
               <a:rPr kumimoji="0" lang="en-US" smtClean="0"/>
               <a:pPr eaLnBrk="1" latinLnBrk="0" hangingPunct="1"/>
-              <a:t>‹#›</a:t>
+              <a:t>‹N›</a:t>
             </a:fld>
             <a:endParaRPr kumimoji="0" lang="en-US"/>
           </a:p>
@@ -4293,35 +5703,35 @@
           <a:p>
             <a:pPr lvl="0" eaLnBrk="1" latinLnBrk="0" hangingPunct="1"/>
             <a:r>
-              <a:rPr lang="en-US" smtClean="0"/>
+              <a:rPr lang="en-US"/>
               <a:t>Click to edit Master text styles</a:t>
             </a:r>
           </a:p>
           <a:p>
             <a:pPr lvl="1" eaLnBrk="1" latinLnBrk="0" hangingPunct="1"/>
             <a:r>
-              <a:rPr lang="en-US" smtClean="0"/>
+              <a:rPr lang="en-US"/>
               <a:t>Second level</a:t>
             </a:r>
           </a:p>
           <a:p>
             <a:pPr lvl="2" eaLnBrk="1" latinLnBrk="0" hangingPunct="1"/>
             <a:r>
-              <a:rPr lang="en-US" smtClean="0"/>
+              <a:rPr lang="en-US"/>
               <a:t>Third level</a:t>
             </a:r>
           </a:p>
           <a:p>
             <a:pPr lvl="3" eaLnBrk="1" latinLnBrk="0" hangingPunct="1"/>
             <a:r>
-              <a:rPr lang="en-US" smtClean="0"/>
+              <a:rPr lang="en-US"/>
               <a:t>Fourth level</a:t>
             </a:r>
           </a:p>
           <a:p>
             <a:pPr lvl="4" eaLnBrk="1" latinLnBrk="0" hangingPunct="1"/>
             <a:r>
-              <a:rPr lang="en-US" smtClean="0"/>
+              <a:rPr lang="en-US"/>
               <a:t>Fifth level</a:t>
             </a:r>
             <a:endParaRPr kumimoji="0" lang="en-US"/>
@@ -4350,35 +5760,35 @@
           <a:p>
             <a:pPr lvl="0" eaLnBrk="1" latinLnBrk="0" hangingPunct="1"/>
             <a:r>
-              <a:rPr lang="en-US" smtClean="0"/>
+              <a:rPr lang="en-US"/>
               <a:t>Click to edit Master text styles</a:t>
             </a:r>
           </a:p>
           <a:p>
             <a:pPr lvl="1" eaLnBrk="1" latinLnBrk="0" hangingPunct="1"/>
             <a:r>
-              <a:rPr lang="en-US" smtClean="0"/>
+              <a:rPr lang="en-US"/>
               <a:t>Second level</a:t>
             </a:r>
           </a:p>
           <a:p>
             <a:pPr lvl="2" eaLnBrk="1" latinLnBrk="0" hangingPunct="1"/>
             <a:r>
-              <a:rPr lang="en-US" smtClean="0"/>
+              <a:rPr lang="en-US"/>
               <a:t>Third level</a:t>
             </a:r>
           </a:p>
           <a:p>
             <a:pPr lvl="3" eaLnBrk="1" latinLnBrk="0" hangingPunct="1"/>
             <a:r>
-              <a:rPr lang="en-US" smtClean="0"/>
+              <a:rPr lang="en-US"/>
               <a:t>Fourth level</a:t>
             </a:r>
           </a:p>
           <a:p>
             <a:pPr lvl="4" eaLnBrk="1" latinLnBrk="0" hangingPunct="1"/>
             <a:r>
-              <a:rPr lang="en-US" smtClean="0"/>
+              <a:rPr lang="en-US"/>
               <a:t>Fifth level</a:t>
             </a:r>
             <a:endParaRPr kumimoji="0" lang="en-US"/>
@@ -4427,7 +5837,7 @@
           <a:p>
             <a:pPr lvl="0" eaLnBrk="1" latinLnBrk="0" hangingPunct="1"/>
             <a:r>
-              <a:rPr kumimoji="0" lang="en-US" smtClean="0"/>
+              <a:rPr kumimoji="0" lang="en-US"/>
               <a:t>Click to edit Master text styles</a:t>
             </a:r>
           </a:p>
@@ -4475,7 +5885,7 @@
           <a:p>
             <a:pPr lvl="0" eaLnBrk="1" latinLnBrk="0" hangingPunct="1"/>
             <a:r>
-              <a:rPr kumimoji="0" lang="en-US" smtClean="0"/>
+              <a:rPr kumimoji="0" lang="en-US"/>
               <a:t>Click to edit Master text styles</a:t>
             </a:r>
           </a:p>
@@ -4522,10 +5932,9 @@
           <a:lstStyle/>
           <a:p>
             <a:r>
-              <a:rPr kumimoji="0" lang="en-US" smtClean="0"/>
+              <a:rPr kumimoji="0" lang="en-US"/>
               <a:t>Click to edit Master title style</a:t>
             </a:r>
-            <a:endParaRPr kumimoji="0" lang="en-US"/>
           </a:p>
         </p:txBody>
       </p:sp>
@@ -4548,7 +5957,7 @@
             <a:fld id="{E6F9B8CD-342D-4579-98EC-A8FD6B7370E1}" type="datetimeFigureOut">
               <a:rPr lang="en-US" smtClean="0"/>
               <a:pPr algn="r" eaLnBrk="1" latinLnBrk="0" hangingPunct="1"/>
-              <a:t>1/10/2018</a:t>
+              <a:t>1/14/2018</a:t>
             </a:fld>
             <a:endParaRPr lang="en-US"/>
           </a:p>
@@ -4573,7 +5982,7 @@
             <a:fld id="{2BBB5E19-F10A-4C2F-BF6F-11C513378A2E}" type="slidenum">
               <a:rPr kumimoji="0" lang="en-US" smtClean="0"/>
               <a:pPr algn="ctr" eaLnBrk="1" latinLnBrk="0" hangingPunct="1"/>
-              <a:t>‹#›</a:t>
+              <a:t>‹N›</a:t>
             </a:fld>
             <a:endParaRPr kumimoji="0" lang="en-US"/>
           </a:p>
@@ -4642,7 +6051,7 @@
             <a:fld id="{E6F9B8CD-342D-4579-98EC-A8FD6B7370E1}" type="datetimeFigureOut">
               <a:rPr lang="en-US" smtClean="0"/>
               <a:pPr eaLnBrk="1" latinLnBrk="0" hangingPunct="1"/>
-              <a:t>1/10/2018</a:t>
+              <a:t>1/14/2018</a:t>
             </a:fld>
             <a:endParaRPr lang="en-US"/>
           </a:p>
@@ -4682,10 +6091,11 @@
           <a:bodyPr/>
           <a:lstStyle/>
           <a:p>
+            <a:pPr eaLnBrk="1" latinLnBrk="0" hangingPunct="1"/>
             <a:fld id="{2BBB5E19-F10A-4C2F-BF6F-11C513378A2E}" type="slidenum">
               <a:rPr kumimoji="0" lang="en-US" smtClean="0"/>
               <a:pPr eaLnBrk="1" latinLnBrk="0" hangingPunct="1"/>
-              <a:t>‹#›</a:t>
+              <a:t>‹N›</a:t>
             </a:fld>
             <a:endParaRPr kumimoji="0" lang="en-US"/>
           </a:p>
@@ -4786,10 +6196,9 @@
           </a:lstStyle>
           <a:p>
             <a:r>
-              <a:rPr kumimoji="0" lang="en-US" smtClean="0"/>
+              <a:rPr kumimoji="0" lang="en-US"/>
               <a:t>Click to edit Master title style</a:t>
             </a:r>
-            <a:endParaRPr kumimoji="0" lang="en-US"/>
           </a:p>
         </p:txBody>
       </p:sp>
@@ -4842,7 +6251,7 @@
           <a:p>
             <a:pPr lvl="0" eaLnBrk="1" latinLnBrk="0" hangingPunct="1"/>
             <a:r>
-              <a:rPr kumimoji="0" lang="en-US" smtClean="0"/>
+              <a:rPr kumimoji="0" lang="en-US"/>
               <a:t>Click to edit Master text styles</a:t>
             </a:r>
           </a:p>
@@ -5108,35 +6517,35 @@
           <a:p>
             <a:pPr lvl="0" eaLnBrk="1" latinLnBrk="0" hangingPunct="1"/>
             <a:r>
-              <a:rPr lang="en-US" smtClean="0"/>
+              <a:rPr lang="en-US"/>
               <a:t>Click to edit Master text styles</a:t>
             </a:r>
           </a:p>
           <a:p>
             <a:pPr lvl="1" eaLnBrk="1" latinLnBrk="0" hangingPunct="1"/>
             <a:r>
-              <a:rPr lang="en-US" smtClean="0"/>
+              <a:rPr lang="en-US"/>
               <a:t>Second level</a:t>
             </a:r>
           </a:p>
           <a:p>
             <a:pPr lvl="2" eaLnBrk="1" latinLnBrk="0" hangingPunct="1"/>
             <a:r>
-              <a:rPr lang="en-US" smtClean="0"/>
+              <a:rPr lang="en-US"/>
               <a:t>Third level</a:t>
             </a:r>
           </a:p>
           <a:p>
             <a:pPr lvl="3" eaLnBrk="1" latinLnBrk="0" hangingPunct="1"/>
             <a:r>
-              <a:rPr lang="en-US" smtClean="0"/>
+              <a:rPr lang="en-US"/>
               <a:t>Fourth level</a:t>
             </a:r>
           </a:p>
           <a:p>
             <a:pPr lvl="4" eaLnBrk="1" latinLnBrk="0" hangingPunct="1"/>
             <a:r>
-              <a:rPr lang="en-US" smtClean="0"/>
+              <a:rPr lang="en-US"/>
               <a:t>Fifth level</a:t>
             </a:r>
             <a:endParaRPr kumimoji="0" lang="en-US"/>
@@ -5162,7 +6571,7 @@
             <a:fld id="{E6F9B8CD-342D-4579-98EC-A8FD6B7370E1}" type="datetimeFigureOut">
               <a:rPr lang="en-US" smtClean="0"/>
               <a:pPr algn="r" eaLnBrk="1" latinLnBrk="0" hangingPunct="1"/>
-              <a:t>1/10/2018</a:t>
+              <a:t>1/14/2018</a:t>
             </a:fld>
             <a:endParaRPr lang="en-US" dirty="0"/>
           </a:p>
@@ -5187,7 +6596,7 @@
             <a:fld id="{2BBB5E19-F10A-4C2F-BF6F-11C513378A2E}" type="slidenum">
               <a:rPr kumimoji="0" lang="en-US" smtClean="0"/>
               <a:pPr algn="ctr" eaLnBrk="1" latinLnBrk="0" hangingPunct="1"/>
-              <a:t>‹#›</a:t>
+              <a:t>‹N›</a:t>
             </a:fld>
             <a:endParaRPr kumimoji="0" lang="en-US"/>
           </a:p>
@@ -5344,10 +6753,9 @@
           </a:lstStyle>
           <a:p>
             <a:r>
-              <a:rPr kumimoji="0" lang="en-US" smtClean="0"/>
+              <a:rPr kumimoji="0" lang="en-US"/>
               <a:t>Click to edit Master title style</a:t>
             </a:r>
-            <a:endParaRPr kumimoji="0" lang="en-US"/>
           </a:p>
         </p:txBody>
       </p:sp>
@@ -5403,7 +6811,7 @@
               <a:buNone/>
             </a:pPr>
             <a:r>
-              <a:rPr kumimoji="0" lang="en-US" smtClean="0"/>
+              <a:rPr kumimoji="0" lang="en-US"/>
               <a:t>Click icon to add picture</a:t>
             </a:r>
             <a:endParaRPr kumimoji="0" lang="en-US" dirty="0"/>
@@ -5458,7 +6866,7 @@
           <a:p>
             <a:pPr lvl="0" eaLnBrk="1" latinLnBrk="0" hangingPunct="1"/>
             <a:r>
-              <a:rPr kumimoji="0" lang="en-US" smtClean="0"/>
+              <a:rPr kumimoji="0" lang="en-US"/>
               <a:t>Click to edit Master text styles</a:t>
             </a:r>
           </a:p>
@@ -5677,7 +7085,7 @@
             <a:fld id="{E6F9B8CD-342D-4579-98EC-A8FD6B7370E1}" type="datetimeFigureOut">
               <a:rPr lang="en-US" smtClean="0"/>
               <a:pPr algn="r" eaLnBrk="1" latinLnBrk="0" hangingPunct="1"/>
-              <a:t>1/10/2018</a:t>
+              <a:t>1/14/2018</a:t>
             </a:fld>
             <a:endParaRPr lang="en-US"/>
           </a:p>
@@ -5702,7 +7110,7 @@
             <a:fld id="{2BBB5E19-F10A-4C2F-BF6F-11C513378A2E}" type="slidenum">
               <a:rPr kumimoji="0" lang="en-US" smtClean="0"/>
               <a:pPr algn="ctr" eaLnBrk="1" latinLnBrk="0" hangingPunct="1"/>
-              <a:t>‹#›</a:t>
+              <a:t>‹N›</a:t>
             </a:fld>
             <a:endParaRPr kumimoji="0" lang="en-US"/>
           </a:p>
@@ -5822,10 +7230,9 @@
           <a:lstStyle/>
           <a:p>
             <a:r>
-              <a:rPr kumimoji="0" lang="en-US" smtClean="0"/>
+              <a:rPr kumimoji="0" lang="en-US"/>
               <a:t>Click to edit Master title style</a:t>
             </a:r>
-            <a:endParaRPr kumimoji="0" lang="en-US"/>
           </a:p>
         </p:txBody>
       </p:sp>
@@ -5856,38 +7263,37 @@
           <a:p>
             <a:pPr lvl="0" eaLnBrk="1" latinLnBrk="0" hangingPunct="1"/>
             <a:r>
-              <a:rPr kumimoji="0" lang="en-US" smtClean="0"/>
+              <a:rPr kumimoji="0" lang="en-US"/>
               <a:t>Click to edit Master text styles</a:t>
             </a:r>
           </a:p>
           <a:p>
             <a:pPr lvl="1" eaLnBrk="1" latinLnBrk="0" hangingPunct="1"/>
             <a:r>
-              <a:rPr kumimoji="0" lang="en-US" smtClean="0"/>
+              <a:rPr kumimoji="0" lang="en-US"/>
               <a:t>Second level</a:t>
             </a:r>
           </a:p>
           <a:p>
             <a:pPr lvl="2" eaLnBrk="1" latinLnBrk="0" hangingPunct="1"/>
             <a:r>
-              <a:rPr kumimoji="0" lang="en-US" smtClean="0"/>
+              <a:rPr kumimoji="0" lang="en-US"/>
               <a:t>Third level</a:t>
             </a:r>
           </a:p>
           <a:p>
             <a:pPr lvl="3" eaLnBrk="1" latinLnBrk="0" hangingPunct="1"/>
             <a:r>
-              <a:rPr kumimoji="0" lang="en-US" smtClean="0"/>
+              <a:rPr kumimoji="0" lang="en-US"/>
               <a:t>Fourth level</a:t>
             </a:r>
           </a:p>
           <a:p>
             <a:pPr lvl="4" eaLnBrk="1" latinLnBrk="0" hangingPunct="1"/>
             <a:r>
-              <a:rPr kumimoji="0" lang="en-US" smtClean="0"/>
+              <a:rPr kumimoji="0" lang="en-US"/>
               <a:t>Fifth level</a:t>
             </a:r>
-            <a:endParaRPr kumimoji="0" lang="en-US"/>
           </a:p>
         </p:txBody>
       </p:sp>
@@ -5926,7 +7332,7 @@
             <a:fld id="{E6F9B8CD-342D-4579-98EC-A8FD6B7370E1}" type="datetimeFigureOut">
               <a:rPr lang="en-US" smtClean="0"/>
               <a:pPr algn="r" eaLnBrk="1" latinLnBrk="0" hangingPunct="1"/>
-              <a:t>1/10/2018</a:t>
+              <a:t>1/14/2018</a:t>
             </a:fld>
             <a:endParaRPr lang="en-US" dirty="0">
               <a:solidFill>
@@ -6213,7 +7619,7 @@
             <a:fld id="{2BBB5E19-F10A-4C2F-BF6F-11C513378A2E}" type="slidenum">
               <a:rPr kumimoji="0" lang="en-US" smtClean="0"/>
               <a:pPr algn="ctr" eaLnBrk="1" latinLnBrk="0" hangingPunct="1"/>
-              <a:t>‹#›</a:t>
+              <a:t>‹N›</a:t>
             </a:fld>
             <a:endParaRPr kumimoji="0" lang="en-US" sz="1400" b="1" dirty="0">
               <a:solidFill>
@@ -6611,7 +8017,7 @@
           <a:p>
             <a:pPr algn="ctr"/>
             <a:r>
-              <a:rPr lang="it-IT" sz="1600" b="0" u="sng" dirty="0" smtClean="0">
+              <a:rPr lang="it-IT" sz="1600" b="0" u="sng" dirty="0">
                 <a:solidFill>
                   <a:schemeClr val="tx1"/>
                 </a:solidFill>
@@ -6621,7 +8027,7 @@
               <a:t>GRUPPO 8</a:t>
             </a:r>
             <a:r>
-              <a:rPr lang="it-IT" sz="1600" b="0" dirty="0" smtClean="0">
+              <a:rPr lang="it-IT" sz="1600" b="0" dirty="0">
                 <a:solidFill>
                   <a:schemeClr val="tx1"/>
                 </a:solidFill>
@@ -6634,7 +8040,7 @@
           <a:p>
             <a:pPr algn="ctr"/>
             <a:r>
-              <a:rPr lang="it-IT" sz="1600" b="0" dirty="0" smtClean="0">
+              <a:rPr lang="it-IT" sz="1600" b="0" dirty="0">
                 <a:solidFill>
                   <a:schemeClr val="tx1"/>
                 </a:solidFill>
@@ -6643,13 +8049,6 @@
               </a:rPr>
               <a:t>Botto Alessia, Canu Maria Giulia, Ferrero Federico, Mascherin Alessandro</a:t>
             </a:r>
-            <a:endParaRPr lang="it-IT" sz="1600" b="0" dirty="0">
-              <a:solidFill>
-                <a:schemeClr val="tx1"/>
-              </a:solidFill>
-              <a:latin typeface="Arial" panose="020B0604020202020204" pitchFamily="34" charset="0"/>
-              <a:cs typeface="Arial" panose="020B0604020202020204" pitchFamily="34" charset="0"/>
-            </a:endParaRPr>
           </a:p>
         </p:txBody>
       </p:sp>
@@ -6681,14 +8080,7 @@
                 <a:latin typeface="Arial" panose="020B0604020202020204" pitchFamily="34" charset="0"/>
                 <a:cs typeface="Arial" panose="020B0604020202020204" pitchFamily="34" charset="0"/>
               </a:rPr>
-              <a:t>Realtà Virtuale – Politecnico di </a:t>
-            </a:r>
-            <a:r>
-              <a:rPr lang="it-IT" sz="2400" b="1" dirty="0" smtClean="0">
-                <a:latin typeface="Arial" panose="020B0604020202020204" pitchFamily="34" charset="0"/>
-                <a:cs typeface="Arial" panose="020B0604020202020204" pitchFamily="34" charset="0"/>
-              </a:rPr>
-              <a:t>Torino</a:t>
+              <a:t>Realtà Virtuale – Politecnico di Torino</a:t>
             </a:r>
             <a:endParaRPr lang="it-IT" sz="2400" b="1" dirty="0"/>
           </a:p>
@@ -6737,7 +8129,7 @@
         <p:spPr>
           <a:xfrm>
             <a:off x="457200" y="476672"/>
-            <a:ext cx="7859216" cy="648072"/>
+            <a:ext cx="7571184" cy="648072"/>
           </a:xfrm>
         </p:spPr>
         <p:txBody>
@@ -6746,14 +8138,14 @@
           <a:p>
             <a:pPr algn="ctr"/>
             <a:r>
-              <a:rPr lang="it-IT" dirty="0" smtClean="0">
+              <a:rPr lang="it-IT" dirty="0">
                 <a:solidFill>
                   <a:srgbClr val="A80408"/>
                 </a:solidFill>
                 <a:latin typeface="Arial" panose="020B0604020202020204" pitchFamily="34" charset="0"/>
                 <a:cs typeface="Arial" panose="020B0604020202020204" pitchFamily="34" charset="0"/>
               </a:rPr>
-              <a:t>CONFRONTO CON OPENGL (II)</a:t>
+              <a:t>2. MULTITHREADING (II)</a:t>
             </a:r>
             <a:endParaRPr lang="it-IT" dirty="0"/>
           </a:p>
@@ -6802,7 +8194,7 @@
       </p:pic>
       <p:pic>
         <p:nvPicPr>
-          <p:cNvPr id="4098" name="Picture 2" descr="C:\Users\s201003\Desktop\untitled-42.png"/>
+          <p:cNvPr id="9218" name="Picture 2" descr="C:\Users\s201003\Desktop\mschott_vulkan_multi_threading-11.jpg"/>
           <p:cNvPicPr>
             <a:picLocks noChangeAspect="1" noChangeArrowheads="1"/>
           </p:cNvPicPr>
@@ -6823,8 +8215,8 @@
         </p:blipFill>
         <p:spPr bwMode="auto">
           <a:xfrm>
-            <a:off x="1256035" y="1772816"/>
-            <a:ext cx="6515100" cy="3467100"/>
+            <a:off x="539552" y="1772816"/>
+            <a:ext cx="7353301" cy="4136232"/>
           </a:xfrm>
           <a:prstGeom prst="rect">
             <a:avLst/>
@@ -6841,196 +8233,51 @@
           </a:extLst>
         </p:spPr>
       </p:pic>
-      <p:sp>
-        <p:nvSpPr>
-          <p:cNvPr id="3" name="TextBox 2"/>
-          <p:cNvSpPr txBox="1"/>
+      <p:pic>
+        <p:nvPicPr>
+          <p:cNvPr id="9219" name="Picture 3" descr="C:\Users\s201003\Desktop\7065.vulkan+logo.png"/>
+          <p:cNvPicPr>
+            <a:picLocks noChangeAspect="1" noChangeArrowheads="1"/>
+          </p:cNvPicPr>
           <p:nvPr/>
-        </p:nvSpPr>
-        <p:spPr>
-          <a:xfrm>
-            <a:off x="1220788" y="1973538"/>
-            <a:ext cx="505855" cy="307777"/>
+        </p:nvPicPr>
+        <p:blipFill>
+          <a:blip r:embed="rId5">
+            <a:extLst>
+              <a:ext uri="{28A0092B-C50C-407E-A947-70E740481C1C}">
+                <a14:useLocalDpi xmlns:a14="http://schemas.microsoft.com/office/drawing/2010/main" val="0"/>
+              </a:ext>
+            </a:extLst>
+          </a:blip>
+          <a:srcRect/>
+          <a:stretch>
+            <a:fillRect/>
+          </a:stretch>
+        </p:blipFill>
+        <p:spPr bwMode="auto">
+          <a:xfrm>
+            <a:off x="5769157" y="1179091"/>
+            <a:ext cx="2773433" cy="737741"/>
           </a:xfrm>
           <a:prstGeom prst="rect">
             <a:avLst/>
           </a:prstGeom>
           <a:noFill/>
-        </p:spPr>
-        <p:txBody>
-          <a:bodyPr wrap="square" rtlCol="0">
-            <a:spAutoFit/>
-          </a:bodyPr>
-          <a:lstStyle/>
-          <a:p>
-            <a:r>
-              <a:rPr lang="it-IT" sz="1400" dirty="0" smtClean="0"/>
-              <a:t>fps</a:t>
-            </a:r>
-            <a:endParaRPr lang="it-IT" sz="1400" dirty="0"/>
-          </a:p>
-        </p:txBody>
-      </p:sp>
-      <p:sp>
-        <p:nvSpPr>
-          <p:cNvPr id="4" name="Oval 3"/>
-          <p:cNvSpPr/>
-          <p:nvPr/>
-        </p:nvSpPr>
-        <p:spPr>
-          <a:xfrm>
-            <a:off x="2604259" y="2420888"/>
-            <a:ext cx="936104" cy="634574"/>
-          </a:xfrm>
-          <a:prstGeom prst="ellipse">
-            <a:avLst/>
-          </a:prstGeom>
-          <a:noFill/>
-          <a:ln w="38100"/>
-        </p:spPr>
-        <p:style>
-          <a:lnRef idx="2">
-            <a:schemeClr val="accent1">
-              <a:shade val="50000"/>
-            </a:schemeClr>
-          </a:lnRef>
-          <a:fillRef idx="1">
-            <a:schemeClr val="accent1"/>
-          </a:fillRef>
-          <a:effectRef idx="0">
-            <a:schemeClr val="accent1"/>
-          </a:effectRef>
-          <a:fontRef idx="minor">
-            <a:schemeClr val="lt1"/>
-          </a:fontRef>
-        </p:style>
-        <p:txBody>
-          <a:bodyPr rtlCol="0" anchor="ctr"/>
-          <a:lstStyle/>
-          <a:p>
-            <a:pPr algn="ctr"/>
-            <a:endParaRPr lang="it-IT"/>
-          </a:p>
-        </p:txBody>
-      </p:sp>
-      <p:sp>
-        <p:nvSpPr>
-          <p:cNvPr id="8" name="Oval 7"/>
-          <p:cNvSpPr/>
-          <p:nvPr/>
-        </p:nvSpPr>
-        <p:spPr>
-          <a:xfrm>
-            <a:off x="4604381" y="3055462"/>
-            <a:ext cx="936104" cy="634574"/>
-          </a:xfrm>
-          <a:prstGeom prst="ellipse">
-            <a:avLst/>
-          </a:prstGeom>
-          <a:noFill/>
-          <a:ln w="38100"/>
-        </p:spPr>
-        <p:style>
-          <a:lnRef idx="2">
-            <a:schemeClr val="accent1">
-              <a:shade val="50000"/>
-            </a:schemeClr>
-          </a:lnRef>
-          <a:fillRef idx="1">
-            <a:schemeClr val="accent1"/>
-          </a:fillRef>
-          <a:effectRef idx="0">
-            <a:schemeClr val="accent1"/>
-          </a:effectRef>
-          <a:fontRef idx="minor">
-            <a:schemeClr val="lt1"/>
-          </a:fontRef>
-        </p:style>
-        <p:txBody>
-          <a:bodyPr rtlCol="0" anchor="ctr"/>
-          <a:lstStyle/>
-          <a:p>
-            <a:pPr algn="ctr"/>
-            <a:endParaRPr lang="it-IT"/>
-          </a:p>
-        </p:txBody>
-      </p:sp>
-      <p:sp>
-        <p:nvSpPr>
-          <p:cNvPr id="9" name="Oval 8"/>
-          <p:cNvSpPr/>
-          <p:nvPr/>
-        </p:nvSpPr>
-        <p:spPr>
-          <a:xfrm>
-            <a:off x="6588224" y="3640379"/>
-            <a:ext cx="936104" cy="634574"/>
-          </a:xfrm>
-          <a:prstGeom prst="ellipse">
-            <a:avLst/>
-          </a:prstGeom>
-          <a:noFill/>
-          <a:ln w="38100"/>
-        </p:spPr>
-        <p:style>
-          <a:lnRef idx="2">
-            <a:schemeClr val="accent1">
-              <a:shade val="50000"/>
-            </a:schemeClr>
-          </a:lnRef>
-          <a:fillRef idx="1">
-            <a:schemeClr val="accent1"/>
-          </a:fillRef>
-          <a:effectRef idx="0">
-            <a:schemeClr val="accent1"/>
-          </a:effectRef>
-          <a:fontRef idx="minor">
-            <a:schemeClr val="lt1"/>
-          </a:fontRef>
-        </p:style>
-        <p:txBody>
-          <a:bodyPr rtlCol="0" anchor="ctr"/>
-          <a:lstStyle/>
-          <a:p>
-            <a:pPr algn="ctr"/>
-            <a:endParaRPr lang="it-IT"/>
-          </a:p>
-        </p:txBody>
-      </p:sp>
-      <p:sp>
-        <p:nvSpPr>
-          <p:cNvPr id="5" name="TextBox 4"/>
-          <p:cNvSpPr txBox="1"/>
-          <p:nvPr/>
-        </p:nvSpPr>
-        <p:spPr>
-          <a:xfrm>
-            <a:off x="1327046" y="5679791"/>
-            <a:ext cx="6554669" cy="307777"/>
-          </a:xfrm>
-          <a:prstGeom prst="rect">
-            <a:avLst/>
-          </a:prstGeom>
-          <a:noFill/>
-        </p:spPr>
-        <p:txBody>
-          <a:bodyPr wrap="square" rtlCol="0">
-            <a:spAutoFit/>
-          </a:bodyPr>
-          <a:lstStyle/>
-          <a:p>
-            <a:pPr algn="ctr"/>
-            <a:r>
-              <a:rPr lang="it-IT" sz="1400" dirty="0"/>
-              <a:t>https://www.youtube.com/watch?v=lTdMaccYAlI</a:t>
-            </a:r>
-          </a:p>
-        </p:txBody>
-      </p:sp>
+          <a:extLst>
+            <a:ext uri="{909E8E84-426E-40DD-AFC4-6F175D3DCCD1}">
+              <a14:hiddenFill xmlns:a14="http://schemas.microsoft.com/office/drawing/2010/main">
+                <a:solidFill>
+                  <a:srgbClr val="FFFFFF"/>
+                </a:solidFill>
+              </a14:hiddenFill>
+            </a:ext>
+          </a:extLst>
+        </p:spPr>
+      </p:pic>
     </p:spTree>
     <p:extLst>
       <p:ext uri="{BB962C8B-B14F-4D97-AF65-F5344CB8AC3E}">
-        <p14:creationId xmlns:p14="http://schemas.microsoft.com/office/powerpoint/2010/main" val="517180891"/>
+        <p14:creationId xmlns:p14="http://schemas.microsoft.com/office/powerpoint/2010/main" val="1318229289"/>
       </p:ext>
     </p:extLst>
   </p:cSld>
@@ -7079,14 +8326,14 @@
           <a:p>
             <a:pPr algn="ctr"/>
             <a:r>
-              <a:rPr lang="it-IT" dirty="0" smtClean="0">
+              <a:rPr lang="it-IT" dirty="0">
                 <a:solidFill>
                   <a:srgbClr val="A80408"/>
                 </a:solidFill>
                 <a:latin typeface="Arial" panose="020B0604020202020204" pitchFamily="34" charset="0"/>
                 <a:cs typeface="Arial" panose="020B0604020202020204" pitchFamily="34" charset="0"/>
               </a:rPr>
-              <a:t>CONFRONTO CON OPENGL (II)</a:t>
+              <a:t>3. CONTROLLO DIRETTO DELLA GPU</a:t>
             </a:r>
             <a:endParaRPr lang="it-IT" dirty="0"/>
           </a:p>
@@ -7135,7 +8382,7 @@
       </p:pic>
       <p:pic>
         <p:nvPicPr>
-          <p:cNvPr id="5122" name="Picture 2" descr="C:\Users\s201003\Desktop\2.PNG"/>
+          <p:cNvPr id="10242" name="Picture 2" descr="C:\Users\s201003\Desktop\Material pp\vulkan_webpage.png"/>
           <p:cNvPicPr>
             <a:picLocks noChangeAspect="1" noChangeArrowheads="1"/>
           </p:cNvPicPr>
@@ -7156,8 +8403,8 @@
         </p:blipFill>
         <p:spPr bwMode="auto">
           <a:xfrm>
-            <a:off x="1763688" y="1334031"/>
-            <a:ext cx="4968552" cy="4547723"/>
+            <a:off x="1115616" y="2083122"/>
+            <a:ext cx="6119073" cy="3551931"/>
           </a:xfrm>
           <a:prstGeom prst="rect">
             <a:avLst/>
@@ -7176,55 +8423,14 @@
       </p:pic>
       <p:sp>
         <p:nvSpPr>
-          <p:cNvPr id="5" name="Isosceles Triangle 4"/>
-          <p:cNvSpPr/>
-          <p:nvPr/>
-        </p:nvSpPr>
-        <p:spPr>
-          <a:xfrm rot="5400000">
-            <a:off x="1409640" y="2610808"/>
-            <a:ext cx="504056" cy="504056"/>
-          </a:xfrm>
-          <a:prstGeom prst="triangle">
-            <a:avLst/>
-          </a:prstGeom>
-          <a:noFill/>
-        </p:spPr>
-        <p:style>
-          <a:lnRef idx="2">
-            <a:schemeClr val="accent1">
-              <a:shade val="50000"/>
-            </a:schemeClr>
-          </a:lnRef>
-          <a:fillRef idx="1">
-            <a:schemeClr val="accent1"/>
-          </a:fillRef>
-          <a:effectRef idx="0">
-            <a:schemeClr val="accent1"/>
-          </a:effectRef>
-          <a:fontRef idx="minor">
-            <a:schemeClr val="lt1"/>
-          </a:fontRef>
-        </p:style>
-        <p:txBody>
-          <a:bodyPr rtlCol="0" anchor="ctr"/>
-          <a:lstStyle/>
-          <a:p>
-            <a:pPr algn="ctr"/>
-            <a:endParaRPr lang="it-IT"/>
-          </a:p>
-        </p:txBody>
-      </p:sp>
-      <p:sp>
-        <p:nvSpPr>
-          <p:cNvPr id="6" name="TextBox 5"/>
+          <p:cNvPr id="4" name="TextBox 3"/>
           <p:cNvSpPr txBox="1"/>
           <p:nvPr/>
         </p:nvSpPr>
         <p:spPr>
           <a:xfrm>
-            <a:off x="401528" y="2539670"/>
-            <a:ext cx="1008112" cy="646331"/>
+            <a:off x="848018" y="1268760"/>
+            <a:ext cx="7684421" cy="646331"/>
           </a:xfrm>
           <a:prstGeom prst="rect">
             <a:avLst/>
@@ -7237,201 +8443,21 @@
           </a:bodyPr>
           <a:lstStyle/>
           <a:p>
-            <a:pPr algn="r"/>
-            <a:r>
-              <a:rPr lang="it-IT" sz="1200" b="1" dirty="0" smtClean="0"/>
-              <a:t>32%</a:t>
-            </a:r>
-            <a:r>
-              <a:rPr lang="it-IT" sz="1200" dirty="0" smtClean="0"/>
-              <a:t> cpu peak workload </a:t>
-            </a:r>
-            <a:endParaRPr lang="it-IT" sz="1200" dirty="0"/>
-          </a:p>
-        </p:txBody>
-      </p:sp>
-      <p:sp>
-        <p:nvSpPr>
-          <p:cNvPr id="12" name="TextBox 11"/>
-          <p:cNvSpPr txBox="1"/>
-          <p:nvPr/>
-        </p:nvSpPr>
-        <p:spPr>
-          <a:xfrm>
-            <a:off x="431540" y="4149950"/>
-            <a:ext cx="1008112" cy="646331"/>
-          </a:xfrm>
-          <a:prstGeom prst="rect">
-            <a:avLst/>
-          </a:prstGeom>
-          <a:noFill/>
-        </p:spPr>
-        <p:txBody>
-          <a:bodyPr wrap="square" rtlCol="0">
-            <a:spAutoFit/>
-          </a:bodyPr>
-          <a:lstStyle/>
-          <a:p>
-            <a:pPr algn="r"/>
-            <a:r>
-              <a:rPr lang="it-IT" sz="1200" b="1" dirty="0" smtClean="0"/>
-              <a:t>47%</a:t>
-            </a:r>
-            <a:r>
-              <a:rPr lang="it-IT" sz="1200" dirty="0" smtClean="0"/>
-              <a:t> cpu peak workload </a:t>
-            </a:r>
-            <a:endParaRPr lang="it-IT" sz="1200" dirty="0"/>
-          </a:p>
-        </p:txBody>
-      </p:sp>
-      <p:sp>
-        <p:nvSpPr>
-          <p:cNvPr id="13" name="Isosceles Triangle 12"/>
-          <p:cNvSpPr/>
-          <p:nvPr/>
-        </p:nvSpPr>
-        <p:spPr>
-          <a:xfrm rot="5400000">
-            <a:off x="1439652" y="4221088"/>
-            <a:ext cx="504056" cy="504056"/>
-          </a:xfrm>
-          <a:prstGeom prst="triangle">
-            <a:avLst/>
-          </a:prstGeom>
-          <a:noFill/>
-        </p:spPr>
-        <p:style>
-          <a:lnRef idx="2">
-            <a:schemeClr val="accent1">
-              <a:shade val="50000"/>
-            </a:schemeClr>
-          </a:lnRef>
-          <a:fillRef idx="1">
-            <a:schemeClr val="accent1"/>
-          </a:fillRef>
-          <a:effectRef idx="0">
-            <a:schemeClr val="accent1"/>
-          </a:effectRef>
-          <a:fontRef idx="minor">
-            <a:schemeClr val="lt1"/>
-          </a:fontRef>
-        </p:style>
-        <p:txBody>
-          <a:bodyPr rtlCol="0" anchor="ctr"/>
-          <a:lstStyle/>
-          <a:p>
-            <a:pPr algn="ctr"/>
-            <a:endParaRPr lang="it-IT"/>
-          </a:p>
-        </p:txBody>
-      </p:sp>
-      <p:cxnSp>
-        <p:nvCxnSpPr>
-          <p:cNvPr id="10" name="Straight Arrow Connector 9"/>
-          <p:cNvCxnSpPr/>
-          <p:nvPr/>
-        </p:nvCxnSpPr>
-        <p:spPr>
-          <a:xfrm flipH="1">
-            <a:off x="5664039" y="2148710"/>
-            <a:ext cx="1479772" cy="627922"/>
-          </a:xfrm>
-          <a:prstGeom prst="straightConnector1">
-            <a:avLst/>
-          </a:prstGeom>
-          <a:ln w="38100">
-            <a:tailEnd type="arrow"/>
-          </a:ln>
-        </p:spPr>
-        <p:style>
-          <a:lnRef idx="1">
-            <a:schemeClr val="accent1"/>
-          </a:lnRef>
-          <a:fillRef idx="0">
-            <a:schemeClr val="accent1"/>
-          </a:fillRef>
-          <a:effectRef idx="0">
-            <a:schemeClr val="accent1"/>
-          </a:effectRef>
-          <a:fontRef idx="minor">
-            <a:schemeClr val="tx1"/>
-          </a:fontRef>
-        </p:style>
-      </p:cxnSp>
-      <p:sp>
-        <p:nvSpPr>
-          <p:cNvPr id="17" name="TextBox 16"/>
-          <p:cNvSpPr txBox="1"/>
-          <p:nvPr/>
-        </p:nvSpPr>
-        <p:spPr>
-          <a:xfrm>
-            <a:off x="7130657" y="1628800"/>
-            <a:ext cx="1440160" cy="1200329"/>
-          </a:xfrm>
-          <a:prstGeom prst="rect">
-            <a:avLst/>
-          </a:prstGeom>
-          <a:noFill/>
-        </p:spPr>
-        <p:txBody>
-          <a:bodyPr wrap="square" rtlCol="0">
-            <a:spAutoFit/>
-          </a:bodyPr>
-          <a:lstStyle/>
-          <a:p>
-            <a:r>
-              <a:rPr lang="it-IT" sz="1200" dirty="0" smtClean="0"/>
-              <a:t>Andamento più lineare, meno picchi &gt;</a:t>
-            </a:r>
-            <a:r>
-              <a:rPr lang="it-IT" sz="1200" b="1" dirty="0" smtClean="0"/>
-              <a:t> carico di lavoro più distribuito tra i core</a:t>
-            </a:r>
-            <a:endParaRPr lang="it-IT" sz="1200" dirty="0"/>
-          </a:p>
-        </p:txBody>
-      </p:sp>
-      <p:sp>
-        <p:nvSpPr>
-          <p:cNvPr id="14" name="TextBox 13"/>
-          <p:cNvSpPr txBox="1"/>
-          <p:nvPr/>
-        </p:nvSpPr>
-        <p:spPr>
-          <a:xfrm>
-            <a:off x="935596" y="5910254"/>
-            <a:ext cx="6912768" cy="307777"/>
-          </a:xfrm>
-          <a:prstGeom prst="rect">
-            <a:avLst/>
-          </a:prstGeom>
-          <a:noFill/>
-        </p:spPr>
-        <p:txBody>
-          <a:bodyPr wrap="square" rtlCol="0">
-            <a:spAutoFit/>
-          </a:bodyPr>
-          <a:lstStyle/>
-          <a:p>
-            <a:pPr algn="ctr"/>
-            <a:r>
-              <a:rPr lang="it-IT" sz="1400" dirty="0"/>
-              <a:t>https://</a:t>
-            </a:r>
-            <a:r>
-              <a:rPr lang="it-IT" sz="1400" dirty="0" smtClean="0"/>
-              <a:t>www.imgtec.com/blog/vulkan-3d-satnav-app-powervr</a:t>
-            </a:r>
-            <a:endParaRPr lang="it-IT" dirty="0"/>
+            <a:pPr algn="just"/>
+            <a:r>
+              <a:rPr lang="it-IT" dirty="0">
+                <a:latin typeface="Arial" panose="020B0604020202020204" pitchFamily="34" charset="0"/>
+                <a:cs typeface="Arial" panose="020B0604020202020204" pitchFamily="34" charset="0"/>
+              </a:rPr>
+              <a:t>Il controllo e la gestione della GPU sono spostate dai driver alle applicazioni. Questo permette l’utilizzo di MultiGPU a livello applicazione.</a:t>
+            </a:r>
           </a:p>
         </p:txBody>
       </p:sp>
     </p:spTree>
     <p:extLst>
       <p:ext uri="{BB962C8B-B14F-4D97-AF65-F5344CB8AC3E}">
-        <p14:creationId xmlns:p14="http://schemas.microsoft.com/office/powerpoint/2010/main" val="2865930366"/>
+        <p14:creationId xmlns:p14="http://schemas.microsoft.com/office/powerpoint/2010/main" val="2611860304"/>
       </p:ext>
     </p:extLst>
   </p:cSld>
@@ -7480,34 +8506,14 @@
           <a:p>
             <a:pPr algn="ctr"/>
             <a:r>
-              <a:rPr lang="it-IT" dirty="0" smtClean="0">
+              <a:rPr lang="it-IT" dirty="0">
                 <a:solidFill>
                   <a:srgbClr val="A80408"/>
                 </a:solidFill>
                 <a:latin typeface="Arial" panose="020B0604020202020204" pitchFamily="34" charset="0"/>
                 <a:cs typeface="Arial" panose="020B0604020202020204" pitchFamily="34" charset="0"/>
               </a:rPr>
-              <a:t>VULKAN</a:t>
-            </a:r>
-            <a:r>
-              <a:rPr lang="it-IT" dirty="0">
-                <a:solidFill>
-                  <a:srgbClr val="A80408"/>
-                </a:solidFill>
-                <a:latin typeface="Arial" panose="020B0604020202020204" pitchFamily="34" charset="0"/>
-                <a:cs typeface="Arial" panose="020B0604020202020204" pitchFamily="34" charset="0"/>
-              </a:rPr>
-              <a:t> </a:t>
-            </a:r>
-            <a:r>
-              <a:rPr lang="it-IT" dirty="0" smtClean="0">
-                <a:solidFill>
-                  <a:srgbClr val="A80408"/>
-                </a:solidFill>
-                <a:latin typeface="Arial" panose="020B0604020202020204" pitchFamily="34" charset="0"/>
-                <a:cs typeface="Arial" panose="020B0604020202020204" pitchFamily="34" charset="0"/>
-              </a:rPr>
-              <a:t>E VR</a:t>
+              <a:t>PERCHÉ SCEGLIERE VULKAN?</a:t>
             </a:r>
             <a:endParaRPr lang="it-IT" dirty="0"/>
           </a:p>
@@ -7556,27 +8562,27 @@
       </p:pic>
       <p:pic>
         <p:nvPicPr>
-          <p:cNvPr id="6146" name="Picture 2" descr="C:\Users\s201003\Desktop\vive.png"/>
+          <p:cNvPr id="11266" name="Picture 2" descr="C:\Users\s201003\Desktop\Material pp\Capt1212.PNG"/>
           <p:cNvPicPr>
             <a:picLocks noChangeAspect="1" noChangeArrowheads="1"/>
           </p:cNvPicPr>
           <p:nvPr/>
         </p:nvPicPr>
         <p:blipFill rotWithShape="1">
-          <a:blip r:embed="rId4" cstate="print">
+          <a:blip r:embed="rId4">
             <a:extLst>
               <a:ext uri="{28A0092B-C50C-407E-A947-70E740481C1C}">
                 <a14:useLocalDpi xmlns:a14="http://schemas.microsoft.com/office/drawing/2010/main" val="0"/>
               </a:ext>
             </a:extLst>
           </a:blip>
-          <a:srcRect l="19145" r="18639"/>
+          <a:srcRect t="-1" b="635"/>
           <a:stretch/>
         </p:blipFill>
         <p:spPr bwMode="auto">
           <a:xfrm>
-            <a:off x="6012160" y="476672"/>
-            <a:ext cx="2376264" cy="2291621"/>
+            <a:off x="624894" y="2192288"/>
+            <a:ext cx="7777382" cy="2664296"/>
           </a:xfrm>
           <a:prstGeom prst="rect">
             <a:avLst/>
@@ -7593,135 +8599,10 @@
           </a:extLst>
         </p:spPr>
       </p:pic>
-      <p:pic>
-        <p:nvPicPr>
-          <p:cNvPr id="6147" name="Picture 3" descr="C:\Users\s201003\Desktop\Oculus-Rift-profile_grande.png"/>
-          <p:cNvPicPr>
-            <a:picLocks noChangeAspect="1" noChangeArrowheads="1"/>
-          </p:cNvPicPr>
-          <p:nvPr/>
-        </p:nvPicPr>
-        <p:blipFill rotWithShape="1">
-          <a:blip r:embed="rId5">
-            <a:extLst>
-              <a:ext uri="{28A0092B-C50C-407E-A947-70E740481C1C}">
-                <a14:useLocalDpi xmlns:a14="http://schemas.microsoft.com/office/drawing/2010/main" val="0"/>
-              </a:ext>
-            </a:extLst>
-          </a:blip>
-          <a:srcRect l="9212" t="21933" r="10322" b="22487"/>
-          <a:stretch/>
-        </p:blipFill>
-        <p:spPr bwMode="auto">
-          <a:xfrm>
-            <a:off x="323528" y="764704"/>
-            <a:ext cx="2718571" cy="1877776"/>
-          </a:xfrm>
-          <a:prstGeom prst="rect">
-            <a:avLst/>
-          </a:prstGeom>
-          <a:noFill/>
-          <a:extLst>
-            <a:ext uri="{909E8E84-426E-40DD-AFC4-6F175D3DCCD1}">
-              <a14:hiddenFill xmlns:a14="http://schemas.microsoft.com/office/drawing/2010/main">
-                <a:solidFill>
-                  <a:srgbClr val="FFFFFF"/>
-                </a:solidFill>
-              </a14:hiddenFill>
-            </a:ext>
-          </a:extLst>
-        </p:spPr>
-      </p:pic>
-      <p:sp>
-        <p:nvSpPr>
-          <p:cNvPr id="4" name="TextBox 3"/>
-          <p:cNvSpPr txBox="1"/>
-          <p:nvPr/>
-        </p:nvSpPr>
-        <p:spPr>
-          <a:xfrm>
-            <a:off x="1259632" y="3212976"/>
-            <a:ext cx="6264696" cy="2554545"/>
-          </a:xfrm>
-          <a:prstGeom prst="rect">
-            <a:avLst/>
-          </a:prstGeom>
-          <a:noFill/>
-        </p:spPr>
-        <p:txBody>
-          <a:bodyPr wrap="square" rtlCol="0">
-            <a:spAutoFit/>
-          </a:bodyPr>
-          <a:lstStyle/>
-          <a:p>
-            <a:pPr algn="ctr"/>
-            <a:r>
-              <a:rPr lang="en-US" i="1" dirty="0" smtClean="0"/>
-              <a:t>“The </a:t>
-            </a:r>
-            <a:r>
-              <a:rPr lang="en-US" i="1" dirty="0"/>
-              <a:t>advantage that </a:t>
-            </a:r>
-            <a:r>
-              <a:rPr lang="en-US" i="1" dirty="0" err="1"/>
-              <a:t>Vulkan</a:t>
-            </a:r>
-            <a:r>
-              <a:rPr lang="en-US" i="1" dirty="0"/>
-              <a:t> will deliver in the end for the software developers creating VR experiences is that they will typically be able to create experiences that are faster and typically have lower latency. </a:t>
-            </a:r>
-            <a:r>
-              <a:rPr lang="en-US" i="1" dirty="0" err="1"/>
-              <a:t>Vulkan</a:t>
-            </a:r>
-            <a:r>
-              <a:rPr lang="en-US" i="1" dirty="0"/>
-              <a:t> is lower latency because the driver is much thinner and there are fewer steps to go through which leads to much less </a:t>
-            </a:r>
-            <a:r>
-              <a:rPr lang="en-US" i="1" dirty="0" err="1"/>
-              <a:t>glitching</a:t>
-            </a:r>
-            <a:r>
-              <a:rPr lang="en-US" i="1" dirty="0" smtClean="0"/>
-              <a:t>.”</a:t>
-            </a:r>
-          </a:p>
-          <a:p>
-            <a:pPr algn="ctr"/>
-            <a:endParaRPr lang="en-US" i="1" dirty="0" smtClean="0"/>
-          </a:p>
-          <a:p>
-            <a:pPr algn="ctr"/>
-            <a:r>
-              <a:rPr lang="en-US" sz="1600" i="1" dirty="0" smtClean="0"/>
-              <a:t>(</a:t>
-            </a:r>
-            <a:r>
-              <a:rPr lang="it-IT" sz="1600" dirty="0"/>
-              <a:t>Neil </a:t>
-            </a:r>
-            <a:r>
-              <a:rPr lang="it-IT" sz="1600" dirty="0" smtClean="0"/>
-              <a:t>Trevett, </a:t>
-            </a:r>
-            <a:r>
-              <a:rPr lang="it-IT" sz="1600" dirty="0"/>
-              <a:t>Vice President at NVIDIA</a:t>
-            </a:r>
-            <a:r>
-              <a:rPr lang="en-US" sz="1600" i="1" dirty="0" smtClean="0"/>
-              <a:t>)</a:t>
-            </a:r>
-            <a:endParaRPr lang="it-IT" sz="1600" i="1" dirty="0"/>
-          </a:p>
-        </p:txBody>
-      </p:sp>
     </p:spTree>
     <p:extLst>
       <p:ext uri="{BB962C8B-B14F-4D97-AF65-F5344CB8AC3E}">
-        <p14:creationId xmlns:p14="http://schemas.microsoft.com/office/powerpoint/2010/main" val="1815069983"/>
+        <p14:creationId xmlns:p14="http://schemas.microsoft.com/office/powerpoint/2010/main" val="788836462"/>
       </p:ext>
     </p:extLst>
   </p:cSld>
@@ -7770,14 +8651,14 @@
           <a:p>
             <a:pPr algn="ctr"/>
             <a:r>
-              <a:rPr lang="it-IT" dirty="0" smtClean="0">
+              <a:rPr lang="it-IT" dirty="0">
                 <a:solidFill>
                   <a:srgbClr val="A80408"/>
                 </a:solidFill>
                 <a:latin typeface="Arial" panose="020B0604020202020204" pitchFamily="34" charset="0"/>
                 <a:cs typeface="Arial" panose="020B0604020202020204" pitchFamily="34" charset="0"/>
               </a:rPr>
-              <a:t>AVETE DOMANDE?</a:t>
+              <a:t>CONFRONTO CON OPENGL (I)</a:t>
             </a:r>
             <a:endParaRPr lang="it-IT" dirty="0"/>
           </a:p>
@@ -7824,6 +8705,1138 @@
           </a:extLst>
         </p:spPr>
       </p:pic>
+      <p:pic>
+        <p:nvPicPr>
+          <p:cNvPr id="3074" name="Picture 2" descr="C:\Users\s201003\Desktop\vulkan_gltransition_benefits1.png"/>
+          <p:cNvPicPr>
+            <a:picLocks noChangeAspect="1" noChangeArrowheads="1"/>
+          </p:cNvPicPr>
+          <p:nvPr/>
+        </p:nvPicPr>
+        <p:blipFill>
+          <a:blip r:embed="rId4">
+            <a:extLst>
+              <a:ext uri="{28A0092B-C50C-407E-A947-70E740481C1C}">
+                <a14:useLocalDpi xmlns:a14="http://schemas.microsoft.com/office/drawing/2010/main" val="0"/>
+              </a:ext>
+            </a:extLst>
+          </a:blip>
+          <a:srcRect/>
+          <a:stretch>
+            <a:fillRect/>
+          </a:stretch>
+        </p:blipFill>
+        <p:spPr bwMode="auto">
+          <a:xfrm>
+            <a:off x="1321916" y="1858884"/>
+            <a:ext cx="6383337" cy="3276600"/>
+          </a:xfrm>
+          <a:prstGeom prst="rect">
+            <a:avLst/>
+          </a:prstGeom>
+          <a:noFill/>
+          <a:extLst>
+            <a:ext uri="{909E8E84-426E-40DD-AFC4-6F175D3DCCD1}">
+              <a14:hiddenFill xmlns:a14="http://schemas.microsoft.com/office/drawing/2010/main">
+                <a:solidFill>
+                  <a:srgbClr val="FFFFFF"/>
+                </a:solidFill>
+              </a14:hiddenFill>
+            </a:ext>
+          </a:extLst>
+        </p:spPr>
+      </p:pic>
+    </p:spTree>
+    <p:extLst>
+      <p:ext uri="{BB962C8B-B14F-4D97-AF65-F5344CB8AC3E}">
+        <p14:creationId xmlns:p14="http://schemas.microsoft.com/office/powerpoint/2010/main" val="3866989470"/>
+      </p:ext>
+    </p:extLst>
+  </p:cSld>
+  <p:clrMapOvr>
+    <a:masterClrMapping/>
+  </p:clrMapOvr>
+</p:sld>
+</file>
+
+<file path=ppt/slides/slide14.xml><?xml version="1.0" encoding="utf-8"?>
+<p:sld xmlns:a="http://schemas.openxmlformats.org/drawingml/2006/main" xmlns:r="http://schemas.openxmlformats.org/officeDocument/2006/relationships" xmlns:p="http://schemas.openxmlformats.org/presentationml/2006/main">
+  <p:cSld>
+    <p:spTree>
+      <p:nvGrpSpPr>
+        <p:cNvPr id="1" name=""/>
+        <p:cNvGrpSpPr/>
+        <p:nvPr/>
+      </p:nvGrpSpPr>
+      <p:grpSpPr>
+        <a:xfrm>
+          <a:off x="0" y="0"/>
+          <a:ext cx="0" cy="0"/>
+          <a:chOff x="0" y="0"/>
+          <a:chExt cx="0" cy="0"/>
+        </a:xfrm>
+      </p:grpSpPr>
+      <p:sp>
+        <p:nvSpPr>
+          <p:cNvPr id="2" name="Title 1"/>
+          <p:cNvSpPr>
+            <a:spLocks noGrp="1"/>
+          </p:cNvSpPr>
+          <p:nvPr>
+            <p:ph type="title"/>
+          </p:nvPr>
+        </p:nvSpPr>
+        <p:spPr>
+          <a:xfrm>
+            <a:off x="457200" y="476672"/>
+            <a:ext cx="7859216" cy="648072"/>
+          </a:xfrm>
+        </p:spPr>
+        <p:txBody>
+          <a:bodyPr/>
+          <a:lstStyle/>
+          <a:p>
+            <a:pPr algn="ctr"/>
+            <a:r>
+              <a:rPr lang="it-IT" dirty="0">
+                <a:solidFill>
+                  <a:srgbClr val="A80408"/>
+                </a:solidFill>
+                <a:latin typeface="Arial" panose="020B0604020202020204" pitchFamily="34" charset="0"/>
+                <a:cs typeface="Arial" panose="020B0604020202020204" pitchFamily="34" charset="0"/>
+              </a:rPr>
+              <a:t>CONFRONTO CON OPENGL (II)</a:t>
+            </a:r>
+            <a:endParaRPr lang="it-IT" dirty="0"/>
+          </a:p>
+        </p:txBody>
+      </p:sp>
+      <p:pic>
+        <p:nvPicPr>
+          <p:cNvPr id="2050" name="Picture 2" descr="C:\Users\s201003\Desktop\7065.vulkan+logo.png"/>
+          <p:cNvPicPr>
+            <a:picLocks noChangeAspect="1" noChangeArrowheads="1"/>
+          </p:cNvPicPr>
+          <p:nvPr/>
+        </p:nvPicPr>
+        <p:blipFill>
+          <a:blip r:embed="rId3" cstate="print">
+            <a:extLst>
+              <a:ext uri="{28A0092B-C50C-407E-A947-70E740481C1C}">
+                <a14:useLocalDpi xmlns:a14="http://schemas.microsoft.com/office/drawing/2010/main" val="0"/>
+              </a:ext>
+            </a:extLst>
+          </a:blip>
+          <a:srcRect/>
+          <a:stretch>
+            <a:fillRect/>
+          </a:stretch>
+        </p:blipFill>
+        <p:spPr bwMode="auto">
+          <a:xfrm>
+            <a:off x="3779912" y="6305189"/>
+            <a:ext cx="1467346" cy="390318"/>
+          </a:xfrm>
+          <a:prstGeom prst="rect">
+            <a:avLst/>
+          </a:prstGeom>
+          <a:noFill/>
+          <a:extLst>
+            <a:ext uri="{909E8E84-426E-40DD-AFC4-6F175D3DCCD1}">
+              <a14:hiddenFill xmlns:a14="http://schemas.microsoft.com/office/drawing/2010/main">
+                <a:solidFill>
+                  <a:srgbClr val="FFFFFF"/>
+                </a:solidFill>
+              </a14:hiddenFill>
+            </a:ext>
+          </a:extLst>
+        </p:spPr>
+      </p:pic>
+      <p:pic>
+        <p:nvPicPr>
+          <p:cNvPr id="4098" name="Picture 2" descr="C:\Users\s201003\Desktop\untitled-42.png"/>
+          <p:cNvPicPr>
+            <a:picLocks noChangeAspect="1" noChangeArrowheads="1"/>
+          </p:cNvPicPr>
+          <p:nvPr/>
+        </p:nvPicPr>
+        <p:blipFill>
+          <a:blip r:embed="rId4">
+            <a:extLst>
+              <a:ext uri="{28A0092B-C50C-407E-A947-70E740481C1C}">
+                <a14:useLocalDpi xmlns:a14="http://schemas.microsoft.com/office/drawing/2010/main" val="0"/>
+              </a:ext>
+            </a:extLst>
+          </a:blip>
+          <a:srcRect/>
+          <a:stretch>
+            <a:fillRect/>
+          </a:stretch>
+        </p:blipFill>
+        <p:spPr bwMode="auto">
+          <a:xfrm>
+            <a:off x="1256035" y="1772816"/>
+            <a:ext cx="6515100" cy="3467100"/>
+          </a:xfrm>
+          <a:prstGeom prst="rect">
+            <a:avLst/>
+          </a:prstGeom>
+          <a:noFill/>
+          <a:extLst>
+            <a:ext uri="{909E8E84-426E-40DD-AFC4-6F175D3DCCD1}">
+              <a14:hiddenFill xmlns:a14="http://schemas.microsoft.com/office/drawing/2010/main">
+                <a:solidFill>
+                  <a:srgbClr val="FFFFFF"/>
+                </a:solidFill>
+              </a14:hiddenFill>
+            </a:ext>
+          </a:extLst>
+        </p:spPr>
+      </p:pic>
+      <p:sp>
+        <p:nvSpPr>
+          <p:cNvPr id="3" name="TextBox 2"/>
+          <p:cNvSpPr txBox="1"/>
+          <p:nvPr/>
+        </p:nvSpPr>
+        <p:spPr>
+          <a:xfrm>
+            <a:off x="1220788" y="1973538"/>
+            <a:ext cx="505855" cy="307777"/>
+          </a:xfrm>
+          <a:prstGeom prst="rect">
+            <a:avLst/>
+          </a:prstGeom>
+          <a:noFill/>
+        </p:spPr>
+        <p:txBody>
+          <a:bodyPr wrap="square" rtlCol="0">
+            <a:spAutoFit/>
+          </a:bodyPr>
+          <a:lstStyle/>
+          <a:p>
+            <a:r>
+              <a:rPr lang="it-IT" sz="1400" dirty="0"/>
+              <a:t>fps</a:t>
+            </a:r>
+          </a:p>
+        </p:txBody>
+      </p:sp>
+      <p:sp>
+        <p:nvSpPr>
+          <p:cNvPr id="4" name="Oval 3"/>
+          <p:cNvSpPr/>
+          <p:nvPr/>
+        </p:nvSpPr>
+        <p:spPr>
+          <a:xfrm>
+            <a:off x="2604259" y="2420888"/>
+            <a:ext cx="936104" cy="634574"/>
+          </a:xfrm>
+          <a:prstGeom prst="ellipse">
+            <a:avLst/>
+          </a:prstGeom>
+          <a:noFill/>
+          <a:ln w="38100"/>
+        </p:spPr>
+        <p:style>
+          <a:lnRef idx="2">
+            <a:schemeClr val="accent1">
+              <a:shade val="50000"/>
+            </a:schemeClr>
+          </a:lnRef>
+          <a:fillRef idx="1">
+            <a:schemeClr val="accent1"/>
+          </a:fillRef>
+          <a:effectRef idx="0">
+            <a:schemeClr val="accent1"/>
+          </a:effectRef>
+          <a:fontRef idx="minor">
+            <a:schemeClr val="lt1"/>
+          </a:fontRef>
+        </p:style>
+        <p:txBody>
+          <a:bodyPr rtlCol="0" anchor="ctr"/>
+          <a:lstStyle/>
+          <a:p>
+            <a:pPr algn="ctr"/>
+            <a:endParaRPr lang="it-IT"/>
+          </a:p>
+        </p:txBody>
+      </p:sp>
+      <p:sp>
+        <p:nvSpPr>
+          <p:cNvPr id="8" name="Oval 7"/>
+          <p:cNvSpPr/>
+          <p:nvPr/>
+        </p:nvSpPr>
+        <p:spPr>
+          <a:xfrm>
+            <a:off x="4604381" y="3055462"/>
+            <a:ext cx="936104" cy="634574"/>
+          </a:xfrm>
+          <a:prstGeom prst="ellipse">
+            <a:avLst/>
+          </a:prstGeom>
+          <a:noFill/>
+          <a:ln w="38100"/>
+        </p:spPr>
+        <p:style>
+          <a:lnRef idx="2">
+            <a:schemeClr val="accent1">
+              <a:shade val="50000"/>
+            </a:schemeClr>
+          </a:lnRef>
+          <a:fillRef idx="1">
+            <a:schemeClr val="accent1"/>
+          </a:fillRef>
+          <a:effectRef idx="0">
+            <a:schemeClr val="accent1"/>
+          </a:effectRef>
+          <a:fontRef idx="minor">
+            <a:schemeClr val="lt1"/>
+          </a:fontRef>
+        </p:style>
+        <p:txBody>
+          <a:bodyPr rtlCol="0" anchor="ctr"/>
+          <a:lstStyle/>
+          <a:p>
+            <a:pPr algn="ctr"/>
+            <a:endParaRPr lang="it-IT"/>
+          </a:p>
+        </p:txBody>
+      </p:sp>
+      <p:sp>
+        <p:nvSpPr>
+          <p:cNvPr id="9" name="Oval 8"/>
+          <p:cNvSpPr/>
+          <p:nvPr/>
+        </p:nvSpPr>
+        <p:spPr>
+          <a:xfrm>
+            <a:off x="6588224" y="3640379"/>
+            <a:ext cx="936104" cy="634574"/>
+          </a:xfrm>
+          <a:prstGeom prst="ellipse">
+            <a:avLst/>
+          </a:prstGeom>
+          <a:noFill/>
+          <a:ln w="38100"/>
+        </p:spPr>
+        <p:style>
+          <a:lnRef idx="2">
+            <a:schemeClr val="accent1">
+              <a:shade val="50000"/>
+            </a:schemeClr>
+          </a:lnRef>
+          <a:fillRef idx="1">
+            <a:schemeClr val="accent1"/>
+          </a:fillRef>
+          <a:effectRef idx="0">
+            <a:schemeClr val="accent1"/>
+          </a:effectRef>
+          <a:fontRef idx="minor">
+            <a:schemeClr val="lt1"/>
+          </a:fontRef>
+        </p:style>
+        <p:txBody>
+          <a:bodyPr rtlCol="0" anchor="ctr"/>
+          <a:lstStyle/>
+          <a:p>
+            <a:pPr algn="ctr"/>
+            <a:endParaRPr lang="it-IT"/>
+          </a:p>
+        </p:txBody>
+      </p:sp>
+      <p:sp>
+        <p:nvSpPr>
+          <p:cNvPr id="5" name="TextBox 4"/>
+          <p:cNvSpPr txBox="1"/>
+          <p:nvPr/>
+        </p:nvSpPr>
+        <p:spPr>
+          <a:xfrm>
+            <a:off x="1327046" y="5679791"/>
+            <a:ext cx="6554669" cy="307777"/>
+          </a:xfrm>
+          <a:prstGeom prst="rect">
+            <a:avLst/>
+          </a:prstGeom>
+          <a:noFill/>
+        </p:spPr>
+        <p:txBody>
+          <a:bodyPr wrap="square" rtlCol="0">
+            <a:spAutoFit/>
+          </a:bodyPr>
+          <a:lstStyle/>
+          <a:p>
+            <a:pPr algn="ctr"/>
+            <a:r>
+              <a:rPr lang="it-IT" sz="1400" dirty="0"/>
+              <a:t>https://www.youtube.com/watch?v=lTdMaccYAlI</a:t>
+            </a:r>
+          </a:p>
+        </p:txBody>
+      </p:sp>
+    </p:spTree>
+    <p:extLst>
+      <p:ext uri="{BB962C8B-B14F-4D97-AF65-F5344CB8AC3E}">
+        <p14:creationId xmlns:p14="http://schemas.microsoft.com/office/powerpoint/2010/main" val="517180891"/>
+      </p:ext>
+    </p:extLst>
+  </p:cSld>
+  <p:clrMapOvr>
+    <a:masterClrMapping/>
+  </p:clrMapOvr>
+</p:sld>
+</file>
+
+<file path=ppt/slides/slide15.xml><?xml version="1.0" encoding="utf-8"?>
+<p:sld xmlns:a="http://schemas.openxmlformats.org/drawingml/2006/main" xmlns:r="http://schemas.openxmlformats.org/officeDocument/2006/relationships" xmlns:p="http://schemas.openxmlformats.org/presentationml/2006/main">
+  <p:cSld>
+    <p:spTree>
+      <p:nvGrpSpPr>
+        <p:cNvPr id="1" name=""/>
+        <p:cNvGrpSpPr/>
+        <p:nvPr/>
+      </p:nvGrpSpPr>
+      <p:grpSpPr>
+        <a:xfrm>
+          <a:off x="0" y="0"/>
+          <a:ext cx="0" cy="0"/>
+          <a:chOff x="0" y="0"/>
+          <a:chExt cx="0" cy="0"/>
+        </a:xfrm>
+      </p:grpSpPr>
+      <p:sp>
+        <p:nvSpPr>
+          <p:cNvPr id="2" name="Title 1"/>
+          <p:cNvSpPr>
+            <a:spLocks noGrp="1"/>
+          </p:cNvSpPr>
+          <p:nvPr>
+            <p:ph type="title"/>
+          </p:nvPr>
+        </p:nvSpPr>
+        <p:spPr>
+          <a:xfrm>
+            <a:off x="457200" y="476672"/>
+            <a:ext cx="7859216" cy="648072"/>
+          </a:xfrm>
+        </p:spPr>
+        <p:txBody>
+          <a:bodyPr/>
+          <a:lstStyle/>
+          <a:p>
+            <a:pPr algn="ctr"/>
+            <a:r>
+              <a:rPr lang="it-IT" dirty="0">
+                <a:solidFill>
+                  <a:srgbClr val="A80408"/>
+                </a:solidFill>
+                <a:latin typeface="Arial" panose="020B0604020202020204" pitchFamily="34" charset="0"/>
+                <a:cs typeface="Arial" panose="020B0604020202020204" pitchFamily="34" charset="0"/>
+              </a:rPr>
+              <a:t>CONFRONTO CON OPENGL (II)</a:t>
+            </a:r>
+            <a:endParaRPr lang="it-IT" dirty="0"/>
+          </a:p>
+        </p:txBody>
+      </p:sp>
+      <p:pic>
+        <p:nvPicPr>
+          <p:cNvPr id="2050" name="Picture 2" descr="C:\Users\s201003\Desktop\7065.vulkan+logo.png"/>
+          <p:cNvPicPr>
+            <a:picLocks noChangeAspect="1" noChangeArrowheads="1"/>
+          </p:cNvPicPr>
+          <p:nvPr/>
+        </p:nvPicPr>
+        <p:blipFill>
+          <a:blip r:embed="rId3" cstate="print">
+            <a:extLst>
+              <a:ext uri="{28A0092B-C50C-407E-A947-70E740481C1C}">
+                <a14:useLocalDpi xmlns:a14="http://schemas.microsoft.com/office/drawing/2010/main" val="0"/>
+              </a:ext>
+            </a:extLst>
+          </a:blip>
+          <a:srcRect/>
+          <a:stretch>
+            <a:fillRect/>
+          </a:stretch>
+        </p:blipFill>
+        <p:spPr bwMode="auto">
+          <a:xfrm>
+            <a:off x="3779912" y="6305189"/>
+            <a:ext cx="1467346" cy="390318"/>
+          </a:xfrm>
+          <a:prstGeom prst="rect">
+            <a:avLst/>
+          </a:prstGeom>
+          <a:noFill/>
+          <a:extLst>
+            <a:ext uri="{909E8E84-426E-40DD-AFC4-6F175D3DCCD1}">
+              <a14:hiddenFill xmlns:a14="http://schemas.microsoft.com/office/drawing/2010/main">
+                <a:solidFill>
+                  <a:srgbClr val="FFFFFF"/>
+                </a:solidFill>
+              </a14:hiddenFill>
+            </a:ext>
+          </a:extLst>
+        </p:spPr>
+      </p:pic>
+      <p:pic>
+        <p:nvPicPr>
+          <p:cNvPr id="5122" name="Picture 2" descr="C:\Users\s201003\Desktop\2.PNG"/>
+          <p:cNvPicPr>
+            <a:picLocks noChangeAspect="1" noChangeArrowheads="1"/>
+          </p:cNvPicPr>
+          <p:nvPr/>
+        </p:nvPicPr>
+        <p:blipFill>
+          <a:blip r:embed="rId4">
+            <a:extLst>
+              <a:ext uri="{28A0092B-C50C-407E-A947-70E740481C1C}">
+                <a14:useLocalDpi xmlns:a14="http://schemas.microsoft.com/office/drawing/2010/main" val="0"/>
+              </a:ext>
+            </a:extLst>
+          </a:blip>
+          <a:srcRect/>
+          <a:stretch>
+            <a:fillRect/>
+          </a:stretch>
+        </p:blipFill>
+        <p:spPr bwMode="auto">
+          <a:xfrm>
+            <a:off x="1763688" y="1334031"/>
+            <a:ext cx="4968552" cy="4547723"/>
+          </a:xfrm>
+          <a:prstGeom prst="rect">
+            <a:avLst/>
+          </a:prstGeom>
+          <a:noFill/>
+          <a:extLst>
+            <a:ext uri="{909E8E84-426E-40DD-AFC4-6F175D3DCCD1}">
+              <a14:hiddenFill xmlns:a14="http://schemas.microsoft.com/office/drawing/2010/main">
+                <a:solidFill>
+                  <a:srgbClr val="FFFFFF"/>
+                </a:solidFill>
+              </a14:hiddenFill>
+            </a:ext>
+          </a:extLst>
+        </p:spPr>
+      </p:pic>
+      <p:sp>
+        <p:nvSpPr>
+          <p:cNvPr id="5" name="Isosceles Triangle 4"/>
+          <p:cNvSpPr/>
+          <p:nvPr/>
+        </p:nvSpPr>
+        <p:spPr>
+          <a:xfrm rot="5400000">
+            <a:off x="1409640" y="2610808"/>
+            <a:ext cx="504056" cy="504056"/>
+          </a:xfrm>
+          <a:prstGeom prst="triangle">
+            <a:avLst/>
+          </a:prstGeom>
+          <a:noFill/>
+        </p:spPr>
+        <p:style>
+          <a:lnRef idx="2">
+            <a:schemeClr val="accent1">
+              <a:shade val="50000"/>
+            </a:schemeClr>
+          </a:lnRef>
+          <a:fillRef idx="1">
+            <a:schemeClr val="accent1"/>
+          </a:fillRef>
+          <a:effectRef idx="0">
+            <a:schemeClr val="accent1"/>
+          </a:effectRef>
+          <a:fontRef idx="minor">
+            <a:schemeClr val="lt1"/>
+          </a:fontRef>
+        </p:style>
+        <p:txBody>
+          <a:bodyPr rtlCol="0" anchor="ctr"/>
+          <a:lstStyle/>
+          <a:p>
+            <a:pPr algn="ctr"/>
+            <a:endParaRPr lang="it-IT"/>
+          </a:p>
+        </p:txBody>
+      </p:sp>
+      <p:sp>
+        <p:nvSpPr>
+          <p:cNvPr id="6" name="TextBox 5"/>
+          <p:cNvSpPr txBox="1"/>
+          <p:nvPr/>
+        </p:nvSpPr>
+        <p:spPr>
+          <a:xfrm>
+            <a:off x="401528" y="2539670"/>
+            <a:ext cx="1008112" cy="646331"/>
+          </a:xfrm>
+          <a:prstGeom prst="rect">
+            <a:avLst/>
+          </a:prstGeom>
+          <a:noFill/>
+        </p:spPr>
+        <p:txBody>
+          <a:bodyPr wrap="square" rtlCol="0">
+            <a:spAutoFit/>
+          </a:bodyPr>
+          <a:lstStyle/>
+          <a:p>
+            <a:pPr algn="r"/>
+            <a:r>
+              <a:rPr lang="it-IT" sz="1200" b="1" dirty="0"/>
+              <a:t>32%</a:t>
+            </a:r>
+            <a:r>
+              <a:rPr lang="it-IT" sz="1200" dirty="0"/>
+              <a:t> cpu peak workload </a:t>
+            </a:r>
+          </a:p>
+        </p:txBody>
+      </p:sp>
+      <p:sp>
+        <p:nvSpPr>
+          <p:cNvPr id="12" name="TextBox 11"/>
+          <p:cNvSpPr txBox="1"/>
+          <p:nvPr/>
+        </p:nvSpPr>
+        <p:spPr>
+          <a:xfrm>
+            <a:off x="431540" y="4149950"/>
+            <a:ext cx="1008112" cy="646331"/>
+          </a:xfrm>
+          <a:prstGeom prst="rect">
+            <a:avLst/>
+          </a:prstGeom>
+          <a:noFill/>
+        </p:spPr>
+        <p:txBody>
+          <a:bodyPr wrap="square" rtlCol="0">
+            <a:spAutoFit/>
+          </a:bodyPr>
+          <a:lstStyle/>
+          <a:p>
+            <a:pPr algn="r"/>
+            <a:r>
+              <a:rPr lang="it-IT" sz="1200" b="1" dirty="0"/>
+              <a:t>47%</a:t>
+            </a:r>
+            <a:r>
+              <a:rPr lang="it-IT" sz="1200" dirty="0"/>
+              <a:t> cpu peak workload </a:t>
+            </a:r>
+          </a:p>
+        </p:txBody>
+      </p:sp>
+      <p:sp>
+        <p:nvSpPr>
+          <p:cNvPr id="13" name="Isosceles Triangle 12"/>
+          <p:cNvSpPr/>
+          <p:nvPr/>
+        </p:nvSpPr>
+        <p:spPr>
+          <a:xfrm rot="5400000">
+            <a:off x="1439652" y="4221088"/>
+            <a:ext cx="504056" cy="504056"/>
+          </a:xfrm>
+          <a:prstGeom prst="triangle">
+            <a:avLst/>
+          </a:prstGeom>
+          <a:noFill/>
+        </p:spPr>
+        <p:style>
+          <a:lnRef idx="2">
+            <a:schemeClr val="accent1">
+              <a:shade val="50000"/>
+            </a:schemeClr>
+          </a:lnRef>
+          <a:fillRef idx="1">
+            <a:schemeClr val="accent1"/>
+          </a:fillRef>
+          <a:effectRef idx="0">
+            <a:schemeClr val="accent1"/>
+          </a:effectRef>
+          <a:fontRef idx="minor">
+            <a:schemeClr val="lt1"/>
+          </a:fontRef>
+        </p:style>
+        <p:txBody>
+          <a:bodyPr rtlCol="0" anchor="ctr"/>
+          <a:lstStyle/>
+          <a:p>
+            <a:pPr algn="ctr"/>
+            <a:endParaRPr lang="it-IT"/>
+          </a:p>
+        </p:txBody>
+      </p:sp>
+      <p:cxnSp>
+        <p:nvCxnSpPr>
+          <p:cNvPr id="10" name="Straight Arrow Connector 9"/>
+          <p:cNvCxnSpPr/>
+          <p:nvPr/>
+        </p:nvCxnSpPr>
+        <p:spPr>
+          <a:xfrm flipH="1">
+            <a:off x="5664039" y="2148710"/>
+            <a:ext cx="1479772" cy="627922"/>
+          </a:xfrm>
+          <a:prstGeom prst="straightConnector1">
+            <a:avLst/>
+          </a:prstGeom>
+          <a:ln w="38100">
+            <a:tailEnd type="arrow"/>
+          </a:ln>
+        </p:spPr>
+        <p:style>
+          <a:lnRef idx="1">
+            <a:schemeClr val="accent1"/>
+          </a:lnRef>
+          <a:fillRef idx="0">
+            <a:schemeClr val="accent1"/>
+          </a:fillRef>
+          <a:effectRef idx="0">
+            <a:schemeClr val="accent1"/>
+          </a:effectRef>
+          <a:fontRef idx="minor">
+            <a:schemeClr val="tx1"/>
+          </a:fontRef>
+        </p:style>
+      </p:cxnSp>
+      <p:sp>
+        <p:nvSpPr>
+          <p:cNvPr id="17" name="TextBox 16"/>
+          <p:cNvSpPr txBox="1"/>
+          <p:nvPr/>
+        </p:nvSpPr>
+        <p:spPr>
+          <a:xfrm>
+            <a:off x="7130657" y="1628800"/>
+            <a:ext cx="1440160" cy="1200329"/>
+          </a:xfrm>
+          <a:prstGeom prst="rect">
+            <a:avLst/>
+          </a:prstGeom>
+          <a:noFill/>
+        </p:spPr>
+        <p:txBody>
+          <a:bodyPr wrap="square" rtlCol="0">
+            <a:spAutoFit/>
+          </a:bodyPr>
+          <a:lstStyle/>
+          <a:p>
+            <a:r>
+              <a:rPr lang="it-IT" sz="1200" dirty="0"/>
+              <a:t>Andamento più lineare, meno picchi &gt;</a:t>
+            </a:r>
+            <a:r>
+              <a:rPr lang="it-IT" sz="1200" b="1" dirty="0"/>
+              <a:t> carico di lavoro più distribuito tra i core</a:t>
+            </a:r>
+            <a:endParaRPr lang="it-IT" sz="1200" dirty="0"/>
+          </a:p>
+        </p:txBody>
+      </p:sp>
+      <p:sp>
+        <p:nvSpPr>
+          <p:cNvPr id="14" name="TextBox 13"/>
+          <p:cNvSpPr txBox="1"/>
+          <p:nvPr/>
+        </p:nvSpPr>
+        <p:spPr>
+          <a:xfrm>
+            <a:off x="935596" y="5910254"/>
+            <a:ext cx="6912768" cy="307777"/>
+          </a:xfrm>
+          <a:prstGeom prst="rect">
+            <a:avLst/>
+          </a:prstGeom>
+          <a:noFill/>
+        </p:spPr>
+        <p:txBody>
+          <a:bodyPr wrap="square" rtlCol="0">
+            <a:spAutoFit/>
+          </a:bodyPr>
+          <a:lstStyle/>
+          <a:p>
+            <a:pPr algn="ctr"/>
+            <a:r>
+              <a:rPr lang="it-IT" sz="1400" dirty="0"/>
+              <a:t>https://www.imgtec.com/blog/vulkan-3d-satnav-app-powervr</a:t>
+            </a:r>
+            <a:endParaRPr lang="it-IT" dirty="0"/>
+          </a:p>
+        </p:txBody>
+      </p:sp>
+    </p:spTree>
+    <p:extLst>
+      <p:ext uri="{BB962C8B-B14F-4D97-AF65-F5344CB8AC3E}">
+        <p14:creationId xmlns:p14="http://schemas.microsoft.com/office/powerpoint/2010/main" val="2865930366"/>
+      </p:ext>
+    </p:extLst>
+  </p:cSld>
+  <p:clrMapOvr>
+    <a:masterClrMapping/>
+  </p:clrMapOvr>
+</p:sld>
+</file>
+
+<file path=ppt/slides/slide16.xml><?xml version="1.0" encoding="utf-8"?>
+<p:sld xmlns:a="http://schemas.openxmlformats.org/drawingml/2006/main" xmlns:r="http://schemas.openxmlformats.org/officeDocument/2006/relationships" xmlns:p="http://schemas.openxmlformats.org/presentationml/2006/main">
+  <p:cSld>
+    <p:spTree>
+      <p:nvGrpSpPr>
+        <p:cNvPr id="1" name=""/>
+        <p:cNvGrpSpPr/>
+        <p:nvPr/>
+      </p:nvGrpSpPr>
+      <p:grpSpPr>
+        <a:xfrm>
+          <a:off x="0" y="0"/>
+          <a:ext cx="0" cy="0"/>
+          <a:chOff x="0" y="0"/>
+          <a:chExt cx="0" cy="0"/>
+        </a:xfrm>
+      </p:grpSpPr>
+      <p:sp>
+        <p:nvSpPr>
+          <p:cNvPr id="2" name="Title 1"/>
+          <p:cNvSpPr>
+            <a:spLocks noGrp="1"/>
+          </p:cNvSpPr>
+          <p:nvPr>
+            <p:ph type="title"/>
+          </p:nvPr>
+        </p:nvSpPr>
+        <p:spPr>
+          <a:xfrm>
+            <a:off x="457200" y="476672"/>
+            <a:ext cx="7859216" cy="648072"/>
+          </a:xfrm>
+        </p:spPr>
+        <p:txBody>
+          <a:bodyPr/>
+          <a:lstStyle/>
+          <a:p>
+            <a:pPr algn="ctr"/>
+            <a:r>
+              <a:rPr lang="it-IT" dirty="0">
+                <a:solidFill>
+                  <a:srgbClr val="A80408"/>
+                </a:solidFill>
+                <a:latin typeface="Arial" panose="020B0604020202020204" pitchFamily="34" charset="0"/>
+                <a:cs typeface="Arial" panose="020B0604020202020204" pitchFamily="34" charset="0"/>
+              </a:rPr>
+              <a:t>VULKAN E VR</a:t>
+            </a:r>
+            <a:endParaRPr lang="it-IT" dirty="0"/>
+          </a:p>
+        </p:txBody>
+      </p:sp>
+      <p:pic>
+        <p:nvPicPr>
+          <p:cNvPr id="2050" name="Picture 2" descr="C:\Users\s201003\Desktop\7065.vulkan+logo.png"/>
+          <p:cNvPicPr>
+            <a:picLocks noChangeAspect="1" noChangeArrowheads="1"/>
+          </p:cNvPicPr>
+          <p:nvPr/>
+        </p:nvPicPr>
+        <p:blipFill>
+          <a:blip r:embed="rId3" cstate="print">
+            <a:extLst>
+              <a:ext uri="{28A0092B-C50C-407E-A947-70E740481C1C}">
+                <a14:useLocalDpi xmlns:a14="http://schemas.microsoft.com/office/drawing/2010/main" val="0"/>
+              </a:ext>
+            </a:extLst>
+          </a:blip>
+          <a:srcRect/>
+          <a:stretch>
+            <a:fillRect/>
+          </a:stretch>
+        </p:blipFill>
+        <p:spPr bwMode="auto">
+          <a:xfrm>
+            <a:off x="3779912" y="6305189"/>
+            <a:ext cx="1467346" cy="390318"/>
+          </a:xfrm>
+          <a:prstGeom prst="rect">
+            <a:avLst/>
+          </a:prstGeom>
+          <a:noFill/>
+          <a:extLst>
+            <a:ext uri="{909E8E84-426E-40DD-AFC4-6F175D3DCCD1}">
+              <a14:hiddenFill xmlns:a14="http://schemas.microsoft.com/office/drawing/2010/main">
+                <a:solidFill>
+                  <a:srgbClr val="FFFFFF"/>
+                </a:solidFill>
+              </a14:hiddenFill>
+            </a:ext>
+          </a:extLst>
+        </p:spPr>
+      </p:pic>
+      <p:pic>
+        <p:nvPicPr>
+          <p:cNvPr id="6146" name="Picture 2" descr="C:\Users\s201003\Desktop\vive.png"/>
+          <p:cNvPicPr>
+            <a:picLocks noChangeAspect="1" noChangeArrowheads="1"/>
+          </p:cNvPicPr>
+          <p:nvPr/>
+        </p:nvPicPr>
+        <p:blipFill rotWithShape="1">
+          <a:blip r:embed="rId4" cstate="print">
+            <a:extLst>
+              <a:ext uri="{28A0092B-C50C-407E-A947-70E740481C1C}">
+                <a14:useLocalDpi xmlns:a14="http://schemas.microsoft.com/office/drawing/2010/main" val="0"/>
+              </a:ext>
+            </a:extLst>
+          </a:blip>
+          <a:srcRect l="19145" r="18639"/>
+          <a:stretch/>
+        </p:blipFill>
+        <p:spPr bwMode="auto">
+          <a:xfrm>
+            <a:off x="6012160" y="476672"/>
+            <a:ext cx="2376264" cy="2291621"/>
+          </a:xfrm>
+          <a:prstGeom prst="rect">
+            <a:avLst/>
+          </a:prstGeom>
+          <a:noFill/>
+          <a:extLst>
+            <a:ext uri="{909E8E84-426E-40DD-AFC4-6F175D3DCCD1}">
+              <a14:hiddenFill xmlns:a14="http://schemas.microsoft.com/office/drawing/2010/main">
+                <a:solidFill>
+                  <a:srgbClr val="FFFFFF"/>
+                </a:solidFill>
+              </a14:hiddenFill>
+            </a:ext>
+          </a:extLst>
+        </p:spPr>
+      </p:pic>
+      <p:pic>
+        <p:nvPicPr>
+          <p:cNvPr id="6147" name="Picture 3" descr="C:\Users\s201003\Desktop\Oculus-Rift-profile_grande.png"/>
+          <p:cNvPicPr>
+            <a:picLocks noChangeAspect="1" noChangeArrowheads="1"/>
+          </p:cNvPicPr>
+          <p:nvPr/>
+        </p:nvPicPr>
+        <p:blipFill rotWithShape="1">
+          <a:blip r:embed="rId5">
+            <a:extLst>
+              <a:ext uri="{28A0092B-C50C-407E-A947-70E740481C1C}">
+                <a14:useLocalDpi xmlns:a14="http://schemas.microsoft.com/office/drawing/2010/main" val="0"/>
+              </a:ext>
+            </a:extLst>
+          </a:blip>
+          <a:srcRect l="9212" t="21933" r="10322" b="22487"/>
+          <a:stretch/>
+        </p:blipFill>
+        <p:spPr bwMode="auto">
+          <a:xfrm>
+            <a:off x="323528" y="764704"/>
+            <a:ext cx="2718571" cy="1877776"/>
+          </a:xfrm>
+          <a:prstGeom prst="rect">
+            <a:avLst/>
+          </a:prstGeom>
+          <a:noFill/>
+          <a:extLst>
+            <a:ext uri="{909E8E84-426E-40DD-AFC4-6F175D3DCCD1}">
+              <a14:hiddenFill xmlns:a14="http://schemas.microsoft.com/office/drawing/2010/main">
+                <a:solidFill>
+                  <a:srgbClr val="FFFFFF"/>
+                </a:solidFill>
+              </a14:hiddenFill>
+            </a:ext>
+          </a:extLst>
+        </p:spPr>
+      </p:pic>
+      <p:sp>
+        <p:nvSpPr>
+          <p:cNvPr id="4" name="TextBox 3"/>
+          <p:cNvSpPr txBox="1"/>
+          <p:nvPr/>
+        </p:nvSpPr>
+        <p:spPr>
+          <a:xfrm>
+            <a:off x="1259632" y="3212976"/>
+            <a:ext cx="6264696" cy="2554545"/>
+          </a:xfrm>
+          <a:prstGeom prst="rect">
+            <a:avLst/>
+          </a:prstGeom>
+          <a:noFill/>
+        </p:spPr>
+        <p:txBody>
+          <a:bodyPr wrap="square" rtlCol="0">
+            <a:spAutoFit/>
+          </a:bodyPr>
+          <a:lstStyle/>
+          <a:p>
+            <a:pPr algn="ctr"/>
+            <a:r>
+              <a:rPr lang="en-US" i="1" dirty="0"/>
+              <a:t>“The advantage that </a:t>
+            </a:r>
+            <a:r>
+              <a:rPr lang="en-US" i="1" dirty="0" err="1"/>
+              <a:t>Vulkan</a:t>
+            </a:r>
+            <a:r>
+              <a:rPr lang="en-US" i="1" dirty="0"/>
+              <a:t> will deliver in the end for the software developers creating VR experiences is that they will typically be able to create experiences that are faster and typically have lower latency. </a:t>
+            </a:r>
+            <a:r>
+              <a:rPr lang="en-US" i="1" dirty="0" err="1"/>
+              <a:t>Vulkan</a:t>
+            </a:r>
+            <a:r>
+              <a:rPr lang="en-US" i="1" dirty="0"/>
+              <a:t> is lower latency because the driver is much thinner and there are fewer steps to go through which leads to much less </a:t>
+            </a:r>
+            <a:r>
+              <a:rPr lang="en-US" i="1" dirty="0" err="1"/>
+              <a:t>glitching</a:t>
+            </a:r>
+            <a:r>
+              <a:rPr lang="en-US" i="1" dirty="0"/>
+              <a:t>.”</a:t>
+            </a:r>
+          </a:p>
+          <a:p>
+            <a:pPr algn="ctr"/>
+            <a:endParaRPr lang="en-US" i="1" dirty="0"/>
+          </a:p>
+          <a:p>
+            <a:pPr algn="ctr"/>
+            <a:r>
+              <a:rPr lang="en-US" sz="1600" i="1" dirty="0"/>
+              <a:t>(</a:t>
+            </a:r>
+            <a:r>
+              <a:rPr lang="it-IT" sz="1600" dirty="0"/>
+              <a:t>Neil Trevett, Vice President at NVIDIA</a:t>
+            </a:r>
+            <a:r>
+              <a:rPr lang="en-US" sz="1600" i="1" dirty="0"/>
+              <a:t>)</a:t>
+            </a:r>
+            <a:endParaRPr lang="it-IT" sz="1600" i="1" dirty="0"/>
+          </a:p>
+        </p:txBody>
+      </p:sp>
+    </p:spTree>
+    <p:extLst>
+      <p:ext uri="{BB962C8B-B14F-4D97-AF65-F5344CB8AC3E}">
+        <p14:creationId xmlns:p14="http://schemas.microsoft.com/office/powerpoint/2010/main" val="1815069983"/>
+      </p:ext>
+    </p:extLst>
+  </p:cSld>
+  <p:clrMapOvr>
+    <a:masterClrMapping/>
+  </p:clrMapOvr>
+</p:sld>
+</file>
+
+<file path=ppt/slides/slide17.xml><?xml version="1.0" encoding="utf-8"?>
+<p:sld xmlns:a="http://schemas.openxmlformats.org/drawingml/2006/main" xmlns:r="http://schemas.openxmlformats.org/officeDocument/2006/relationships" xmlns:p="http://schemas.openxmlformats.org/presentationml/2006/main">
+  <p:cSld>
+    <p:spTree>
+      <p:nvGrpSpPr>
+        <p:cNvPr id="1" name=""/>
+        <p:cNvGrpSpPr/>
+        <p:nvPr/>
+      </p:nvGrpSpPr>
+      <p:grpSpPr>
+        <a:xfrm>
+          <a:off x="0" y="0"/>
+          <a:ext cx="0" cy="0"/>
+          <a:chOff x="0" y="0"/>
+          <a:chExt cx="0" cy="0"/>
+        </a:xfrm>
+      </p:grpSpPr>
+      <p:sp>
+        <p:nvSpPr>
+          <p:cNvPr id="2" name="Title 1"/>
+          <p:cNvSpPr>
+            <a:spLocks noGrp="1"/>
+          </p:cNvSpPr>
+          <p:nvPr>
+            <p:ph type="title"/>
+          </p:nvPr>
+        </p:nvSpPr>
+        <p:spPr>
+          <a:xfrm>
+            <a:off x="457200" y="476672"/>
+            <a:ext cx="7859216" cy="648072"/>
+          </a:xfrm>
+        </p:spPr>
+        <p:txBody>
+          <a:bodyPr/>
+          <a:lstStyle/>
+          <a:p>
+            <a:pPr algn="ctr"/>
+            <a:r>
+              <a:rPr lang="it-IT" dirty="0">
+                <a:solidFill>
+                  <a:srgbClr val="A80408"/>
+                </a:solidFill>
+                <a:latin typeface="Arial" panose="020B0604020202020204" pitchFamily="34" charset="0"/>
+                <a:cs typeface="Arial" panose="020B0604020202020204" pitchFamily="34" charset="0"/>
+              </a:rPr>
+              <a:t>AVETE DOMANDE?</a:t>
+            </a:r>
+            <a:endParaRPr lang="it-IT" dirty="0"/>
+          </a:p>
+        </p:txBody>
+      </p:sp>
+      <p:pic>
+        <p:nvPicPr>
+          <p:cNvPr id="2050" name="Picture 2" descr="C:\Users\s201003\Desktop\7065.vulkan+logo.png"/>
+          <p:cNvPicPr>
+            <a:picLocks noChangeAspect="1" noChangeArrowheads="1"/>
+          </p:cNvPicPr>
+          <p:nvPr/>
+        </p:nvPicPr>
+        <p:blipFill>
+          <a:blip r:embed="rId3" cstate="print">
+            <a:extLst>
+              <a:ext uri="{28A0092B-C50C-407E-A947-70E740481C1C}">
+                <a14:useLocalDpi xmlns:a14="http://schemas.microsoft.com/office/drawing/2010/main" val="0"/>
+              </a:ext>
+            </a:extLst>
+          </a:blip>
+          <a:srcRect/>
+          <a:stretch>
+            <a:fillRect/>
+          </a:stretch>
+        </p:blipFill>
+        <p:spPr bwMode="auto">
+          <a:xfrm>
+            <a:off x="3779912" y="6305189"/>
+            <a:ext cx="1467346" cy="390318"/>
+          </a:xfrm>
+          <a:prstGeom prst="rect">
+            <a:avLst/>
+          </a:prstGeom>
+          <a:noFill/>
+          <a:extLst>
+            <a:ext uri="{909E8E84-426E-40DD-AFC4-6F175D3DCCD1}">
+              <a14:hiddenFill xmlns:a14="http://schemas.microsoft.com/office/drawing/2010/main">
+                <a:solidFill>
+                  <a:srgbClr val="FFFFFF"/>
+                </a:solidFill>
+              </a14:hiddenFill>
+            </a:ext>
+          </a:extLst>
+        </p:spPr>
+      </p:pic>
       <p:sp>
         <p:nvSpPr>
           <p:cNvPr id="7" name="Title 1"/>
@@ -7864,7 +9877,7 @@
           <a:p>
             <a:pPr algn="ctr"/>
             <a:r>
-              <a:rPr lang="it-IT" sz="7200" dirty="0" smtClean="0">
+              <a:rPr lang="it-IT" sz="7200" dirty="0">
                 <a:solidFill>
                   <a:srgbClr val="A80408"/>
                 </a:solidFill>
@@ -8011,7 +10024,7 @@
           <a:p>
             <a:pPr algn="ctr"/>
             <a:r>
-              <a:rPr lang="it-IT" dirty="0" smtClean="0">
+              <a:rPr lang="it-IT" dirty="0">
                 <a:solidFill>
                   <a:srgbClr val="A80408"/>
                 </a:solidFill>
@@ -8020,13 +10033,6 @@
               </a:rPr>
               <a:t>CHE COS’É VULKAN?</a:t>
             </a:r>
-            <a:endParaRPr lang="it-IT" dirty="0">
-              <a:solidFill>
-                <a:srgbClr val="A80408"/>
-              </a:solidFill>
-              <a:latin typeface="Arial" panose="020B0604020202020204" pitchFamily="34" charset="0"/>
-              <a:cs typeface="Arial" panose="020B0604020202020204" pitchFamily="34" charset="0"/>
-            </a:endParaRPr>
           </a:p>
         </p:txBody>
       </p:sp>
@@ -8042,8 +10048,8 @@
         </p:nvSpPr>
         <p:spPr>
           <a:xfrm>
-            <a:off x="395536" y="1196752"/>
-            <a:ext cx="7467600" cy="4873752"/>
+            <a:off x="395535" y="1412776"/>
+            <a:ext cx="8214735" cy="4657728"/>
           </a:xfrm>
         </p:spPr>
         <p:txBody>
@@ -8051,7 +10057,7 @@
           <a:lstStyle/>
           <a:p>
             <a:r>
-              <a:rPr lang="it-IT" dirty="0" smtClean="0">
+              <a:rPr lang="it-IT" dirty="0">
                 <a:latin typeface="Arial" panose="020B0604020202020204" pitchFamily="34" charset="0"/>
                 <a:cs typeface="Arial" panose="020B0604020202020204" pitchFamily="34" charset="0"/>
               </a:rPr>
@@ -8060,38 +10066,64 @@
           </a:p>
           <a:p>
             <a:r>
-              <a:rPr lang="it-IT" dirty="0" smtClean="0">
+              <a:rPr lang="it-IT" dirty="0">
                 <a:latin typeface="Arial" panose="020B0604020202020204" pitchFamily="34" charset="0"/>
                 <a:cs typeface="Arial" panose="020B0604020202020204" pitchFamily="34" charset="0"/>
               </a:rPr>
-              <a:t>Multipiattaforma</a:t>
-            </a:r>
-          </a:p>
-          <a:p>
-            <a:r>
-              <a:rPr lang="it-IT" dirty="0" smtClean="0">
+              <a:t>Erede di OpenGL «</a:t>
+            </a:r>
+            <a:r>
+              <a:rPr lang="it-IT" dirty="0" err="1">
                 <a:latin typeface="Arial" panose="020B0604020202020204" pitchFamily="34" charset="0"/>
                 <a:cs typeface="Arial" panose="020B0604020202020204" pitchFamily="34" charset="0"/>
               </a:rPr>
-              <a:t>Sviluppato da KHRONOS e AMD</a:t>
-            </a:r>
-          </a:p>
-          <a:p>
-            <a:r>
-              <a:rPr lang="it-IT" dirty="0" smtClean="0">
+              <a:t>Next</a:t>
+            </a:r>
+            <a:r>
+              <a:rPr lang="it-IT" dirty="0">
                 <a:latin typeface="Arial" panose="020B0604020202020204" pitchFamily="34" charset="0"/>
                 <a:cs typeface="Arial" panose="020B0604020202020204" pitchFamily="34" charset="0"/>
               </a:rPr>
-              <a:t>Basato su Mandle</a:t>
-            </a:r>
-          </a:p>
-          <a:p>
-            <a:r>
-              <a:rPr lang="it-IT" dirty="0" smtClean="0">
+              <a:t> Generation OpenGL </a:t>
+            </a:r>
+            <a:r>
+              <a:rPr lang="it-IT" dirty="0" err="1">
                 <a:latin typeface="Arial" panose="020B0604020202020204" pitchFamily="34" charset="0"/>
                 <a:cs typeface="Arial" panose="020B0604020202020204" pitchFamily="34" charset="0"/>
               </a:rPr>
-              <a:t>Supportato da:</a:t>
+              <a:t>Initiative</a:t>
+            </a:r>
+            <a:r>
+              <a:rPr lang="it-IT" dirty="0">
+                <a:latin typeface="Arial" panose="020B0604020202020204" pitchFamily="34" charset="0"/>
+                <a:cs typeface="Arial" panose="020B0604020202020204" pitchFamily="34" charset="0"/>
+              </a:rPr>
+              <a:t>»</a:t>
+            </a:r>
+          </a:p>
+          <a:p>
+            <a:r>
+              <a:rPr lang="it-IT" dirty="0">
+                <a:latin typeface="Arial" panose="020B0604020202020204" pitchFamily="34" charset="0"/>
+                <a:cs typeface="Arial" panose="020B0604020202020204" pitchFamily="34" charset="0"/>
+              </a:rPr>
+              <a:t>Sviluppato da KHRONOS GROUP</a:t>
+            </a:r>
+          </a:p>
+          <a:p>
+            <a:r>
+              <a:rPr lang="it-IT" dirty="0">
+                <a:latin typeface="Arial" panose="020B0604020202020204" pitchFamily="34" charset="0"/>
+                <a:cs typeface="Arial" panose="020B0604020202020204" pitchFamily="34" charset="0"/>
+              </a:rPr>
+              <a:t>Dna di AMD </a:t>
+            </a:r>
+            <a:r>
+              <a:rPr lang="it-IT" dirty="0" err="1">
+                <a:latin typeface="Arial" panose="020B0604020202020204" pitchFamily="34" charset="0"/>
+                <a:cs typeface="Arial" panose="020B0604020202020204" pitchFamily="34" charset="0"/>
+              </a:rPr>
+              <a:t>Mantle</a:t>
             </a:r>
             <a:endParaRPr lang="it-IT" dirty="0">
               <a:latin typeface="Arial" panose="020B0604020202020204" pitchFamily="34" charset="0"/>
@@ -8212,99 +10244,86 @@
           <a:chExt cx="0" cy="0"/>
         </a:xfrm>
       </p:grpSpPr>
-      <p:sp>
-        <p:nvSpPr>
-          <p:cNvPr id="2" name="Title 1"/>
+      <p:pic>
+        <p:nvPicPr>
+          <p:cNvPr id="7" name="Immagine 6">
+            <a:extLst>
+              <a:ext uri="{FF2B5EF4-FFF2-40B4-BE49-F238E27FC236}">
+                <a16:creationId xmlns:a16="http://schemas.microsoft.com/office/drawing/2014/main" id="{27F8B656-2C88-4328-A882-D43C3C7C8363}"/>
+              </a:ext>
+            </a:extLst>
+          </p:cNvPr>
+          <p:cNvPicPr>
+            <a:picLocks noChangeAspect="1"/>
+          </p:cNvPicPr>
+          <p:nvPr/>
+        </p:nvPicPr>
+        <p:blipFill>
+          <a:blip r:embed="rId3">
+            <a:extLst>
+              <a:ext uri="{28A0092B-C50C-407E-A947-70E740481C1C}">
+                <a14:useLocalDpi xmlns:a14="http://schemas.microsoft.com/office/drawing/2010/main" val="0"/>
+              </a:ext>
+            </a:extLst>
+          </a:blip>
+          <a:stretch>
+            <a:fillRect/>
+          </a:stretch>
+        </p:blipFill>
+        <p:spPr>
+          <a:xfrm>
+            <a:off x="1175799" y="1429015"/>
+            <a:ext cx="6792401" cy="3999970"/>
+          </a:xfrm>
+          <a:prstGeom prst="rect">
+            <a:avLst/>
+          </a:prstGeom>
+        </p:spPr>
+      </p:pic>
+      <p:sp>
+        <p:nvSpPr>
+          <p:cNvPr id="8" name="Content Placeholder 2">
+            <a:extLst>
+              <a:ext uri="{FF2B5EF4-FFF2-40B4-BE49-F238E27FC236}">
+                <a16:creationId xmlns:a16="http://schemas.microsoft.com/office/drawing/2014/main" id="{9FDADABF-0A9D-4F40-B5CB-08D3EFA1A647}"/>
+              </a:ext>
+            </a:extLst>
+          </p:cNvPr>
           <p:cNvSpPr>
             <a:spLocks noGrp="1"/>
           </p:cNvSpPr>
           <p:nvPr>
-            <p:ph type="title"/>
+            <p:ph sz="quarter" idx="1"/>
           </p:nvPr>
         </p:nvSpPr>
         <p:spPr>
           <a:xfrm>
-            <a:off x="457200" y="476672"/>
-            <a:ext cx="7571184" cy="648072"/>
-          </a:xfrm>
-        </p:spPr>
-        <p:txBody>
-          <a:bodyPr/>
-          <a:lstStyle/>
-          <a:p>
-            <a:pPr algn="ctr"/>
-            <a:r>
-              <a:rPr lang="it-IT" dirty="0" smtClean="0">
-                <a:solidFill>
-                  <a:srgbClr val="A80408"/>
-                </a:solidFill>
+            <a:off x="792818" y="5589240"/>
+            <a:ext cx="7344816" cy="399314"/>
+          </a:xfrm>
+        </p:spPr>
+        <p:txBody>
+          <a:bodyPr>
+            <a:normAutofit fontScale="92500" lnSpcReduction="10000"/>
+          </a:bodyPr>
+          <a:lstStyle/>
+          <a:p>
+            <a:pPr marL="0" indent="0" algn="ctr">
+              <a:buNone/>
+            </a:pPr>
+            <a:r>
+              <a:rPr lang="it-IT" dirty="0">
                 <a:latin typeface="Arial" panose="020B0604020202020204" pitchFamily="34" charset="0"/>
                 <a:cs typeface="Arial" panose="020B0604020202020204" pitchFamily="34" charset="0"/>
               </a:rPr>
-              <a:t>FEATURES PRINCIPALI</a:t>
-            </a:r>
-            <a:endParaRPr lang="it-IT" dirty="0"/>
-          </a:p>
-        </p:txBody>
-      </p:sp>
-      <p:sp>
-        <p:nvSpPr>
-          <p:cNvPr id="3" name="Content Placeholder 2"/>
-          <p:cNvSpPr>
-            <a:spLocks noGrp="1"/>
-          </p:cNvSpPr>
-          <p:nvPr>
-            <p:ph sz="quarter" idx="1"/>
-          </p:nvPr>
-        </p:nvSpPr>
-        <p:spPr>
-          <a:xfrm>
-            <a:off x="1331640" y="1484784"/>
-            <a:ext cx="6603504" cy="3340968"/>
-          </a:xfrm>
-        </p:spPr>
-        <p:txBody>
-          <a:bodyPr anchor="ctr">
-            <a:normAutofit/>
-          </a:bodyPr>
-          <a:lstStyle/>
-          <a:p>
-            <a:pPr marL="457200" indent="-457200">
-              <a:buFont typeface="+mj-lt"/>
-              <a:buAutoNum type="arabicPeriod"/>
-            </a:pPr>
-            <a:r>
-              <a:rPr lang="it-IT" dirty="0" smtClean="0">
+              <a:t>Marzo 2015: prima presentazione di </a:t>
+            </a:r>
+            <a:r>
+              <a:rPr lang="it-IT" dirty="0" err="1">
                 <a:latin typeface="Arial" panose="020B0604020202020204" pitchFamily="34" charset="0"/>
                 <a:cs typeface="Arial" panose="020B0604020202020204" pitchFamily="34" charset="0"/>
               </a:rPr>
-              <a:t>SPIR-V </a:t>
-            </a:r>
-          </a:p>
-          <a:p>
-            <a:pPr marL="457200" indent="-457200">
-              <a:buFont typeface="+mj-lt"/>
-              <a:buAutoNum type="arabicPeriod"/>
-            </a:pPr>
-            <a:r>
-              <a:rPr lang="it-IT" dirty="0" smtClean="0">
-                <a:latin typeface="Arial" panose="020B0604020202020204" pitchFamily="34" charset="0"/>
-                <a:cs typeface="Arial" panose="020B0604020202020204" pitchFamily="34" charset="0"/>
-              </a:rPr>
-              <a:t>Multithreading</a:t>
-            </a:r>
-          </a:p>
-          <a:p>
-            <a:pPr marL="457200" indent="-457200">
-              <a:buFont typeface="+mj-lt"/>
-              <a:buAutoNum type="arabicPeriod"/>
-            </a:pPr>
-            <a:r>
-              <a:rPr lang="it-IT" dirty="0" smtClean="0">
-                <a:latin typeface="Arial" panose="020B0604020202020204" pitchFamily="34" charset="0"/>
-                <a:cs typeface="Arial" panose="020B0604020202020204" pitchFamily="34" charset="0"/>
-              </a:rPr>
-              <a:t>Controllo diretto della GPU</a:t>
+              <a:t>Vulkan</a:t>
             </a:r>
             <a:endParaRPr lang="it-IT" dirty="0">
               <a:latin typeface="Arial" panose="020B0604020202020204" pitchFamily="34" charset="0"/>
@@ -8315,14 +10334,20 @@
       </p:sp>
       <p:pic>
         <p:nvPicPr>
-          <p:cNvPr id="2050" name="Picture 2" descr="C:\Users\s201003\Desktop\7065.vulkan+logo.png"/>
+          <p:cNvPr id="9" name="Picture 2" descr="C:\Users\s201003\Desktop\7065.vulkan+logo.png">
+            <a:extLst>
+              <a:ext uri="{FF2B5EF4-FFF2-40B4-BE49-F238E27FC236}">
+                <a16:creationId xmlns:a16="http://schemas.microsoft.com/office/drawing/2014/main" id="{25F6B123-FCCB-4A17-B691-077A76D418A6}"/>
+              </a:ext>
+            </a:extLst>
+          </p:cNvPr>
           <p:cNvPicPr>
             <a:picLocks noChangeAspect="1" noChangeArrowheads="1"/>
           </p:cNvPicPr>
           <p:nvPr/>
         </p:nvPicPr>
         <p:blipFill>
-          <a:blip r:embed="rId3" cstate="print">
+          <a:blip r:embed="rId4" cstate="print">
             <a:extLst>
               <a:ext uri="{28A0092B-C50C-407E-A947-70E740481C1C}">
                 <a14:useLocalDpi xmlns:a14="http://schemas.microsoft.com/office/drawing/2010/main" val="0"/>
@@ -8354,10 +10379,52 @@
           </a:extLst>
         </p:spPr>
       </p:pic>
+      <p:sp>
+        <p:nvSpPr>
+          <p:cNvPr id="10" name="Title 1">
+            <a:extLst>
+              <a:ext uri="{FF2B5EF4-FFF2-40B4-BE49-F238E27FC236}">
+                <a16:creationId xmlns:a16="http://schemas.microsoft.com/office/drawing/2014/main" id="{B6CD1B4F-2746-4A43-83DF-F4A55771E5BB}"/>
+              </a:ext>
+            </a:extLst>
+          </p:cNvPr>
+          <p:cNvSpPr>
+            <a:spLocks noGrp="1"/>
+          </p:cNvSpPr>
+          <p:nvPr>
+            <p:ph type="title"/>
+          </p:nvPr>
+        </p:nvSpPr>
+        <p:spPr>
+          <a:xfrm>
+            <a:off x="457200" y="476672"/>
+            <a:ext cx="8003232" cy="648072"/>
+          </a:xfrm>
+        </p:spPr>
+        <p:txBody>
+          <a:bodyPr>
+            <a:normAutofit/>
+          </a:bodyPr>
+          <a:lstStyle/>
+          <a:p>
+            <a:pPr algn="ctr"/>
+            <a:r>
+              <a:rPr lang="it-IT" dirty="0">
+                <a:solidFill>
+                  <a:srgbClr val="A80408"/>
+                </a:solidFill>
+                <a:latin typeface="Arial" panose="020B0604020202020204" pitchFamily="34" charset="0"/>
+                <a:cs typeface="Arial" panose="020B0604020202020204" pitchFamily="34" charset="0"/>
+              </a:rPr>
+              <a:t>KHRONOS GROUP</a:t>
+            </a:r>
+          </a:p>
+        </p:txBody>
+      </p:sp>
     </p:spTree>
     <p:extLst>
       <p:ext uri="{BB962C8B-B14F-4D97-AF65-F5344CB8AC3E}">
-        <p14:creationId xmlns:p14="http://schemas.microsoft.com/office/powerpoint/2010/main" val="3999227176"/>
+        <p14:creationId xmlns:p14="http://schemas.microsoft.com/office/powerpoint/2010/main" val="2981848646"/>
       </p:ext>
     </p:extLst>
   </p:cSld>
@@ -8384,133 +10451,15 @@
           <a:chExt cx="0" cy="0"/>
         </a:xfrm>
       </p:grpSpPr>
-      <p:sp>
-        <p:nvSpPr>
-          <p:cNvPr id="2" name="Title 1"/>
-          <p:cNvSpPr>
-            <a:spLocks noGrp="1"/>
-          </p:cNvSpPr>
-          <p:nvPr>
-            <p:ph type="title"/>
-          </p:nvPr>
-        </p:nvSpPr>
-        <p:spPr>
-          <a:xfrm>
-            <a:off x="457200" y="476672"/>
-            <a:ext cx="7571184" cy="648072"/>
-          </a:xfrm>
-        </p:spPr>
-        <p:txBody>
-          <a:bodyPr/>
-          <a:lstStyle/>
-          <a:p>
-            <a:pPr algn="ctr"/>
-            <a:r>
-              <a:rPr lang="it-IT" dirty="0" smtClean="0">
-                <a:solidFill>
-                  <a:srgbClr val="A80408"/>
-                </a:solidFill>
-                <a:latin typeface="Arial" panose="020B0604020202020204" pitchFamily="34" charset="0"/>
-                <a:cs typeface="Arial" panose="020B0604020202020204" pitchFamily="34" charset="0"/>
-              </a:rPr>
-              <a:t>1. SPIR-V</a:t>
-            </a:r>
-            <a:endParaRPr lang="it-IT" dirty="0"/>
-          </a:p>
-        </p:txBody>
-      </p:sp>
-      <p:sp>
-        <p:nvSpPr>
-          <p:cNvPr id="3" name="Content Placeholder 2"/>
-          <p:cNvSpPr>
-            <a:spLocks noGrp="1"/>
-          </p:cNvSpPr>
-          <p:nvPr>
-            <p:ph sz="quarter" idx="1"/>
-          </p:nvPr>
-        </p:nvSpPr>
-        <p:spPr>
-          <a:xfrm>
-            <a:off x="467544" y="1438827"/>
-            <a:ext cx="8136904" cy="3358325"/>
-          </a:xfrm>
-        </p:spPr>
-        <p:txBody>
-          <a:bodyPr>
-            <a:normAutofit/>
-          </a:bodyPr>
-          <a:lstStyle/>
-          <a:p>
-            <a:pPr marL="0" indent="0">
-              <a:buNone/>
-            </a:pPr>
-            <a:r>
-              <a:rPr lang="it-IT" sz="2000" dirty="0" smtClean="0">
-                <a:latin typeface="Arial" panose="020B0604020202020204" pitchFamily="34" charset="0"/>
-                <a:cs typeface="Arial" panose="020B0604020202020204" pitchFamily="34" charset="0"/>
-              </a:rPr>
-              <a:t>Innovativo linguaggio intermedio binario e platform-independent usato da Vulkan perchè:</a:t>
-            </a:r>
-          </a:p>
-          <a:p>
-            <a:pPr marL="0" indent="0">
-              <a:buNone/>
-            </a:pPr>
-            <a:endParaRPr lang="it-IT" sz="2000" dirty="0" smtClean="0">
-              <a:latin typeface="Arial" panose="020B0604020202020204" pitchFamily="34" charset="0"/>
-              <a:cs typeface="Arial" panose="020B0604020202020204" pitchFamily="34" charset="0"/>
-            </a:endParaRPr>
-          </a:p>
-          <a:p>
-            <a:r>
-              <a:rPr lang="it-IT" sz="2000" dirty="0" smtClean="0">
-                <a:latin typeface="Arial" panose="020B0604020202020204" pitchFamily="34" charset="0"/>
-                <a:cs typeface="Arial" panose="020B0604020202020204" pitchFamily="34" charset="0"/>
-              </a:rPr>
-              <a:t>Permette di precompilare gli shader</a:t>
-            </a:r>
-          </a:p>
-          <a:p>
-            <a:r>
-              <a:rPr lang="it-IT" sz="2000" dirty="0" smtClean="0">
-                <a:latin typeface="Arial" panose="020B0604020202020204" pitchFamily="34" charset="0"/>
-                <a:cs typeface="Arial" panose="020B0604020202020204" pitchFamily="34" charset="0"/>
-              </a:rPr>
-              <a:t>Permette di scrivere shader in linguaggi diversi da GLSL</a:t>
-            </a:r>
-          </a:p>
-          <a:p>
-            <a:r>
-              <a:rPr lang="it-IT" sz="2000" dirty="0" smtClean="0">
-                <a:latin typeface="Arial" panose="020B0604020202020204" pitchFamily="34" charset="0"/>
-                <a:cs typeface="Arial" panose="020B0604020202020204" pitchFamily="34" charset="0"/>
-              </a:rPr>
-              <a:t>Alleggerisce il carico di lavoro sui driver della GPU</a:t>
-            </a:r>
-          </a:p>
-          <a:p>
-            <a:pPr marL="0" indent="0">
-              <a:buNone/>
-            </a:pPr>
-            <a:endParaRPr lang="it-IT" sz="2000" dirty="0">
-              <a:latin typeface="Arial" panose="020B0604020202020204" pitchFamily="34" charset="0"/>
-              <a:cs typeface="Arial" panose="020B0604020202020204" pitchFamily="34" charset="0"/>
-            </a:endParaRPr>
-          </a:p>
-          <a:p>
-            <a:pPr marL="0" indent="0">
-              <a:buNone/>
-            </a:pPr>
-            <a:endParaRPr lang="it-IT" sz="2000" dirty="0">
-              <a:latin typeface="Arial" panose="020B0604020202020204" pitchFamily="34" charset="0"/>
-              <a:cs typeface="Arial" panose="020B0604020202020204" pitchFamily="34" charset="0"/>
-            </a:endParaRPr>
-          </a:p>
-        </p:txBody>
-      </p:sp>
       <p:pic>
         <p:nvPicPr>
-          <p:cNvPr id="2050" name="Picture 2" descr="C:\Users\s201003\Desktop\7065.vulkan+logo.png"/>
+          <p:cNvPr id="4" name="Picture 2" descr="C:\Users\s201003\Desktop\7065.vulkan+logo.png">
+            <a:extLst>
+              <a:ext uri="{FF2B5EF4-FFF2-40B4-BE49-F238E27FC236}">
+                <a16:creationId xmlns:a16="http://schemas.microsoft.com/office/drawing/2014/main" id="{471DFBD0-A6FA-421F-A726-6C7DC20A6140}"/>
+              </a:ext>
+            </a:extLst>
+          </p:cNvPr>
           <p:cNvPicPr>
             <a:picLocks noChangeAspect="1" noChangeArrowheads="1"/>
           </p:cNvPicPr>
@@ -8549,11 +10498,59 @@
           </a:extLst>
         </p:spPr>
       </p:pic>
+      <p:sp>
+        <p:nvSpPr>
+          <p:cNvPr id="6" name="Title 1">
+            <a:extLst>
+              <a:ext uri="{FF2B5EF4-FFF2-40B4-BE49-F238E27FC236}">
+                <a16:creationId xmlns:a16="http://schemas.microsoft.com/office/drawing/2014/main" id="{263A0B7E-B3B4-449A-8B74-C73E88B6BABD}"/>
+              </a:ext>
+            </a:extLst>
+          </p:cNvPr>
+          <p:cNvSpPr>
+            <a:spLocks noGrp="1"/>
+          </p:cNvSpPr>
+          <p:nvPr>
+            <p:ph type="title"/>
+          </p:nvPr>
+        </p:nvSpPr>
+        <p:spPr>
+          <a:xfrm>
+            <a:off x="457200" y="476672"/>
+            <a:ext cx="7467600" cy="648072"/>
+          </a:xfrm>
+        </p:spPr>
+        <p:txBody>
+          <a:bodyPr>
+            <a:normAutofit/>
+          </a:bodyPr>
+          <a:lstStyle/>
+          <a:p>
+            <a:pPr algn="ctr"/>
+            <a:r>
+              <a:rPr lang="it-IT" dirty="0">
+                <a:solidFill>
+                  <a:srgbClr val="A80408"/>
+                </a:solidFill>
+                <a:latin typeface="Arial" panose="020B0604020202020204" pitchFamily="34" charset="0"/>
+                <a:cs typeface="Arial" panose="020B0604020202020204" pitchFamily="34" charset="0"/>
+              </a:rPr>
+              <a:t>STRUTTURA MODULARE</a:t>
+            </a:r>
+          </a:p>
+        </p:txBody>
+      </p:sp>
       <p:pic>
         <p:nvPicPr>
-          <p:cNvPr id="7170" name="Picture 2" descr="C:\Users\s201003\Desktop\SPIR_logo_2014.svg.png"/>
+          <p:cNvPr id="8" name="Immagine 7">
+            <a:extLst>
+              <a:ext uri="{FF2B5EF4-FFF2-40B4-BE49-F238E27FC236}">
+                <a16:creationId xmlns:a16="http://schemas.microsoft.com/office/drawing/2014/main" id="{041D34A1-5F66-4DC5-8E8B-B667DC06AC9C}"/>
+              </a:ext>
+            </a:extLst>
+          </p:cNvPr>
           <p:cNvPicPr>
-            <a:picLocks noChangeAspect="1" noChangeArrowheads="1"/>
+            <a:picLocks noChangeAspect="1"/>
           </p:cNvPicPr>
           <p:nvPr/>
         </p:nvPicPr>
@@ -8565,245 +10562,218 @@
               </a:ext>
             </a:extLst>
           </a:blip>
-          <a:srcRect/>
           <a:stretch>
             <a:fillRect/>
           </a:stretch>
         </p:blipFill>
-        <p:spPr bwMode="auto">
-          <a:xfrm>
-            <a:off x="2699792" y="4005064"/>
-            <a:ext cx="3456384" cy="1728192"/>
+        <p:spPr>
+          <a:xfrm rot="20296008">
+            <a:off x="971163" y="1090131"/>
+            <a:ext cx="1934618" cy="1934618"/>
           </a:xfrm>
           <a:prstGeom prst="rect">
             <a:avLst/>
           </a:prstGeom>
-          <a:noFill/>
-          <a:extLst>
-            <a:ext uri="{909E8E84-426E-40DD-AFC4-6F175D3DCCD1}">
-              <a14:hiddenFill xmlns:a14="http://schemas.microsoft.com/office/drawing/2010/main">
-                <a:solidFill>
-                  <a:srgbClr val="FFFFFF"/>
-                </a:solidFill>
-              </a14:hiddenFill>
-            </a:ext>
-          </a:extLst>
         </p:spPr>
       </p:pic>
-      <p:sp>
-        <p:nvSpPr>
-          <p:cNvPr id="6" name="Content Placeholder 2"/>
-          <p:cNvSpPr txBox="1">
-            <a:spLocks/>
-          </p:cNvSpPr>
+      <p:pic>
+        <p:nvPicPr>
+          <p:cNvPr id="10" name="Immagine 9">
+            <a:extLst>
+              <a:ext uri="{FF2B5EF4-FFF2-40B4-BE49-F238E27FC236}">
+                <a16:creationId xmlns:a16="http://schemas.microsoft.com/office/drawing/2014/main" id="{B21F3E48-F5C9-4845-9D73-FDC467B05A0C}"/>
+              </a:ext>
+            </a:extLst>
+          </p:cNvPr>
+          <p:cNvPicPr>
+            <a:picLocks noChangeAspect="1"/>
+          </p:cNvPicPr>
           <p:nvPr/>
-        </p:nvSpPr>
+        </p:nvPicPr>
+        <p:blipFill>
+          <a:blip r:embed="rId5" cstate="print">
+            <a:extLst>
+              <a:ext uri="{28A0092B-C50C-407E-A947-70E740481C1C}">
+                <a14:useLocalDpi xmlns:a14="http://schemas.microsoft.com/office/drawing/2010/main" val="0"/>
+              </a:ext>
+            </a:extLst>
+          </a:blip>
+          <a:stretch>
+            <a:fillRect/>
+          </a:stretch>
+        </p:blipFill>
         <p:spPr>
           <a:xfrm>
-            <a:off x="589149" y="2348880"/>
-            <a:ext cx="7848872" cy="478005"/>
+            <a:off x="5572920" y="1168092"/>
+            <a:ext cx="2889339" cy="1832264"/>
           </a:xfrm>
           <a:prstGeom prst="rect">
             <a:avLst/>
           </a:prstGeom>
         </p:spPr>
-        <p:txBody>
-          <a:bodyPr vert="horz">
+      </p:pic>
+      <p:sp>
+        <p:nvSpPr>
+          <p:cNvPr id="11" name="Content Placeholder 2">
+            <a:extLst>
+              <a:ext uri="{FF2B5EF4-FFF2-40B4-BE49-F238E27FC236}">
+                <a16:creationId xmlns:a16="http://schemas.microsoft.com/office/drawing/2014/main" id="{96702B59-16E2-4017-B42A-47C8BD8E8DE6}"/>
+              </a:ext>
+            </a:extLst>
+          </p:cNvPr>
+          <p:cNvSpPr>
+            <a:spLocks noGrp="1"/>
+          </p:cNvSpPr>
+          <p:nvPr>
+            <p:ph sz="quarter" idx="1"/>
+          </p:nvPr>
+        </p:nvSpPr>
+        <p:spPr>
+          <a:xfrm>
+            <a:off x="948338" y="3705100"/>
+            <a:ext cx="3565247" cy="1961568"/>
+          </a:xfrm>
+        </p:spPr>
+        <p:txBody>
+          <a:bodyPr>
             <a:normAutofit/>
           </a:bodyPr>
-          <a:lstStyle>
-            <a:lvl1pPr marL="274320" indent="-274320" algn="l" rtl="0" eaLnBrk="1" latinLnBrk="0" hangingPunct="1">
-              <a:spcBef>
-                <a:spcPts val="600"/>
-              </a:spcBef>
-              <a:buClr>
-                <a:schemeClr val="accent1"/>
-              </a:buClr>
-              <a:buSzPct val="70000"/>
-              <a:buFont typeface="Wingdings"/>
-              <a:buChar char=""/>
-              <a:defRPr kumimoji="0" sz="2400" kern="1200">
-                <a:solidFill>
-                  <a:schemeClr val="tx1"/>
-                </a:solidFill>
-                <a:latin typeface="+mn-lt"/>
-                <a:ea typeface="+mn-ea"/>
-                <a:cs typeface="+mn-cs"/>
-              </a:defRPr>
-            </a:lvl1pPr>
-            <a:lvl2pPr marL="640080" indent="-274320" algn="l" rtl="0" eaLnBrk="1" latinLnBrk="0" hangingPunct="1">
-              <a:spcBef>
-                <a:spcPct val="20000"/>
-              </a:spcBef>
-              <a:buClr>
-                <a:schemeClr val="accent1"/>
-              </a:buClr>
-              <a:buSzPct val="80000"/>
-              <a:buFont typeface="Wingdings 2"/>
-              <a:buChar char=""/>
-              <a:defRPr kumimoji="0" sz="2100" kern="1200">
-                <a:solidFill>
-                  <a:schemeClr val="tx1"/>
-                </a:solidFill>
-                <a:latin typeface="+mn-lt"/>
-                <a:ea typeface="+mn-ea"/>
-                <a:cs typeface="+mn-cs"/>
-              </a:defRPr>
-            </a:lvl2pPr>
-            <a:lvl3pPr marL="914400" indent="-182880" algn="l" rtl="0" eaLnBrk="1" latinLnBrk="0" hangingPunct="1">
-              <a:spcBef>
-                <a:spcPct val="20000"/>
-              </a:spcBef>
-              <a:buClr>
-                <a:schemeClr val="accent1">
-                  <a:shade val="75000"/>
-                </a:schemeClr>
-              </a:buClr>
-              <a:buSzPct val="60000"/>
-              <a:buFont typeface="Wingdings"/>
-              <a:buChar char=""/>
-              <a:defRPr kumimoji="0" sz="1800" kern="1200">
-                <a:solidFill>
-                  <a:schemeClr val="tx1"/>
-                </a:solidFill>
-                <a:latin typeface="+mn-lt"/>
-                <a:ea typeface="+mn-ea"/>
-                <a:cs typeface="+mn-cs"/>
-              </a:defRPr>
-            </a:lvl3pPr>
-            <a:lvl4pPr marL="1188720" indent="-182880" algn="l" rtl="0" eaLnBrk="1" latinLnBrk="0" hangingPunct="1">
-              <a:spcBef>
-                <a:spcPct val="20000"/>
-              </a:spcBef>
-              <a:buClr>
-                <a:schemeClr val="accent1">
-                  <a:tint val="60000"/>
-                </a:schemeClr>
-              </a:buClr>
-              <a:buSzPct val="60000"/>
-              <a:buFont typeface="Wingdings"/>
-              <a:buChar char=""/>
-              <a:defRPr kumimoji="0" sz="1800" kern="1200">
-                <a:solidFill>
-                  <a:schemeClr val="tx1"/>
-                </a:solidFill>
-                <a:latin typeface="+mn-lt"/>
-                <a:ea typeface="+mn-ea"/>
-                <a:cs typeface="+mn-cs"/>
-              </a:defRPr>
-            </a:lvl4pPr>
-            <a:lvl5pPr marL="1463040" indent="-182880" algn="l" rtl="0" eaLnBrk="1" latinLnBrk="0" hangingPunct="1">
-              <a:spcBef>
-                <a:spcPct val="20000"/>
-              </a:spcBef>
-              <a:buClr>
-                <a:schemeClr val="accent2">
-                  <a:tint val="60000"/>
-                </a:schemeClr>
-              </a:buClr>
-              <a:buSzPct val="68000"/>
-              <a:buFont typeface="Wingdings 2"/>
-              <a:buChar char=""/>
-              <a:defRPr kumimoji="0" sz="1600" kern="1200">
-                <a:solidFill>
-                  <a:schemeClr val="tx1"/>
-                </a:solidFill>
-                <a:latin typeface="+mn-lt"/>
-                <a:ea typeface="+mn-ea"/>
-                <a:cs typeface="+mn-cs"/>
-              </a:defRPr>
-            </a:lvl5pPr>
-            <a:lvl6pPr marL="1737360" indent="-182880" algn="l" rtl="0" eaLnBrk="1" latinLnBrk="0" hangingPunct="1">
-              <a:spcBef>
-                <a:spcPct val="20000"/>
-              </a:spcBef>
-              <a:buClr>
-                <a:schemeClr val="accent1"/>
-              </a:buClr>
-              <a:buChar char="•"/>
-              <a:defRPr kumimoji="0" sz="1600" kern="1200">
-                <a:solidFill>
-                  <a:schemeClr val="tx2"/>
-                </a:solidFill>
-                <a:latin typeface="+mn-lt"/>
-                <a:ea typeface="+mn-ea"/>
-                <a:cs typeface="+mn-cs"/>
-              </a:defRPr>
-            </a:lvl6pPr>
-            <a:lvl7pPr marL="2011680" indent="-182880" algn="l" rtl="0" eaLnBrk="1" latinLnBrk="0" hangingPunct="1">
-              <a:spcBef>
-                <a:spcPct val="20000"/>
-              </a:spcBef>
-              <a:buClr>
-                <a:schemeClr val="accent1">
-                  <a:tint val="60000"/>
-                </a:schemeClr>
-              </a:buClr>
-              <a:buSzPct val="60000"/>
-              <a:buFont typeface="Wingdings"/>
-              <a:buChar char=""/>
-              <a:defRPr kumimoji="0" sz="1400" kern="1200" baseline="0">
-                <a:solidFill>
-                  <a:schemeClr val="tx2"/>
-                </a:solidFill>
-                <a:latin typeface="+mn-lt"/>
-                <a:ea typeface="+mn-ea"/>
-                <a:cs typeface="+mn-cs"/>
-              </a:defRPr>
-            </a:lvl7pPr>
-            <a:lvl8pPr marL="2286000" indent="-182880" algn="l" rtl="0" eaLnBrk="1" latinLnBrk="0" hangingPunct="1">
-              <a:spcBef>
-                <a:spcPct val="20000"/>
-              </a:spcBef>
-              <a:buClr>
-                <a:schemeClr val="accent2"/>
-              </a:buClr>
-              <a:buChar char="•"/>
-              <a:defRPr kumimoji="0" sz="1400" kern="1200" cap="small" baseline="0">
-                <a:solidFill>
-                  <a:schemeClr val="tx2"/>
-                </a:solidFill>
-                <a:latin typeface="+mn-lt"/>
-                <a:ea typeface="+mn-ea"/>
-                <a:cs typeface="+mn-cs"/>
-              </a:defRPr>
-            </a:lvl8pPr>
-            <a:lvl9pPr marL="2560320" indent="-182880" algn="l" rtl="0" eaLnBrk="1" latinLnBrk="0" hangingPunct="1">
-              <a:spcBef>
-                <a:spcPct val="20000"/>
-              </a:spcBef>
-              <a:buClr>
-                <a:schemeClr val="accent1">
-                  <a:shade val="75000"/>
-                </a:schemeClr>
-              </a:buClr>
-              <a:buChar char="•"/>
-              <a:defRPr kumimoji="0" sz="1400" kern="1200" baseline="0">
-                <a:solidFill>
-                  <a:schemeClr val="tx2"/>
-                </a:solidFill>
-                <a:latin typeface="+mn-lt"/>
-                <a:ea typeface="+mn-ea"/>
-                <a:cs typeface="+mn-cs"/>
-              </a:defRPr>
-            </a:lvl9pPr>
-          </a:lstStyle>
+          <a:lstStyle/>
           <a:p>
             <a:pPr marL="0" indent="0">
-              <a:buFont typeface="Wingdings"/>
               <a:buNone/>
             </a:pPr>
+            <a:r>
+              <a:rPr lang="it-IT" dirty="0">
+                <a:latin typeface="Arial" panose="020B0604020202020204" pitchFamily="34" charset="0"/>
+                <a:cs typeface="Arial" panose="020B0604020202020204" pitchFamily="34" charset="0"/>
+              </a:rPr>
+              <a:t>Architettura comune per:</a:t>
+            </a:r>
+          </a:p>
+          <a:p>
+            <a:r>
+              <a:rPr lang="it-IT" dirty="0">
+                <a:latin typeface="Arial" panose="020B0604020202020204" pitchFamily="34" charset="0"/>
+                <a:cs typeface="Arial" panose="020B0604020202020204" pitchFamily="34" charset="0"/>
+              </a:rPr>
+              <a:t>Code </a:t>
+            </a:r>
+            <a:r>
+              <a:rPr lang="it-IT" dirty="0" err="1">
+                <a:latin typeface="Arial" panose="020B0604020202020204" pitchFamily="34" charset="0"/>
+                <a:cs typeface="Arial" panose="020B0604020202020204" pitchFamily="34" charset="0"/>
+              </a:rPr>
+              <a:t>Validation</a:t>
+            </a:r>
             <a:endParaRPr lang="it-IT" dirty="0">
               <a:latin typeface="Arial" panose="020B0604020202020204" pitchFamily="34" charset="0"/>
               <a:cs typeface="Arial" panose="020B0604020202020204" pitchFamily="34" charset="0"/>
             </a:endParaRPr>
           </a:p>
-        </p:txBody>
-      </p:sp>
+          <a:p>
+            <a:r>
+              <a:rPr lang="it-IT" dirty="0">
+                <a:latin typeface="Arial" panose="020B0604020202020204" pitchFamily="34" charset="0"/>
+                <a:cs typeface="Arial" panose="020B0604020202020204" pitchFamily="34" charset="0"/>
+              </a:rPr>
+              <a:t>Debugging</a:t>
+            </a:r>
+          </a:p>
+          <a:p>
+            <a:r>
+              <a:rPr lang="it-IT" dirty="0" err="1">
+                <a:latin typeface="Arial" panose="020B0604020202020204" pitchFamily="34" charset="0"/>
+                <a:cs typeface="Arial" panose="020B0604020202020204" pitchFamily="34" charset="0"/>
+              </a:rPr>
+              <a:t>Profiling</a:t>
+            </a:r>
+            <a:endParaRPr lang="it-IT" dirty="0">
+              <a:latin typeface="Arial" panose="020B0604020202020204" pitchFamily="34" charset="0"/>
+              <a:cs typeface="Arial" panose="020B0604020202020204" pitchFamily="34" charset="0"/>
+            </a:endParaRPr>
+          </a:p>
+        </p:txBody>
+      </p:sp>
+      <p:pic>
+        <p:nvPicPr>
+          <p:cNvPr id="15" name="Immagine 14">
+            <a:extLst>
+              <a:ext uri="{FF2B5EF4-FFF2-40B4-BE49-F238E27FC236}">
+                <a16:creationId xmlns:a16="http://schemas.microsoft.com/office/drawing/2014/main" id="{48B1B82A-2DC4-437F-B675-67D1F70BADF2}"/>
+              </a:ext>
+            </a:extLst>
+          </p:cNvPr>
+          <p:cNvPicPr>
+            <a:picLocks noChangeAspect="1"/>
+          </p:cNvPicPr>
+          <p:nvPr/>
+        </p:nvPicPr>
+        <p:blipFill rotWithShape="1">
+          <a:blip r:embed="rId6">
+            <a:extLst>
+              <a:ext uri="{28A0092B-C50C-407E-A947-70E740481C1C}">
+                <a14:useLocalDpi xmlns:a14="http://schemas.microsoft.com/office/drawing/2010/main" val="0"/>
+              </a:ext>
+            </a:extLst>
+          </a:blip>
+          <a:srcRect l="9462" r="9413"/>
+          <a:stretch/>
+        </p:blipFill>
+        <p:spPr>
+          <a:xfrm>
+            <a:off x="4545742" y="3857644"/>
+            <a:ext cx="3411737" cy="2260476"/>
+          </a:xfrm>
+          <a:prstGeom prst="rect">
+            <a:avLst/>
+          </a:prstGeom>
+        </p:spPr>
+      </p:pic>
+      <p:pic>
+        <p:nvPicPr>
+          <p:cNvPr id="17" name="Immagine 16">
+            <a:extLst>
+              <a:ext uri="{FF2B5EF4-FFF2-40B4-BE49-F238E27FC236}">
+                <a16:creationId xmlns:a16="http://schemas.microsoft.com/office/drawing/2014/main" id="{3480CE53-E563-4342-B99D-F98EC071C01F}"/>
+              </a:ext>
+            </a:extLst>
+          </p:cNvPr>
+          <p:cNvPicPr>
+            <a:picLocks noChangeAspect="1"/>
+          </p:cNvPicPr>
+          <p:nvPr/>
+        </p:nvPicPr>
+        <p:blipFill>
+          <a:blip r:embed="rId7" cstate="print">
+            <a:extLst>
+              <a:ext uri="{28A0092B-C50C-407E-A947-70E740481C1C}">
+                <a14:useLocalDpi xmlns:a14="http://schemas.microsoft.com/office/drawing/2010/main" val="0"/>
+              </a:ext>
+            </a:extLst>
+          </a:blip>
+          <a:stretch>
+            <a:fillRect/>
+          </a:stretch>
+        </p:blipFill>
+        <p:spPr>
+          <a:xfrm>
+            <a:off x="3380116" y="1603676"/>
+            <a:ext cx="2007890" cy="2007890"/>
+          </a:xfrm>
+          <a:prstGeom prst="rect">
+            <a:avLst/>
+          </a:prstGeom>
+          <a:effectLst>
+            <a:reflection endPos="0" dist="50800" dir="5400000" sy="-100000" algn="bl" rotWithShape="0"/>
+            <a:softEdge rad="0"/>
+          </a:effectLst>
+        </p:spPr>
+      </p:pic>
     </p:spTree>
     <p:extLst>
       <p:ext uri="{BB962C8B-B14F-4D97-AF65-F5344CB8AC3E}">
-        <p14:creationId xmlns:p14="http://schemas.microsoft.com/office/powerpoint/2010/main" val="2611860304"/>
+        <p14:creationId xmlns:p14="http://schemas.microsoft.com/office/powerpoint/2010/main" val="3581315067"/>
       </p:ext>
     </p:extLst>
   </p:cSld>
@@ -8830,44 +10800,15 @@
           <a:chExt cx="0" cy="0"/>
         </a:xfrm>
       </p:grpSpPr>
-      <p:sp>
-        <p:nvSpPr>
-          <p:cNvPr id="2" name="Title 1"/>
-          <p:cNvSpPr>
-            <a:spLocks noGrp="1"/>
-          </p:cNvSpPr>
-          <p:nvPr>
-            <p:ph type="title"/>
-          </p:nvPr>
-        </p:nvSpPr>
-        <p:spPr>
-          <a:xfrm>
-            <a:off x="457200" y="476672"/>
-            <a:ext cx="7571184" cy="648072"/>
-          </a:xfrm>
-        </p:spPr>
-        <p:txBody>
-          <a:bodyPr/>
-          <a:lstStyle/>
-          <a:p>
-            <a:pPr algn="ctr"/>
-            <a:r>
-              <a:rPr lang="it-IT" dirty="0" smtClean="0">
-                <a:solidFill>
-                  <a:srgbClr val="A80408"/>
-                </a:solidFill>
-                <a:latin typeface="Arial" panose="020B0604020202020204" pitchFamily="34" charset="0"/>
-                <a:cs typeface="Arial" panose="020B0604020202020204" pitchFamily="34" charset="0"/>
-              </a:rPr>
-              <a:t>2. MULTITHREADING (I)</a:t>
-            </a:r>
-            <a:endParaRPr lang="it-IT" dirty="0"/>
-          </a:p>
-        </p:txBody>
-      </p:sp>
       <p:pic>
         <p:nvPicPr>
-          <p:cNvPr id="2050" name="Picture 2" descr="C:\Users\s201003\Desktop\7065.vulkan+logo.png"/>
+          <p:cNvPr id="4" name="Picture 2" descr="C:\Users\s201003\Desktop\7065.vulkan+logo.png">
+            <a:extLst>
+              <a:ext uri="{FF2B5EF4-FFF2-40B4-BE49-F238E27FC236}">
+                <a16:creationId xmlns:a16="http://schemas.microsoft.com/office/drawing/2014/main" id="{471DFBD0-A6FA-421F-A726-6C7DC20A6140}"/>
+              </a:ext>
+            </a:extLst>
+          </p:cNvPr>
           <p:cNvPicPr>
             <a:picLocks noChangeAspect="1" noChangeArrowheads="1"/>
           </p:cNvPicPr>
@@ -8906,11 +10847,59 @@
           </a:extLst>
         </p:spPr>
       </p:pic>
+      <p:sp>
+        <p:nvSpPr>
+          <p:cNvPr id="6" name="Title 1">
+            <a:extLst>
+              <a:ext uri="{FF2B5EF4-FFF2-40B4-BE49-F238E27FC236}">
+                <a16:creationId xmlns:a16="http://schemas.microsoft.com/office/drawing/2014/main" id="{263A0B7E-B3B4-449A-8B74-C73E88B6BABD}"/>
+              </a:ext>
+            </a:extLst>
+          </p:cNvPr>
+          <p:cNvSpPr>
+            <a:spLocks noGrp="1"/>
+          </p:cNvSpPr>
+          <p:nvPr>
+            <p:ph type="title"/>
+          </p:nvPr>
+        </p:nvSpPr>
+        <p:spPr>
+          <a:xfrm>
+            <a:off x="457200" y="476672"/>
+            <a:ext cx="7959826" cy="648072"/>
+          </a:xfrm>
+        </p:spPr>
+        <p:txBody>
+          <a:bodyPr>
+            <a:normAutofit/>
+          </a:bodyPr>
+          <a:lstStyle/>
+          <a:p>
+            <a:pPr algn="ctr"/>
+            <a:r>
+              <a:rPr lang="it-IT" dirty="0">
+                <a:solidFill>
+                  <a:srgbClr val="A80408"/>
+                </a:solidFill>
+                <a:latin typeface="Arial" panose="020B0604020202020204" pitchFamily="34" charset="0"/>
+                <a:cs typeface="Arial" panose="020B0604020202020204" pitchFamily="34" charset="0"/>
+              </a:rPr>
+              <a:t>AMD MANTLE</a:t>
+            </a:r>
+          </a:p>
+        </p:txBody>
+      </p:sp>
       <p:pic>
         <p:nvPicPr>
-          <p:cNvPr id="8194" name="Picture 2" descr="C:\Users\s201003\Desktop\mschott_vulkan_multi_threading-2.jpg"/>
+          <p:cNvPr id="7" name="Immagine 6">
+            <a:extLst>
+              <a:ext uri="{FF2B5EF4-FFF2-40B4-BE49-F238E27FC236}">
+                <a16:creationId xmlns:a16="http://schemas.microsoft.com/office/drawing/2014/main" id="{C66A24C4-4D0C-41BC-82A3-1F454E8174B1}"/>
+              </a:ext>
+            </a:extLst>
+          </p:cNvPr>
           <p:cNvPicPr>
-            <a:picLocks noChangeAspect="1" noChangeArrowheads="1"/>
+            <a:picLocks noChangeAspect="1"/>
           </p:cNvPicPr>
           <p:nvPr/>
         </p:nvPicPr>
@@ -8922,36 +10911,521 @@
               </a:ext>
             </a:extLst>
           </a:blip>
-          <a:srcRect/>
           <a:stretch>
             <a:fillRect/>
           </a:stretch>
         </p:blipFill>
-        <p:spPr bwMode="auto">
-          <a:xfrm>
-            <a:off x="539552" y="1817071"/>
-            <a:ext cx="7165264" cy="4030461"/>
+        <p:spPr>
+          <a:xfrm>
+            <a:off x="3311860" y="2492896"/>
+            <a:ext cx="2520280" cy="2137380"/>
           </a:xfrm>
           <a:prstGeom prst="rect">
             <a:avLst/>
           </a:prstGeom>
-          <a:noFill/>
-          <a:extLst>
-            <a:ext uri="{909E8E84-426E-40DD-AFC4-6F175D3DCCD1}">
-              <a14:hiddenFill xmlns:a14="http://schemas.microsoft.com/office/drawing/2010/main">
-                <a:solidFill>
-                  <a:srgbClr val="FFFFFF"/>
-                </a:solidFill>
-              </a14:hiddenFill>
-            </a:ext>
-          </a:extLst>
         </p:spPr>
       </p:pic>
+      <p:sp>
+        <p:nvSpPr>
+          <p:cNvPr id="12" name="Content Placeholder 2">
+            <a:extLst>
+              <a:ext uri="{FF2B5EF4-FFF2-40B4-BE49-F238E27FC236}">
+                <a16:creationId xmlns:a16="http://schemas.microsoft.com/office/drawing/2014/main" id="{687D8698-D8FE-4405-B1CF-F668F8601085}"/>
+              </a:ext>
+            </a:extLst>
+          </p:cNvPr>
+          <p:cNvSpPr>
+            <a:spLocks noGrp="1"/>
+          </p:cNvSpPr>
+          <p:nvPr>
+            <p:ph sz="quarter" idx="1"/>
+          </p:nvPr>
+        </p:nvSpPr>
+        <p:spPr>
+          <a:xfrm>
+            <a:off x="755576" y="1700808"/>
+            <a:ext cx="2305107" cy="648072"/>
+          </a:xfrm>
+        </p:spPr>
+        <p:txBody>
+          <a:bodyPr>
+            <a:normAutofit/>
+          </a:bodyPr>
+          <a:lstStyle/>
+          <a:p>
+            <a:pPr marL="0" indent="0">
+              <a:buNone/>
+            </a:pPr>
+            <a:r>
+              <a:rPr lang="it-IT" dirty="0">
+                <a:latin typeface="Arial" panose="020B0604020202020204" pitchFamily="34" charset="0"/>
+                <a:cs typeface="Arial" panose="020B0604020202020204" pitchFamily="34" charset="0"/>
+              </a:rPr>
+              <a:t>Low </a:t>
+            </a:r>
+            <a:r>
+              <a:rPr lang="it-IT" dirty="0" err="1">
+                <a:latin typeface="Arial" panose="020B0604020202020204" pitchFamily="34" charset="0"/>
+                <a:cs typeface="Arial" panose="020B0604020202020204" pitchFamily="34" charset="0"/>
+              </a:rPr>
+              <a:t>overhead</a:t>
+            </a:r>
+            <a:endParaRPr lang="it-IT" dirty="0">
+              <a:latin typeface="Arial" panose="020B0604020202020204" pitchFamily="34" charset="0"/>
+              <a:cs typeface="Arial" panose="020B0604020202020204" pitchFamily="34" charset="0"/>
+            </a:endParaRPr>
+          </a:p>
+        </p:txBody>
+      </p:sp>
+      <p:sp>
+        <p:nvSpPr>
+          <p:cNvPr id="13" name="Content Placeholder 2">
+            <a:extLst>
+              <a:ext uri="{FF2B5EF4-FFF2-40B4-BE49-F238E27FC236}">
+                <a16:creationId xmlns:a16="http://schemas.microsoft.com/office/drawing/2014/main" id="{165A4090-05A9-4C3F-9F22-527B59524CD2}"/>
+              </a:ext>
+            </a:extLst>
+          </p:cNvPr>
+          <p:cNvSpPr txBox="1">
+            <a:spLocks/>
+          </p:cNvSpPr>
+          <p:nvPr/>
+        </p:nvSpPr>
+        <p:spPr>
+          <a:xfrm>
+            <a:off x="755575" y="4265577"/>
+            <a:ext cx="2305107" cy="891615"/>
+          </a:xfrm>
+          <a:prstGeom prst="rect">
+            <a:avLst/>
+          </a:prstGeom>
+        </p:spPr>
+        <p:txBody>
+          <a:bodyPr vert="horz">
+            <a:normAutofit/>
+          </a:bodyPr>
+          <a:lstStyle>
+            <a:lvl1pPr marL="274320" indent="-274320" algn="l" rtl="0" eaLnBrk="1" latinLnBrk="0" hangingPunct="1">
+              <a:spcBef>
+                <a:spcPts val="600"/>
+              </a:spcBef>
+              <a:buClr>
+                <a:schemeClr val="accent1"/>
+              </a:buClr>
+              <a:buSzPct val="70000"/>
+              <a:buFont typeface="Wingdings"/>
+              <a:buChar char=""/>
+              <a:defRPr kumimoji="0" sz="2400" kern="1200">
+                <a:solidFill>
+                  <a:schemeClr val="tx1"/>
+                </a:solidFill>
+                <a:latin typeface="+mn-lt"/>
+                <a:ea typeface="+mn-ea"/>
+                <a:cs typeface="+mn-cs"/>
+              </a:defRPr>
+            </a:lvl1pPr>
+            <a:lvl2pPr marL="640080" indent="-274320" algn="l" rtl="0" eaLnBrk="1" latinLnBrk="0" hangingPunct="1">
+              <a:spcBef>
+                <a:spcPct val="20000"/>
+              </a:spcBef>
+              <a:buClr>
+                <a:schemeClr val="accent1"/>
+              </a:buClr>
+              <a:buSzPct val="80000"/>
+              <a:buFont typeface="Wingdings 2"/>
+              <a:buChar char=""/>
+              <a:defRPr kumimoji="0" sz="2100" kern="1200">
+                <a:solidFill>
+                  <a:schemeClr val="tx1"/>
+                </a:solidFill>
+                <a:latin typeface="+mn-lt"/>
+                <a:ea typeface="+mn-ea"/>
+                <a:cs typeface="+mn-cs"/>
+              </a:defRPr>
+            </a:lvl2pPr>
+            <a:lvl3pPr marL="914400" indent="-182880" algn="l" rtl="0" eaLnBrk="1" latinLnBrk="0" hangingPunct="1">
+              <a:spcBef>
+                <a:spcPct val="20000"/>
+              </a:spcBef>
+              <a:buClr>
+                <a:schemeClr val="accent1">
+                  <a:shade val="75000"/>
+                </a:schemeClr>
+              </a:buClr>
+              <a:buSzPct val="60000"/>
+              <a:buFont typeface="Wingdings"/>
+              <a:buChar char=""/>
+              <a:defRPr kumimoji="0" sz="1800" kern="1200">
+                <a:solidFill>
+                  <a:schemeClr val="tx1"/>
+                </a:solidFill>
+                <a:latin typeface="+mn-lt"/>
+                <a:ea typeface="+mn-ea"/>
+                <a:cs typeface="+mn-cs"/>
+              </a:defRPr>
+            </a:lvl3pPr>
+            <a:lvl4pPr marL="1188720" indent="-182880" algn="l" rtl="0" eaLnBrk="1" latinLnBrk="0" hangingPunct="1">
+              <a:spcBef>
+                <a:spcPct val="20000"/>
+              </a:spcBef>
+              <a:buClr>
+                <a:schemeClr val="accent1">
+                  <a:tint val="60000"/>
+                </a:schemeClr>
+              </a:buClr>
+              <a:buSzPct val="60000"/>
+              <a:buFont typeface="Wingdings"/>
+              <a:buChar char=""/>
+              <a:defRPr kumimoji="0" sz="1800" kern="1200">
+                <a:solidFill>
+                  <a:schemeClr val="tx1"/>
+                </a:solidFill>
+                <a:latin typeface="+mn-lt"/>
+                <a:ea typeface="+mn-ea"/>
+                <a:cs typeface="+mn-cs"/>
+              </a:defRPr>
+            </a:lvl4pPr>
+            <a:lvl5pPr marL="1463040" indent="-182880" algn="l" rtl="0" eaLnBrk="1" latinLnBrk="0" hangingPunct="1">
+              <a:spcBef>
+                <a:spcPct val="20000"/>
+              </a:spcBef>
+              <a:buClr>
+                <a:schemeClr val="accent2">
+                  <a:tint val="60000"/>
+                </a:schemeClr>
+              </a:buClr>
+              <a:buSzPct val="68000"/>
+              <a:buFont typeface="Wingdings 2"/>
+              <a:buChar char=""/>
+              <a:defRPr kumimoji="0" sz="1600" kern="1200">
+                <a:solidFill>
+                  <a:schemeClr val="tx1"/>
+                </a:solidFill>
+                <a:latin typeface="+mn-lt"/>
+                <a:ea typeface="+mn-ea"/>
+                <a:cs typeface="+mn-cs"/>
+              </a:defRPr>
+            </a:lvl5pPr>
+            <a:lvl6pPr marL="1737360" indent="-182880" algn="l" rtl="0" eaLnBrk="1" latinLnBrk="0" hangingPunct="1">
+              <a:spcBef>
+                <a:spcPct val="20000"/>
+              </a:spcBef>
+              <a:buClr>
+                <a:schemeClr val="accent1"/>
+              </a:buClr>
+              <a:buChar char="•"/>
+              <a:defRPr kumimoji="0" sz="1600" kern="1200">
+                <a:solidFill>
+                  <a:schemeClr val="tx2"/>
+                </a:solidFill>
+                <a:latin typeface="+mn-lt"/>
+                <a:ea typeface="+mn-ea"/>
+                <a:cs typeface="+mn-cs"/>
+              </a:defRPr>
+            </a:lvl6pPr>
+            <a:lvl7pPr marL="2011680" indent="-182880" algn="l" rtl="0" eaLnBrk="1" latinLnBrk="0" hangingPunct="1">
+              <a:spcBef>
+                <a:spcPct val="20000"/>
+              </a:spcBef>
+              <a:buClr>
+                <a:schemeClr val="accent1">
+                  <a:tint val="60000"/>
+                </a:schemeClr>
+              </a:buClr>
+              <a:buSzPct val="60000"/>
+              <a:buFont typeface="Wingdings"/>
+              <a:buChar char=""/>
+              <a:defRPr kumimoji="0" sz="1400" kern="1200" baseline="0">
+                <a:solidFill>
+                  <a:schemeClr val="tx2"/>
+                </a:solidFill>
+                <a:latin typeface="+mn-lt"/>
+                <a:ea typeface="+mn-ea"/>
+                <a:cs typeface="+mn-cs"/>
+              </a:defRPr>
+            </a:lvl7pPr>
+            <a:lvl8pPr marL="2286000" indent="-182880" algn="l" rtl="0" eaLnBrk="1" latinLnBrk="0" hangingPunct="1">
+              <a:spcBef>
+                <a:spcPct val="20000"/>
+              </a:spcBef>
+              <a:buClr>
+                <a:schemeClr val="accent2"/>
+              </a:buClr>
+              <a:buChar char="•"/>
+              <a:defRPr kumimoji="0" sz="1400" kern="1200" cap="small" baseline="0">
+                <a:solidFill>
+                  <a:schemeClr val="tx2"/>
+                </a:solidFill>
+                <a:latin typeface="+mn-lt"/>
+                <a:ea typeface="+mn-ea"/>
+                <a:cs typeface="+mn-cs"/>
+              </a:defRPr>
+            </a:lvl8pPr>
+            <a:lvl9pPr marL="2560320" indent="-182880" algn="l" rtl="0" eaLnBrk="1" latinLnBrk="0" hangingPunct="1">
+              <a:spcBef>
+                <a:spcPct val="20000"/>
+              </a:spcBef>
+              <a:buClr>
+                <a:schemeClr val="accent1">
+                  <a:shade val="75000"/>
+                </a:schemeClr>
+              </a:buClr>
+              <a:buChar char="•"/>
+              <a:defRPr kumimoji="0" sz="1400" kern="1200" baseline="0">
+                <a:solidFill>
+                  <a:schemeClr val="tx2"/>
+                </a:solidFill>
+                <a:latin typeface="+mn-lt"/>
+                <a:ea typeface="+mn-ea"/>
+                <a:cs typeface="+mn-cs"/>
+              </a:defRPr>
+            </a:lvl9pPr>
+          </a:lstStyle>
+          <a:p>
+            <a:pPr marL="0" indent="0">
+              <a:buFont typeface="Wingdings"/>
+              <a:buNone/>
+            </a:pPr>
+            <a:r>
+              <a:rPr lang="it-IT" dirty="0">
+                <a:latin typeface="Arial" panose="020B0604020202020204" pitchFamily="34" charset="0"/>
+                <a:cs typeface="Arial" panose="020B0604020202020204" pitchFamily="34" charset="0"/>
+              </a:rPr>
+              <a:t>Controllo diretto GPU</a:t>
+            </a:r>
+          </a:p>
+        </p:txBody>
+      </p:sp>
+      <p:sp>
+        <p:nvSpPr>
+          <p:cNvPr id="14" name="Content Placeholder 2">
+            <a:extLst>
+              <a:ext uri="{FF2B5EF4-FFF2-40B4-BE49-F238E27FC236}">
+                <a16:creationId xmlns:a16="http://schemas.microsoft.com/office/drawing/2014/main" id="{75E49DCC-E49D-429E-9620-F2635BE5E51E}"/>
+              </a:ext>
+            </a:extLst>
+          </p:cNvPr>
+          <p:cNvSpPr txBox="1">
+            <a:spLocks/>
+          </p:cNvSpPr>
+          <p:nvPr/>
+        </p:nvSpPr>
+        <p:spPr>
+          <a:xfrm>
+            <a:off x="6111919" y="1700808"/>
+            <a:ext cx="2305107" cy="648072"/>
+          </a:xfrm>
+          <a:prstGeom prst="rect">
+            <a:avLst/>
+          </a:prstGeom>
+        </p:spPr>
+        <p:txBody>
+          <a:bodyPr vert="horz">
+            <a:normAutofit fontScale="92500"/>
+          </a:bodyPr>
+          <a:lstStyle>
+            <a:lvl1pPr marL="274320" indent="-274320" algn="l" rtl="0" eaLnBrk="1" latinLnBrk="0" hangingPunct="1">
+              <a:spcBef>
+                <a:spcPts val="600"/>
+              </a:spcBef>
+              <a:buClr>
+                <a:schemeClr val="accent1"/>
+              </a:buClr>
+              <a:buSzPct val="70000"/>
+              <a:buFont typeface="Wingdings"/>
+              <a:buChar char=""/>
+              <a:defRPr kumimoji="0" sz="2400" kern="1200">
+                <a:solidFill>
+                  <a:schemeClr val="tx1"/>
+                </a:solidFill>
+                <a:latin typeface="+mn-lt"/>
+                <a:ea typeface="+mn-ea"/>
+                <a:cs typeface="+mn-cs"/>
+              </a:defRPr>
+            </a:lvl1pPr>
+            <a:lvl2pPr marL="640080" indent="-274320" algn="l" rtl="0" eaLnBrk="1" latinLnBrk="0" hangingPunct="1">
+              <a:spcBef>
+                <a:spcPct val="20000"/>
+              </a:spcBef>
+              <a:buClr>
+                <a:schemeClr val="accent1"/>
+              </a:buClr>
+              <a:buSzPct val="80000"/>
+              <a:buFont typeface="Wingdings 2"/>
+              <a:buChar char=""/>
+              <a:defRPr kumimoji="0" sz="2100" kern="1200">
+                <a:solidFill>
+                  <a:schemeClr val="tx1"/>
+                </a:solidFill>
+                <a:latin typeface="+mn-lt"/>
+                <a:ea typeface="+mn-ea"/>
+                <a:cs typeface="+mn-cs"/>
+              </a:defRPr>
+            </a:lvl2pPr>
+            <a:lvl3pPr marL="914400" indent="-182880" algn="l" rtl="0" eaLnBrk="1" latinLnBrk="0" hangingPunct="1">
+              <a:spcBef>
+                <a:spcPct val="20000"/>
+              </a:spcBef>
+              <a:buClr>
+                <a:schemeClr val="accent1">
+                  <a:shade val="75000"/>
+                </a:schemeClr>
+              </a:buClr>
+              <a:buSzPct val="60000"/>
+              <a:buFont typeface="Wingdings"/>
+              <a:buChar char=""/>
+              <a:defRPr kumimoji="0" sz="1800" kern="1200">
+                <a:solidFill>
+                  <a:schemeClr val="tx1"/>
+                </a:solidFill>
+                <a:latin typeface="+mn-lt"/>
+                <a:ea typeface="+mn-ea"/>
+                <a:cs typeface="+mn-cs"/>
+              </a:defRPr>
+            </a:lvl3pPr>
+            <a:lvl4pPr marL="1188720" indent="-182880" algn="l" rtl="0" eaLnBrk="1" latinLnBrk="0" hangingPunct="1">
+              <a:spcBef>
+                <a:spcPct val="20000"/>
+              </a:spcBef>
+              <a:buClr>
+                <a:schemeClr val="accent1">
+                  <a:tint val="60000"/>
+                </a:schemeClr>
+              </a:buClr>
+              <a:buSzPct val="60000"/>
+              <a:buFont typeface="Wingdings"/>
+              <a:buChar char=""/>
+              <a:defRPr kumimoji="0" sz="1800" kern="1200">
+                <a:solidFill>
+                  <a:schemeClr val="tx1"/>
+                </a:solidFill>
+                <a:latin typeface="+mn-lt"/>
+                <a:ea typeface="+mn-ea"/>
+                <a:cs typeface="+mn-cs"/>
+              </a:defRPr>
+            </a:lvl4pPr>
+            <a:lvl5pPr marL="1463040" indent="-182880" algn="l" rtl="0" eaLnBrk="1" latinLnBrk="0" hangingPunct="1">
+              <a:spcBef>
+                <a:spcPct val="20000"/>
+              </a:spcBef>
+              <a:buClr>
+                <a:schemeClr val="accent2">
+                  <a:tint val="60000"/>
+                </a:schemeClr>
+              </a:buClr>
+              <a:buSzPct val="68000"/>
+              <a:buFont typeface="Wingdings 2"/>
+              <a:buChar char=""/>
+              <a:defRPr kumimoji="0" sz="1600" kern="1200">
+                <a:solidFill>
+                  <a:schemeClr val="tx1"/>
+                </a:solidFill>
+                <a:latin typeface="+mn-lt"/>
+                <a:ea typeface="+mn-ea"/>
+                <a:cs typeface="+mn-cs"/>
+              </a:defRPr>
+            </a:lvl5pPr>
+            <a:lvl6pPr marL="1737360" indent="-182880" algn="l" rtl="0" eaLnBrk="1" latinLnBrk="0" hangingPunct="1">
+              <a:spcBef>
+                <a:spcPct val="20000"/>
+              </a:spcBef>
+              <a:buClr>
+                <a:schemeClr val="accent1"/>
+              </a:buClr>
+              <a:buChar char="•"/>
+              <a:defRPr kumimoji="0" sz="1600" kern="1200">
+                <a:solidFill>
+                  <a:schemeClr val="tx2"/>
+                </a:solidFill>
+                <a:latin typeface="+mn-lt"/>
+                <a:ea typeface="+mn-ea"/>
+                <a:cs typeface="+mn-cs"/>
+              </a:defRPr>
+            </a:lvl6pPr>
+            <a:lvl7pPr marL="2011680" indent="-182880" algn="l" rtl="0" eaLnBrk="1" latinLnBrk="0" hangingPunct="1">
+              <a:spcBef>
+                <a:spcPct val="20000"/>
+              </a:spcBef>
+              <a:buClr>
+                <a:schemeClr val="accent1">
+                  <a:tint val="60000"/>
+                </a:schemeClr>
+              </a:buClr>
+              <a:buSzPct val="60000"/>
+              <a:buFont typeface="Wingdings"/>
+              <a:buChar char=""/>
+              <a:defRPr kumimoji="0" sz="1400" kern="1200" baseline="0">
+                <a:solidFill>
+                  <a:schemeClr val="tx2"/>
+                </a:solidFill>
+                <a:latin typeface="+mn-lt"/>
+                <a:ea typeface="+mn-ea"/>
+                <a:cs typeface="+mn-cs"/>
+              </a:defRPr>
+            </a:lvl7pPr>
+            <a:lvl8pPr marL="2286000" indent="-182880" algn="l" rtl="0" eaLnBrk="1" latinLnBrk="0" hangingPunct="1">
+              <a:spcBef>
+                <a:spcPct val="20000"/>
+              </a:spcBef>
+              <a:buClr>
+                <a:schemeClr val="accent2"/>
+              </a:buClr>
+              <a:buChar char="•"/>
+              <a:defRPr kumimoji="0" sz="1400" kern="1200" cap="small" baseline="0">
+                <a:solidFill>
+                  <a:schemeClr val="tx2"/>
+                </a:solidFill>
+                <a:latin typeface="+mn-lt"/>
+                <a:ea typeface="+mn-ea"/>
+                <a:cs typeface="+mn-cs"/>
+              </a:defRPr>
+            </a:lvl8pPr>
+            <a:lvl9pPr marL="2560320" indent="-182880" algn="l" rtl="0" eaLnBrk="1" latinLnBrk="0" hangingPunct="1">
+              <a:spcBef>
+                <a:spcPct val="20000"/>
+              </a:spcBef>
+              <a:buClr>
+                <a:schemeClr val="accent1">
+                  <a:shade val="75000"/>
+                </a:schemeClr>
+              </a:buClr>
+              <a:buChar char="•"/>
+              <a:defRPr kumimoji="0" sz="1400" kern="1200" baseline="0">
+                <a:solidFill>
+                  <a:schemeClr val="tx2"/>
+                </a:solidFill>
+                <a:latin typeface="+mn-lt"/>
+                <a:ea typeface="+mn-ea"/>
+                <a:cs typeface="+mn-cs"/>
+              </a:defRPr>
+            </a:lvl9pPr>
+          </a:lstStyle>
+          <a:p>
+            <a:pPr marL="0" indent="0">
+              <a:buFont typeface="Wingdings"/>
+              <a:buNone/>
+            </a:pPr>
+            <a:r>
+              <a:rPr lang="it-IT" dirty="0">
+                <a:latin typeface="Arial" panose="020B0604020202020204" pitchFamily="34" charset="0"/>
+                <a:cs typeface="Arial" panose="020B0604020202020204" pitchFamily="34" charset="0"/>
+              </a:rPr>
+              <a:t>Multi-Architettura</a:t>
+            </a:r>
+          </a:p>
+        </p:txBody>
+      </p:sp>
       <p:pic>
         <p:nvPicPr>
-          <p:cNvPr id="8195" name="Picture 3" descr="C:\Users\s201003\Desktop\opengl_logo.png"/>
+          <p:cNvPr id="18" name="Elemento grafico 17" descr="Freccia: leggera curva">
+            <a:extLst>
+              <a:ext uri="{FF2B5EF4-FFF2-40B4-BE49-F238E27FC236}">
+                <a16:creationId xmlns:a16="http://schemas.microsoft.com/office/drawing/2014/main" id="{A1F02F6A-8108-4418-B52F-BFE1C278B688}"/>
+              </a:ext>
+            </a:extLst>
+          </p:cNvPr>
           <p:cNvPicPr>
-            <a:picLocks noChangeAspect="1" noChangeArrowheads="1"/>
+            <a:picLocks noChangeAspect="1"/>
           </p:cNvPicPr>
           <p:nvPr/>
         </p:nvPicPr>
@@ -8961,37 +11435,107 @@
               <a:ext uri="{28A0092B-C50C-407E-A947-70E740481C1C}">
                 <a14:useLocalDpi xmlns:a14="http://schemas.microsoft.com/office/drawing/2010/main" val="0"/>
               </a:ext>
+              <a:ext uri="{96DAC541-7B7A-43D3-8B79-37D633B846F1}">
+                <asvg:svgBlip xmlns:asvg="http://schemas.microsoft.com/office/drawing/2016/SVG/main" r:embed="rId6"/>
+              </a:ext>
             </a:extLst>
           </a:blip>
-          <a:srcRect/>
           <a:stretch>
             <a:fillRect/>
           </a:stretch>
         </p:blipFill>
-        <p:spPr bwMode="auto">
-          <a:xfrm>
-            <a:off x="5724128" y="1220060"/>
-            <a:ext cx="2736304" cy="1194023"/>
+        <p:spPr>
+          <a:xfrm rot="11602275">
+            <a:off x="2975062" y="1658643"/>
+            <a:ext cx="1095316" cy="914400"/>
           </a:xfrm>
           <a:prstGeom prst="rect">
             <a:avLst/>
           </a:prstGeom>
-          <a:noFill/>
-          <a:extLst>
-            <a:ext uri="{909E8E84-426E-40DD-AFC4-6F175D3DCCD1}">
-              <a14:hiddenFill xmlns:a14="http://schemas.microsoft.com/office/drawing/2010/main">
-                <a:solidFill>
-                  <a:srgbClr val="FFFFFF"/>
-                </a:solidFill>
-              </a14:hiddenFill>
-            </a:ext>
-          </a:extLst>
+        </p:spPr>
+      </p:pic>
+      <p:pic>
+        <p:nvPicPr>
+          <p:cNvPr id="19" name="Elemento grafico 18" descr="Freccia: leggera curva">
+            <a:extLst>
+              <a:ext uri="{FF2B5EF4-FFF2-40B4-BE49-F238E27FC236}">
+                <a16:creationId xmlns:a16="http://schemas.microsoft.com/office/drawing/2014/main" id="{FC0B059D-9CE4-472B-A0BC-EE070BEC5BFB}"/>
+              </a:ext>
+            </a:extLst>
+          </p:cNvPr>
+          <p:cNvPicPr>
+            <a:picLocks noChangeAspect="1"/>
+          </p:cNvPicPr>
+          <p:nvPr/>
+        </p:nvPicPr>
+        <p:blipFill>
+          <a:blip r:embed="rId5">
+            <a:extLst>
+              <a:ext uri="{28A0092B-C50C-407E-A947-70E740481C1C}">
+                <a14:useLocalDpi xmlns:a14="http://schemas.microsoft.com/office/drawing/2010/main" val="0"/>
+              </a:ext>
+              <a:ext uri="{96DAC541-7B7A-43D3-8B79-37D633B846F1}">
+                <asvg:svgBlip xmlns:asvg="http://schemas.microsoft.com/office/drawing/2016/SVG/main" r:embed="rId6"/>
+              </a:ext>
+            </a:extLst>
+          </a:blip>
+          <a:stretch>
+            <a:fillRect/>
+          </a:stretch>
+        </p:blipFill>
+        <p:spPr>
+          <a:xfrm rot="8989228">
+            <a:off x="2060936" y="3381379"/>
+            <a:ext cx="1095316" cy="914400"/>
+          </a:xfrm>
+          <a:prstGeom prst="rect">
+            <a:avLst/>
+          </a:prstGeom>
+        </p:spPr>
+      </p:pic>
+      <p:pic>
+        <p:nvPicPr>
+          <p:cNvPr id="20" name="Elemento grafico 19" descr="Freccia: leggera curva">
+            <a:extLst>
+              <a:ext uri="{FF2B5EF4-FFF2-40B4-BE49-F238E27FC236}">
+                <a16:creationId xmlns:a16="http://schemas.microsoft.com/office/drawing/2014/main" id="{4E352FD3-8410-4B4D-BE89-8EB58831B9D2}"/>
+              </a:ext>
+            </a:extLst>
+          </p:cNvPr>
+          <p:cNvPicPr>
+            <a:picLocks noChangeAspect="1"/>
+          </p:cNvPicPr>
+          <p:nvPr/>
+        </p:nvPicPr>
+        <p:blipFill>
+          <a:blip r:embed="rId5">
+            <a:extLst>
+              <a:ext uri="{28A0092B-C50C-407E-A947-70E740481C1C}">
+                <a14:useLocalDpi xmlns:a14="http://schemas.microsoft.com/office/drawing/2010/main" val="0"/>
+              </a:ext>
+              <a:ext uri="{96DAC541-7B7A-43D3-8B79-37D633B846F1}">
+                <asvg:svgBlip xmlns:asvg="http://schemas.microsoft.com/office/drawing/2016/SVG/main" r:embed="rId6"/>
+              </a:ext>
+            </a:extLst>
+          </a:blip>
+          <a:stretch>
+            <a:fillRect/>
+          </a:stretch>
+        </p:blipFill>
+        <p:spPr>
+          <a:xfrm rot="18667912">
+            <a:off x="5881078" y="2126952"/>
+            <a:ext cx="1095316" cy="914400"/>
+          </a:xfrm>
+          <a:prstGeom prst="rect">
+            <a:avLst/>
+          </a:prstGeom>
         </p:spPr>
       </p:pic>
     </p:spTree>
     <p:extLst>
       <p:ext uri="{BB962C8B-B14F-4D97-AF65-F5344CB8AC3E}">
-        <p14:creationId xmlns:p14="http://schemas.microsoft.com/office/powerpoint/2010/main" val="2611860304"/>
+        <p14:creationId xmlns:p14="http://schemas.microsoft.com/office/powerpoint/2010/main" val="1302178847"/>
       </p:ext>
     </p:extLst>
   </p:cSld>
@@ -9018,44 +11562,15 @@
           <a:chExt cx="0" cy="0"/>
         </a:xfrm>
       </p:grpSpPr>
-      <p:sp>
-        <p:nvSpPr>
-          <p:cNvPr id="2" name="Title 1"/>
-          <p:cNvSpPr>
-            <a:spLocks noGrp="1"/>
-          </p:cNvSpPr>
-          <p:nvPr>
-            <p:ph type="title"/>
-          </p:nvPr>
-        </p:nvSpPr>
-        <p:spPr>
-          <a:xfrm>
-            <a:off x="457200" y="476672"/>
-            <a:ext cx="7571184" cy="648072"/>
-          </a:xfrm>
-        </p:spPr>
-        <p:txBody>
-          <a:bodyPr/>
-          <a:lstStyle/>
-          <a:p>
-            <a:pPr algn="ctr"/>
-            <a:r>
-              <a:rPr lang="it-IT" dirty="0" smtClean="0">
-                <a:solidFill>
-                  <a:srgbClr val="A80408"/>
-                </a:solidFill>
-                <a:latin typeface="Arial" panose="020B0604020202020204" pitchFamily="34" charset="0"/>
-                <a:cs typeface="Arial" panose="020B0604020202020204" pitchFamily="34" charset="0"/>
-              </a:rPr>
-              <a:t>2. MULTITHREADING (II)</a:t>
-            </a:r>
-            <a:endParaRPr lang="it-IT" dirty="0"/>
-          </a:p>
-        </p:txBody>
-      </p:sp>
       <p:pic>
         <p:nvPicPr>
-          <p:cNvPr id="2050" name="Picture 2" descr="C:\Users\s201003\Desktop\7065.vulkan+logo.png"/>
+          <p:cNvPr id="4" name="Picture 2" descr="C:\Users\s201003\Desktop\7065.vulkan+logo.png">
+            <a:extLst>
+              <a:ext uri="{FF2B5EF4-FFF2-40B4-BE49-F238E27FC236}">
+                <a16:creationId xmlns:a16="http://schemas.microsoft.com/office/drawing/2014/main" id="{471DFBD0-A6FA-421F-A726-6C7DC20A6140}"/>
+              </a:ext>
+            </a:extLst>
+          </p:cNvPr>
           <p:cNvPicPr>
             <a:picLocks noChangeAspect="1" noChangeArrowheads="1"/>
           </p:cNvPicPr>
@@ -9094,11 +11609,59 @@
           </a:extLst>
         </p:spPr>
       </p:pic>
+      <p:sp>
+        <p:nvSpPr>
+          <p:cNvPr id="6" name="Title 1">
+            <a:extLst>
+              <a:ext uri="{FF2B5EF4-FFF2-40B4-BE49-F238E27FC236}">
+                <a16:creationId xmlns:a16="http://schemas.microsoft.com/office/drawing/2014/main" id="{263A0B7E-B3B4-449A-8B74-C73E88B6BABD}"/>
+              </a:ext>
+            </a:extLst>
+          </p:cNvPr>
+          <p:cNvSpPr>
+            <a:spLocks noGrp="1"/>
+          </p:cNvSpPr>
+          <p:nvPr>
+            <p:ph type="title"/>
+          </p:nvPr>
+        </p:nvSpPr>
+        <p:spPr>
+          <a:xfrm>
+            <a:off x="457200" y="476672"/>
+            <a:ext cx="7959826" cy="648072"/>
+          </a:xfrm>
+        </p:spPr>
+        <p:txBody>
+          <a:bodyPr>
+            <a:normAutofit/>
+          </a:bodyPr>
+          <a:lstStyle/>
+          <a:p>
+            <a:pPr algn="ctr"/>
+            <a:r>
+              <a:rPr lang="it-IT" dirty="0">
+                <a:solidFill>
+                  <a:srgbClr val="A80408"/>
+                </a:solidFill>
+                <a:latin typeface="Arial" panose="020B0604020202020204" pitchFamily="34" charset="0"/>
+                <a:cs typeface="Arial" panose="020B0604020202020204" pitchFamily="34" charset="0"/>
+              </a:rPr>
+              <a:t>THE THALOS PRINCIPLE</a:t>
+            </a:r>
+          </a:p>
+        </p:txBody>
+      </p:sp>
       <p:pic>
         <p:nvPicPr>
-          <p:cNvPr id="9218" name="Picture 2" descr="C:\Users\s201003\Desktop\mschott_vulkan_multi_threading-11.jpg"/>
+          <p:cNvPr id="8" name="Immagine 7">
+            <a:extLst>
+              <a:ext uri="{FF2B5EF4-FFF2-40B4-BE49-F238E27FC236}">
+                <a16:creationId xmlns:a16="http://schemas.microsoft.com/office/drawing/2014/main" id="{8577FE88-2FD6-4202-9EE2-49DEBD3AB265}"/>
+              </a:ext>
+            </a:extLst>
+          </p:cNvPr>
           <p:cNvPicPr>
-            <a:picLocks noChangeAspect="1" noChangeArrowheads="1"/>
+            <a:picLocks noChangeAspect="1"/>
           </p:cNvPicPr>
           <p:nvPr/>
         </p:nvPicPr>
@@ -9110,76 +11673,24 @@
               </a:ext>
             </a:extLst>
           </a:blip>
-          <a:srcRect/>
           <a:stretch>
             <a:fillRect/>
           </a:stretch>
         </p:blipFill>
-        <p:spPr bwMode="auto">
-          <a:xfrm>
-            <a:off x="539552" y="1772816"/>
-            <a:ext cx="7353301" cy="4136232"/>
+        <p:spPr>
+          <a:xfrm>
+            <a:off x="782961" y="1373539"/>
+            <a:ext cx="7308304" cy="4110921"/>
           </a:xfrm>
           <a:prstGeom prst="rect">
             <a:avLst/>
           </a:prstGeom>
-          <a:noFill/>
-          <a:extLst>
-            <a:ext uri="{909E8E84-426E-40DD-AFC4-6F175D3DCCD1}">
-              <a14:hiddenFill xmlns:a14="http://schemas.microsoft.com/office/drawing/2010/main">
-                <a:solidFill>
-                  <a:srgbClr val="FFFFFF"/>
-                </a:solidFill>
-              </a14:hiddenFill>
-            </a:ext>
-          </a:extLst>
-        </p:spPr>
-      </p:pic>
-      <p:pic>
-        <p:nvPicPr>
-          <p:cNvPr id="9219" name="Picture 3" descr="C:\Users\s201003\Desktop\7065.vulkan+logo.png"/>
-          <p:cNvPicPr>
-            <a:picLocks noChangeAspect="1" noChangeArrowheads="1"/>
-          </p:cNvPicPr>
-          <p:nvPr/>
-        </p:nvPicPr>
-        <p:blipFill>
-          <a:blip r:embed="rId5">
-            <a:extLst>
-              <a:ext uri="{28A0092B-C50C-407E-A947-70E740481C1C}">
-                <a14:useLocalDpi xmlns:a14="http://schemas.microsoft.com/office/drawing/2010/main" val="0"/>
-              </a:ext>
-            </a:extLst>
-          </a:blip>
-          <a:srcRect/>
-          <a:stretch>
-            <a:fillRect/>
-          </a:stretch>
-        </p:blipFill>
-        <p:spPr bwMode="auto">
-          <a:xfrm>
-            <a:off x="5769157" y="1179091"/>
-            <a:ext cx="2773433" cy="737741"/>
-          </a:xfrm>
-          <a:prstGeom prst="rect">
-            <a:avLst/>
-          </a:prstGeom>
-          <a:noFill/>
-          <a:extLst>
-            <a:ext uri="{909E8E84-426E-40DD-AFC4-6F175D3DCCD1}">
-              <a14:hiddenFill xmlns:a14="http://schemas.microsoft.com/office/drawing/2010/main">
-                <a:solidFill>
-                  <a:srgbClr val="FFFFFF"/>
-                </a:solidFill>
-              </a14:hiddenFill>
-            </a:ext>
-          </a:extLst>
         </p:spPr>
       </p:pic>
     </p:spTree>
     <p:extLst>
       <p:ext uri="{BB962C8B-B14F-4D97-AF65-F5344CB8AC3E}">
-        <p14:creationId xmlns:p14="http://schemas.microsoft.com/office/powerpoint/2010/main" val="1318229289"/>
+        <p14:creationId xmlns:p14="http://schemas.microsoft.com/office/powerpoint/2010/main" val="3374405183"/>
       </p:ext>
     </p:extLst>
   </p:cSld>
@@ -9219,7 +11730,7 @@
         <p:spPr>
           <a:xfrm>
             <a:off x="457200" y="476672"/>
-            <a:ext cx="7859216" cy="648072"/>
+            <a:ext cx="7571184" cy="648072"/>
           </a:xfrm>
         </p:spPr>
         <p:txBody>
@@ -9228,16 +11739,78 @@
           <a:p>
             <a:pPr algn="ctr"/>
             <a:r>
-              <a:rPr lang="it-IT" dirty="0" smtClean="0">
+              <a:rPr lang="it-IT" dirty="0">
                 <a:solidFill>
                   <a:srgbClr val="A80408"/>
                 </a:solidFill>
                 <a:latin typeface="Arial" panose="020B0604020202020204" pitchFamily="34" charset="0"/>
                 <a:cs typeface="Arial" panose="020B0604020202020204" pitchFamily="34" charset="0"/>
               </a:rPr>
-              <a:t>3. CONTROLLO DIRETTO DELLA GPU</a:t>
+              <a:t>FEATURES PRINCIPALI</a:t>
             </a:r>
             <a:endParaRPr lang="it-IT" dirty="0"/>
+          </a:p>
+        </p:txBody>
+      </p:sp>
+      <p:sp>
+        <p:nvSpPr>
+          <p:cNvPr id="3" name="Content Placeholder 2"/>
+          <p:cNvSpPr>
+            <a:spLocks noGrp="1"/>
+          </p:cNvSpPr>
+          <p:nvPr>
+            <p:ph sz="quarter" idx="1"/>
+          </p:nvPr>
+        </p:nvSpPr>
+        <p:spPr>
+          <a:xfrm>
+            <a:off x="1331640" y="1484784"/>
+            <a:ext cx="6603504" cy="3340968"/>
+          </a:xfrm>
+        </p:spPr>
+        <p:txBody>
+          <a:bodyPr anchor="ctr">
+            <a:normAutofit/>
+          </a:bodyPr>
+          <a:lstStyle/>
+          <a:p>
+            <a:pPr marL="457200" indent="-457200">
+              <a:buFont typeface="+mj-lt"/>
+              <a:buAutoNum type="arabicPeriod"/>
+            </a:pPr>
+            <a:r>
+              <a:rPr lang="it-IT" dirty="0">
+                <a:latin typeface="Arial" panose="020B0604020202020204" pitchFamily="34" charset="0"/>
+                <a:cs typeface="Arial" panose="020B0604020202020204" pitchFamily="34" charset="0"/>
+              </a:rPr>
+              <a:t>SPIR-V </a:t>
+            </a:r>
+          </a:p>
+          <a:p>
+            <a:pPr marL="457200" indent="-457200">
+              <a:buFont typeface="+mj-lt"/>
+              <a:buAutoNum type="arabicPeriod"/>
+            </a:pPr>
+            <a:r>
+              <a:rPr lang="it-IT" dirty="0">
+                <a:latin typeface="Arial" panose="020B0604020202020204" pitchFamily="34" charset="0"/>
+                <a:cs typeface="Arial" panose="020B0604020202020204" pitchFamily="34" charset="0"/>
+              </a:rPr>
+              <a:t>Multithreading</a:t>
+            </a:r>
+          </a:p>
+          <a:p>
+            <a:pPr marL="457200" indent="-457200">
+              <a:buFont typeface="+mj-lt"/>
+              <a:buAutoNum type="arabicPeriod"/>
+            </a:pPr>
+            <a:r>
+              <a:rPr lang="it-IT" dirty="0">
+                <a:latin typeface="Arial" panose="020B0604020202020204" pitchFamily="34" charset="0"/>
+                <a:cs typeface="Arial" panose="020B0604020202020204" pitchFamily="34" charset="0"/>
+              </a:rPr>
+              <a:t>Controllo diretto della GPU</a:t>
+            </a:r>
           </a:p>
         </p:txBody>
       </p:sp>
@@ -9282,88 +11855,10 @@
           </a:extLst>
         </p:spPr>
       </p:pic>
-      <p:pic>
-        <p:nvPicPr>
-          <p:cNvPr id="10242" name="Picture 2" descr="C:\Users\s201003\Desktop\Material pp\vulkan_webpage.png"/>
-          <p:cNvPicPr>
-            <a:picLocks noChangeAspect="1" noChangeArrowheads="1"/>
-          </p:cNvPicPr>
-          <p:nvPr/>
-        </p:nvPicPr>
-        <p:blipFill>
-          <a:blip r:embed="rId4">
-            <a:extLst>
-              <a:ext uri="{28A0092B-C50C-407E-A947-70E740481C1C}">
-                <a14:useLocalDpi xmlns:a14="http://schemas.microsoft.com/office/drawing/2010/main" val="0"/>
-              </a:ext>
-            </a:extLst>
-          </a:blip>
-          <a:srcRect/>
-          <a:stretch>
-            <a:fillRect/>
-          </a:stretch>
-        </p:blipFill>
-        <p:spPr bwMode="auto">
-          <a:xfrm>
-            <a:off x="1115616" y="2083122"/>
-            <a:ext cx="6119073" cy="3551931"/>
-          </a:xfrm>
-          <a:prstGeom prst="rect">
-            <a:avLst/>
-          </a:prstGeom>
-          <a:noFill/>
-          <a:extLst>
-            <a:ext uri="{909E8E84-426E-40DD-AFC4-6F175D3DCCD1}">
-              <a14:hiddenFill xmlns:a14="http://schemas.microsoft.com/office/drawing/2010/main">
-                <a:solidFill>
-                  <a:srgbClr val="FFFFFF"/>
-                </a:solidFill>
-              </a14:hiddenFill>
-            </a:ext>
-          </a:extLst>
-        </p:spPr>
-      </p:pic>
-      <p:sp>
-        <p:nvSpPr>
-          <p:cNvPr id="4" name="TextBox 3"/>
-          <p:cNvSpPr txBox="1"/>
-          <p:nvPr/>
-        </p:nvSpPr>
-        <p:spPr>
-          <a:xfrm>
-            <a:off x="848018" y="1268760"/>
-            <a:ext cx="7684421" cy="646331"/>
-          </a:xfrm>
-          <a:prstGeom prst="rect">
-            <a:avLst/>
-          </a:prstGeom>
-          <a:noFill/>
-        </p:spPr>
-        <p:txBody>
-          <a:bodyPr wrap="square" rtlCol="0">
-            <a:spAutoFit/>
-          </a:bodyPr>
-          <a:lstStyle/>
-          <a:p>
-            <a:pPr algn="just"/>
-            <a:r>
-              <a:rPr lang="it-IT" dirty="0" smtClean="0">
-                <a:latin typeface="Arial" panose="020B0604020202020204" pitchFamily="34" charset="0"/>
-                <a:cs typeface="Arial" panose="020B0604020202020204" pitchFamily="34" charset="0"/>
-              </a:rPr>
-              <a:t>Il controllo e la gestione della GPU sono spostate dai driver alle applicazioni. Questo permette l’utilizzo di MultiGPU a livello applicazione.</a:t>
-            </a:r>
-            <a:endParaRPr lang="it-IT" dirty="0">
-              <a:latin typeface="Arial" panose="020B0604020202020204" pitchFamily="34" charset="0"/>
-              <a:cs typeface="Arial" panose="020B0604020202020204" pitchFamily="34" charset="0"/>
-            </a:endParaRPr>
-          </a:p>
-        </p:txBody>
-      </p:sp>
     </p:spTree>
     <p:extLst>
       <p:ext uri="{BB962C8B-B14F-4D97-AF65-F5344CB8AC3E}">
-        <p14:creationId xmlns:p14="http://schemas.microsoft.com/office/powerpoint/2010/main" val="2611860304"/>
+        <p14:creationId xmlns:p14="http://schemas.microsoft.com/office/powerpoint/2010/main" val="3999227176"/>
       </p:ext>
     </p:extLst>
   </p:cSld>
@@ -9403,7 +11898,7 @@
         <p:spPr>
           <a:xfrm>
             <a:off x="457200" y="476672"/>
-            <a:ext cx="7859216" cy="648072"/>
+            <a:ext cx="7571184" cy="648072"/>
           </a:xfrm>
         </p:spPr>
         <p:txBody>
@@ -9412,16 +11907,105 @@
           <a:p>
             <a:pPr algn="ctr"/>
             <a:r>
-              <a:rPr lang="it-IT" dirty="0" smtClean="0">
+              <a:rPr lang="it-IT" dirty="0">
                 <a:solidFill>
                   <a:srgbClr val="A80408"/>
                 </a:solidFill>
                 <a:latin typeface="Arial" panose="020B0604020202020204" pitchFamily="34" charset="0"/>
                 <a:cs typeface="Arial" panose="020B0604020202020204" pitchFamily="34" charset="0"/>
               </a:rPr>
-              <a:t>PERCHÉ SCEGLIERE VULKAN?</a:t>
+              <a:t>1. SPIR-V</a:t>
             </a:r>
             <a:endParaRPr lang="it-IT" dirty="0"/>
+          </a:p>
+        </p:txBody>
+      </p:sp>
+      <p:sp>
+        <p:nvSpPr>
+          <p:cNvPr id="3" name="Content Placeholder 2"/>
+          <p:cNvSpPr>
+            <a:spLocks noGrp="1"/>
+          </p:cNvSpPr>
+          <p:nvPr>
+            <p:ph sz="quarter" idx="1"/>
+          </p:nvPr>
+        </p:nvSpPr>
+        <p:spPr>
+          <a:xfrm>
+            <a:off x="467544" y="1438827"/>
+            <a:ext cx="8136904" cy="3358325"/>
+          </a:xfrm>
+        </p:spPr>
+        <p:txBody>
+          <a:bodyPr>
+            <a:normAutofit/>
+          </a:bodyPr>
+          <a:lstStyle/>
+          <a:p>
+            <a:pPr marL="0" indent="0">
+              <a:buNone/>
+            </a:pPr>
+            <a:r>
+              <a:rPr lang="it-IT" sz="2000" dirty="0">
+                <a:latin typeface="Arial" panose="020B0604020202020204" pitchFamily="34" charset="0"/>
+                <a:cs typeface="Arial" panose="020B0604020202020204" pitchFamily="34" charset="0"/>
+              </a:rPr>
+              <a:t>Innovativo linguaggio intermedio binario e platform-independent usato da Vulkan perchè:</a:t>
+            </a:r>
+          </a:p>
+          <a:p>
+            <a:pPr marL="0" indent="0">
+              <a:buNone/>
+            </a:pPr>
+            <a:endParaRPr lang="it-IT" sz="2000" dirty="0">
+              <a:latin typeface="Arial" panose="020B0604020202020204" pitchFamily="34" charset="0"/>
+              <a:cs typeface="Arial" panose="020B0604020202020204" pitchFamily="34" charset="0"/>
+            </a:endParaRPr>
+          </a:p>
+          <a:p>
+            <a:r>
+              <a:rPr lang="it-IT" sz="2000" dirty="0">
+                <a:latin typeface="Arial" panose="020B0604020202020204" pitchFamily="34" charset="0"/>
+                <a:cs typeface="Arial" panose="020B0604020202020204" pitchFamily="34" charset="0"/>
+              </a:rPr>
+              <a:t>Permette di precompilare gli shader</a:t>
+            </a:r>
+          </a:p>
+          <a:p>
+            <a:r>
+              <a:rPr lang="it-IT" sz="2000" dirty="0">
+                <a:latin typeface="Arial" panose="020B0604020202020204" pitchFamily="34" charset="0"/>
+                <a:cs typeface="Arial" panose="020B0604020202020204" pitchFamily="34" charset="0"/>
+              </a:rPr>
+              <a:t>Permette di scrivere shader in linguaggi diversi da GLSL</a:t>
+            </a:r>
+          </a:p>
+          <a:p>
+            <a:r>
+              <a:rPr lang="it-IT" sz="2000" dirty="0">
+                <a:latin typeface="Arial" panose="020B0604020202020204" pitchFamily="34" charset="0"/>
+                <a:cs typeface="Arial" panose="020B0604020202020204" pitchFamily="34" charset="0"/>
+              </a:rPr>
+              <a:t>Alleggerisce il carico di lavoro sui driver della GPU</a:t>
+            </a:r>
+          </a:p>
+          <a:p>
+            <a:pPr marL="0" indent="0">
+              <a:buNone/>
+            </a:pPr>
+            <a:endParaRPr lang="it-IT" sz="2000" dirty="0">
+              <a:latin typeface="Arial" panose="020B0604020202020204" pitchFamily="34" charset="0"/>
+              <a:cs typeface="Arial" panose="020B0604020202020204" pitchFamily="34" charset="0"/>
+            </a:endParaRPr>
+          </a:p>
+          <a:p>
+            <a:pPr marL="0" indent="0">
+              <a:buNone/>
+            </a:pPr>
+            <a:endParaRPr lang="it-IT" sz="2000" dirty="0">
+              <a:latin typeface="Arial" panose="020B0604020202020204" pitchFamily="34" charset="0"/>
+              <a:cs typeface="Arial" panose="020B0604020202020204" pitchFamily="34" charset="0"/>
+            </a:endParaRPr>
           </a:p>
         </p:txBody>
       </p:sp>
@@ -9468,27 +12052,29 @@
       </p:pic>
       <p:pic>
         <p:nvPicPr>
-          <p:cNvPr id="11266" name="Picture 2" descr="C:\Users\s201003\Desktop\Material pp\Capt1212.PNG"/>
+          <p:cNvPr id="7170" name="Picture 2" descr="C:\Users\s201003\Desktop\SPIR_logo_2014.svg.png"/>
           <p:cNvPicPr>
             <a:picLocks noChangeAspect="1" noChangeArrowheads="1"/>
           </p:cNvPicPr>
           <p:nvPr/>
         </p:nvPicPr>
-        <p:blipFill rotWithShape="1">
-          <a:blip r:embed="rId4">
+        <p:blipFill>
+          <a:blip r:embed="rId4" cstate="print">
             <a:extLst>
               <a:ext uri="{28A0092B-C50C-407E-A947-70E740481C1C}">
                 <a14:useLocalDpi xmlns:a14="http://schemas.microsoft.com/office/drawing/2010/main" val="0"/>
               </a:ext>
             </a:extLst>
           </a:blip>
-          <a:srcRect t="-1" b="635"/>
-          <a:stretch/>
+          <a:srcRect/>
+          <a:stretch>
+            <a:fillRect/>
+          </a:stretch>
         </p:blipFill>
         <p:spPr bwMode="auto">
           <a:xfrm>
-            <a:off x="624894" y="2192288"/>
-            <a:ext cx="7777382" cy="2664296"/>
+            <a:off x="2699792" y="4005064"/>
+            <a:ext cx="3456384" cy="1728192"/>
           </a:xfrm>
           <a:prstGeom prst="rect">
             <a:avLst/>
@@ -9505,10 +12091,220 @@
           </a:extLst>
         </p:spPr>
       </p:pic>
+      <p:sp>
+        <p:nvSpPr>
+          <p:cNvPr id="6" name="Content Placeholder 2"/>
+          <p:cNvSpPr txBox="1">
+            <a:spLocks/>
+          </p:cNvSpPr>
+          <p:nvPr/>
+        </p:nvSpPr>
+        <p:spPr>
+          <a:xfrm>
+            <a:off x="589149" y="2348880"/>
+            <a:ext cx="7848872" cy="478005"/>
+          </a:xfrm>
+          <a:prstGeom prst="rect">
+            <a:avLst/>
+          </a:prstGeom>
+        </p:spPr>
+        <p:txBody>
+          <a:bodyPr vert="horz">
+            <a:normAutofit/>
+          </a:bodyPr>
+          <a:lstStyle>
+            <a:lvl1pPr marL="274320" indent="-274320" algn="l" rtl="0" eaLnBrk="1" latinLnBrk="0" hangingPunct="1">
+              <a:spcBef>
+                <a:spcPts val="600"/>
+              </a:spcBef>
+              <a:buClr>
+                <a:schemeClr val="accent1"/>
+              </a:buClr>
+              <a:buSzPct val="70000"/>
+              <a:buFont typeface="Wingdings"/>
+              <a:buChar char=""/>
+              <a:defRPr kumimoji="0" sz="2400" kern="1200">
+                <a:solidFill>
+                  <a:schemeClr val="tx1"/>
+                </a:solidFill>
+                <a:latin typeface="+mn-lt"/>
+                <a:ea typeface="+mn-ea"/>
+                <a:cs typeface="+mn-cs"/>
+              </a:defRPr>
+            </a:lvl1pPr>
+            <a:lvl2pPr marL="640080" indent="-274320" algn="l" rtl="0" eaLnBrk="1" latinLnBrk="0" hangingPunct="1">
+              <a:spcBef>
+                <a:spcPct val="20000"/>
+              </a:spcBef>
+              <a:buClr>
+                <a:schemeClr val="accent1"/>
+              </a:buClr>
+              <a:buSzPct val="80000"/>
+              <a:buFont typeface="Wingdings 2"/>
+              <a:buChar char=""/>
+              <a:defRPr kumimoji="0" sz="2100" kern="1200">
+                <a:solidFill>
+                  <a:schemeClr val="tx1"/>
+                </a:solidFill>
+                <a:latin typeface="+mn-lt"/>
+                <a:ea typeface="+mn-ea"/>
+                <a:cs typeface="+mn-cs"/>
+              </a:defRPr>
+            </a:lvl2pPr>
+            <a:lvl3pPr marL="914400" indent="-182880" algn="l" rtl="0" eaLnBrk="1" latinLnBrk="0" hangingPunct="1">
+              <a:spcBef>
+                <a:spcPct val="20000"/>
+              </a:spcBef>
+              <a:buClr>
+                <a:schemeClr val="accent1">
+                  <a:shade val="75000"/>
+                </a:schemeClr>
+              </a:buClr>
+              <a:buSzPct val="60000"/>
+              <a:buFont typeface="Wingdings"/>
+              <a:buChar char=""/>
+              <a:defRPr kumimoji="0" sz="1800" kern="1200">
+                <a:solidFill>
+                  <a:schemeClr val="tx1"/>
+                </a:solidFill>
+                <a:latin typeface="+mn-lt"/>
+                <a:ea typeface="+mn-ea"/>
+                <a:cs typeface="+mn-cs"/>
+              </a:defRPr>
+            </a:lvl3pPr>
+            <a:lvl4pPr marL="1188720" indent="-182880" algn="l" rtl="0" eaLnBrk="1" latinLnBrk="0" hangingPunct="1">
+              <a:spcBef>
+                <a:spcPct val="20000"/>
+              </a:spcBef>
+              <a:buClr>
+                <a:schemeClr val="accent1">
+                  <a:tint val="60000"/>
+                </a:schemeClr>
+              </a:buClr>
+              <a:buSzPct val="60000"/>
+              <a:buFont typeface="Wingdings"/>
+              <a:buChar char=""/>
+              <a:defRPr kumimoji="0" sz="1800" kern="1200">
+                <a:solidFill>
+                  <a:schemeClr val="tx1"/>
+                </a:solidFill>
+                <a:latin typeface="+mn-lt"/>
+                <a:ea typeface="+mn-ea"/>
+                <a:cs typeface="+mn-cs"/>
+              </a:defRPr>
+            </a:lvl4pPr>
+            <a:lvl5pPr marL="1463040" indent="-182880" algn="l" rtl="0" eaLnBrk="1" latinLnBrk="0" hangingPunct="1">
+              <a:spcBef>
+                <a:spcPct val="20000"/>
+              </a:spcBef>
+              <a:buClr>
+                <a:schemeClr val="accent2">
+                  <a:tint val="60000"/>
+                </a:schemeClr>
+              </a:buClr>
+              <a:buSzPct val="68000"/>
+              <a:buFont typeface="Wingdings 2"/>
+              <a:buChar char=""/>
+              <a:defRPr kumimoji="0" sz="1600" kern="1200">
+                <a:solidFill>
+                  <a:schemeClr val="tx1"/>
+                </a:solidFill>
+                <a:latin typeface="+mn-lt"/>
+                <a:ea typeface="+mn-ea"/>
+                <a:cs typeface="+mn-cs"/>
+              </a:defRPr>
+            </a:lvl5pPr>
+            <a:lvl6pPr marL="1737360" indent="-182880" algn="l" rtl="0" eaLnBrk="1" latinLnBrk="0" hangingPunct="1">
+              <a:spcBef>
+                <a:spcPct val="20000"/>
+              </a:spcBef>
+              <a:buClr>
+                <a:schemeClr val="accent1"/>
+              </a:buClr>
+              <a:buChar char="•"/>
+              <a:defRPr kumimoji="0" sz="1600" kern="1200">
+                <a:solidFill>
+                  <a:schemeClr val="tx2"/>
+                </a:solidFill>
+                <a:latin typeface="+mn-lt"/>
+                <a:ea typeface="+mn-ea"/>
+                <a:cs typeface="+mn-cs"/>
+              </a:defRPr>
+            </a:lvl6pPr>
+            <a:lvl7pPr marL="2011680" indent="-182880" algn="l" rtl="0" eaLnBrk="1" latinLnBrk="0" hangingPunct="1">
+              <a:spcBef>
+                <a:spcPct val="20000"/>
+              </a:spcBef>
+              <a:buClr>
+                <a:schemeClr val="accent1">
+                  <a:tint val="60000"/>
+                </a:schemeClr>
+              </a:buClr>
+              <a:buSzPct val="60000"/>
+              <a:buFont typeface="Wingdings"/>
+              <a:buChar char=""/>
+              <a:defRPr kumimoji="0" sz="1400" kern="1200" baseline="0">
+                <a:solidFill>
+                  <a:schemeClr val="tx2"/>
+                </a:solidFill>
+                <a:latin typeface="+mn-lt"/>
+                <a:ea typeface="+mn-ea"/>
+                <a:cs typeface="+mn-cs"/>
+              </a:defRPr>
+            </a:lvl7pPr>
+            <a:lvl8pPr marL="2286000" indent="-182880" algn="l" rtl="0" eaLnBrk="1" latinLnBrk="0" hangingPunct="1">
+              <a:spcBef>
+                <a:spcPct val="20000"/>
+              </a:spcBef>
+              <a:buClr>
+                <a:schemeClr val="accent2"/>
+              </a:buClr>
+              <a:buChar char="•"/>
+              <a:defRPr kumimoji="0" sz="1400" kern="1200" cap="small" baseline="0">
+                <a:solidFill>
+                  <a:schemeClr val="tx2"/>
+                </a:solidFill>
+                <a:latin typeface="+mn-lt"/>
+                <a:ea typeface="+mn-ea"/>
+                <a:cs typeface="+mn-cs"/>
+              </a:defRPr>
+            </a:lvl8pPr>
+            <a:lvl9pPr marL="2560320" indent="-182880" algn="l" rtl="0" eaLnBrk="1" latinLnBrk="0" hangingPunct="1">
+              <a:spcBef>
+                <a:spcPct val="20000"/>
+              </a:spcBef>
+              <a:buClr>
+                <a:schemeClr val="accent1">
+                  <a:shade val="75000"/>
+                </a:schemeClr>
+              </a:buClr>
+              <a:buChar char="•"/>
+              <a:defRPr kumimoji="0" sz="1400" kern="1200" baseline="0">
+                <a:solidFill>
+                  <a:schemeClr val="tx2"/>
+                </a:solidFill>
+                <a:latin typeface="+mn-lt"/>
+                <a:ea typeface="+mn-ea"/>
+                <a:cs typeface="+mn-cs"/>
+              </a:defRPr>
+            </a:lvl9pPr>
+          </a:lstStyle>
+          <a:p>
+            <a:pPr marL="0" indent="0">
+              <a:buFont typeface="Wingdings"/>
+              <a:buNone/>
+            </a:pPr>
+            <a:endParaRPr lang="it-IT" dirty="0">
+              <a:latin typeface="Arial" panose="020B0604020202020204" pitchFamily="34" charset="0"/>
+              <a:cs typeface="Arial" panose="020B0604020202020204" pitchFamily="34" charset="0"/>
+            </a:endParaRPr>
+          </a:p>
+        </p:txBody>
+      </p:sp>
     </p:spTree>
     <p:extLst>
       <p:ext uri="{BB962C8B-B14F-4D97-AF65-F5344CB8AC3E}">
-        <p14:creationId xmlns:p14="http://schemas.microsoft.com/office/powerpoint/2010/main" val="788836462"/>
+        <p14:creationId xmlns:p14="http://schemas.microsoft.com/office/powerpoint/2010/main" val="2611860304"/>
       </p:ext>
     </p:extLst>
   </p:cSld>
@@ -9548,7 +12344,7 @@
         <p:spPr>
           <a:xfrm>
             <a:off x="457200" y="476672"/>
-            <a:ext cx="7859216" cy="648072"/>
+            <a:ext cx="7571184" cy="648072"/>
           </a:xfrm>
         </p:spPr>
         <p:txBody>
@@ -9557,14 +12353,14 @@
           <a:p>
             <a:pPr algn="ctr"/>
             <a:r>
-              <a:rPr lang="it-IT" dirty="0" smtClean="0">
+              <a:rPr lang="it-IT" dirty="0">
                 <a:solidFill>
                   <a:srgbClr val="A80408"/>
                 </a:solidFill>
                 <a:latin typeface="Arial" panose="020B0604020202020204" pitchFamily="34" charset="0"/>
                 <a:cs typeface="Arial" panose="020B0604020202020204" pitchFamily="34" charset="0"/>
               </a:rPr>
-              <a:t>CONFRONTO CON OPENGL (I)</a:t>
+              <a:t>2. MULTITHREADING (I)</a:t>
             </a:r>
             <a:endParaRPr lang="it-IT" dirty="0"/>
           </a:p>
@@ -9613,7 +12409,7 @@
       </p:pic>
       <p:pic>
         <p:nvPicPr>
-          <p:cNvPr id="3074" name="Picture 2" descr="C:\Users\s201003\Desktop\vulkan_gltransition_benefits1.png"/>
+          <p:cNvPr id="8194" name="Picture 2" descr="C:\Users\s201003\Desktop\mschott_vulkan_multi_threading-2.jpg"/>
           <p:cNvPicPr>
             <a:picLocks noChangeAspect="1" noChangeArrowheads="1"/>
           </p:cNvPicPr>
@@ -9634,8 +12430,8 @@
         </p:blipFill>
         <p:spPr bwMode="auto">
           <a:xfrm>
-            <a:off x="1321916" y="1858884"/>
-            <a:ext cx="6383337" cy="3276600"/>
+            <a:off x="539552" y="1817071"/>
+            <a:ext cx="7165264" cy="4030461"/>
           </a:xfrm>
           <a:prstGeom prst="rect">
             <a:avLst/>
@@ -9652,10 +12448,51 @@
           </a:extLst>
         </p:spPr>
       </p:pic>
+      <p:pic>
+        <p:nvPicPr>
+          <p:cNvPr id="8195" name="Picture 3" descr="C:\Users\s201003\Desktop\opengl_logo.png"/>
+          <p:cNvPicPr>
+            <a:picLocks noChangeAspect="1" noChangeArrowheads="1"/>
+          </p:cNvPicPr>
+          <p:nvPr/>
+        </p:nvPicPr>
+        <p:blipFill>
+          <a:blip r:embed="rId5">
+            <a:extLst>
+              <a:ext uri="{28A0092B-C50C-407E-A947-70E740481C1C}">
+                <a14:useLocalDpi xmlns:a14="http://schemas.microsoft.com/office/drawing/2010/main" val="0"/>
+              </a:ext>
+            </a:extLst>
+          </a:blip>
+          <a:srcRect/>
+          <a:stretch>
+            <a:fillRect/>
+          </a:stretch>
+        </p:blipFill>
+        <p:spPr bwMode="auto">
+          <a:xfrm>
+            <a:off x="5724128" y="1220060"/>
+            <a:ext cx="2736304" cy="1194023"/>
+          </a:xfrm>
+          <a:prstGeom prst="rect">
+            <a:avLst/>
+          </a:prstGeom>
+          <a:noFill/>
+          <a:extLst>
+            <a:ext uri="{909E8E84-426E-40DD-AFC4-6F175D3DCCD1}">
+              <a14:hiddenFill xmlns:a14="http://schemas.microsoft.com/office/drawing/2010/main">
+                <a:solidFill>
+                  <a:srgbClr val="FFFFFF"/>
+                </a:solidFill>
+              </a14:hiddenFill>
+            </a:ext>
+          </a:extLst>
+        </p:spPr>
+      </p:pic>
     </p:spTree>
     <p:extLst>
       <p:ext uri="{BB962C8B-B14F-4D97-AF65-F5344CB8AC3E}">
-        <p14:creationId xmlns:p14="http://schemas.microsoft.com/office/powerpoint/2010/main" val="3866989470"/>
+        <p14:creationId xmlns:p14="http://schemas.microsoft.com/office/powerpoint/2010/main" val="2611860304"/>
       </p:ext>
     </p:extLst>
   </p:cSld>
